--- a/java/java-logic/Slide-Java-Logic-07.pptx
+++ b/java/java-logic/Slide-Java-Logic-07.pptx
@@ -5,7 +5,7 @@
     <p:sldMasterId id="2147483657" r:id="rId1"/>
   </p:sldMasterIdLst>
   <p:notesMasterIdLst>
-    <p:notesMasterId r:id="rId75"/>
+    <p:notesMasterId r:id="rId74"/>
   </p:notesMasterIdLst>
   <p:sldIdLst>
     <p:sldId id="256" r:id="rId2"/>
@@ -21,90 +21,89 @@
     <p:sldId id="322" r:id="rId12"/>
     <p:sldId id="323" r:id="rId13"/>
     <p:sldId id="324" r:id="rId14"/>
-    <p:sldId id="325" r:id="rId15"/>
-    <p:sldId id="310" r:id="rId16"/>
-    <p:sldId id="326" r:id="rId17"/>
-    <p:sldId id="327" r:id="rId18"/>
-    <p:sldId id="328" r:id="rId19"/>
-    <p:sldId id="329" r:id="rId20"/>
-    <p:sldId id="330" r:id="rId21"/>
-    <p:sldId id="331" r:id="rId22"/>
-    <p:sldId id="332" r:id="rId23"/>
-    <p:sldId id="333" r:id="rId24"/>
-    <p:sldId id="334" r:id="rId25"/>
-    <p:sldId id="335" r:id="rId26"/>
-    <p:sldId id="336" r:id="rId27"/>
-    <p:sldId id="337" r:id="rId28"/>
-    <p:sldId id="338" r:id="rId29"/>
-    <p:sldId id="339" r:id="rId30"/>
-    <p:sldId id="340" r:id="rId31"/>
-    <p:sldId id="341" r:id="rId32"/>
-    <p:sldId id="342" r:id="rId33"/>
-    <p:sldId id="343" r:id="rId34"/>
-    <p:sldId id="344" r:id="rId35"/>
-    <p:sldId id="345" r:id="rId36"/>
-    <p:sldId id="346" r:id="rId37"/>
-    <p:sldId id="311" r:id="rId38"/>
-    <p:sldId id="347" r:id="rId39"/>
-    <p:sldId id="348" r:id="rId40"/>
-    <p:sldId id="312" r:id="rId41"/>
-    <p:sldId id="349" r:id="rId42"/>
-    <p:sldId id="350" r:id="rId43"/>
-    <p:sldId id="351" r:id="rId44"/>
-    <p:sldId id="352" r:id="rId45"/>
-    <p:sldId id="353" r:id="rId46"/>
-    <p:sldId id="354" r:id="rId47"/>
-    <p:sldId id="355" r:id="rId48"/>
-    <p:sldId id="356" r:id="rId49"/>
-    <p:sldId id="357" r:id="rId50"/>
-    <p:sldId id="358" r:id="rId51"/>
-    <p:sldId id="359" r:id="rId52"/>
-    <p:sldId id="360" r:id="rId53"/>
-    <p:sldId id="361" r:id="rId54"/>
-    <p:sldId id="362" r:id="rId55"/>
-    <p:sldId id="313" r:id="rId56"/>
-    <p:sldId id="363" r:id="rId57"/>
-    <p:sldId id="364" r:id="rId58"/>
-    <p:sldId id="365" r:id="rId59"/>
-    <p:sldId id="366" r:id="rId60"/>
-    <p:sldId id="367" r:id="rId61"/>
-    <p:sldId id="368" r:id="rId62"/>
-    <p:sldId id="369" r:id="rId63"/>
-    <p:sldId id="370" r:id="rId64"/>
-    <p:sldId id="371" r:id="rId65"/>
-    <p:sldId id="314" r:id="rId66"/>
-    <p:sldId id="372" r:id="rId67"/>
-    <p:sldId id="373" r:id="rId68"/>
-    <p:sldId id="374" r:id="rId69"/>
-    <p:sldId id="375" r:id="rId70"/>
-    <p:sldId id="376" r:id="rId71"/>
-    <p:sldId id="303" r:id="rId72"/>
-    <p:sldId id="377" r:id="rId73"/>
-    <p:sldId id="378" r:id="rId74"/>
+    <p:sldId id="310" r:id="rId15"/>
+    <p:sldId id="326" r:id="rId16"/>
+    <p:sldId id="327" r:id="rId17"/>
+    <p:sldId id="328" r:id="rId18"/>
+    <p:sldId id="329" r:id="rId19"/>
+    <p:sldId id="330" r:id="rId20"/>
+    <p:sldId id="331" r:id="rId21"/>
+    <p:sldId id="332" r:id="rId22"/>
+    <p:sldId id="333" r:id="rId23"/>
+    <p:sldId id="334" r:id="rId24"/>
+    <p:sldId id="335" r:id="rId25"/>
+    <p:sldId id="336" r:id="rId26"/>
+    <p:sldId id="337" r:id="rId27"/>
+    <p:sldId id="338" r:id="rId28"/>
+    <p:sldId id="339" r:id="rId29"/>
+    <p:sldId id="340" r:id="rId30"/>
+    <p:sldId id="341" r:id="rId31"/>
+    <p:sldId id="342" r:id="rId32"/>
+    <p:sldId id="343" r:id="rId33"/>
+    <p:sldId id="344" r:id="rId34"/>
+    <p:sldId id="345" r:id="rId35"/>
+    <p:sldId id="346" r:id="rId36"/>
+    <p:sldId id="311" r:id="rId37"/>
+    <p:sldId id="347" r:id="rId38"/>
+    <p:sldId id="348" r:id="rId39"/>
+    <p:sldId id="312" r:id="rId40"/>
+    <p:sldId id="349" r:id="rId41"/>
+    <p:sldId id="350" r:id="rId42"/>
+    <p:sldId id="351" r:id="rId43"/>
+    <p:sldId id="352" r:id="rId44"/>
+    <p:sldId id="353" r:id="rId45"/>
+    <p:sldId id="354" r:id="rId46"/>
+    <p:sldId id="355" r:id="rId47"/>
+    <p:sldId id="356" r:id="rId48"/>
+    <p:sldId id="357" r:id="rId49"/>
+    <p:sldId id="358" r:id="rId50"/>
+    <p:sldId id="359" r:id="rId51"/>
+    <p:sldId id="360" r:id="rId52"/>
+    <p:sldId id="361" r:id="rId53"/>
+    <p:sldId id="362" r:id="rId54"/>
+    <p:sldId id="313" r:id="rId55"/>
+    <p:sldId id="363" r:id="rId56"/>
+    <p:sldId id="364" r:id="rId57"/>
+    <p:sldId id="365" r:id="rId58"/>
+    <p:sldId id="366" r:id="rId59"/>
+    <p:sldId id="367" r:id="rId60"/>
+    <p:sldId id="368" r:id="rId61"/>
+    <p:sldId id="369" r:id="rId62"/>
+    <p:sldId id="370" r:id="rId63"/>
+    <p:sldId id="371" r:id="rId64"/>
+    <p:sldId id="314" r:id="rId65"/>
+    <p:sldId id="372" r:id="rId66"/>
+    <p:sldId id="373" r:id="rId67"/>
+    <p:sldId id="374" r:id="rId68"/>
+    <p:sldId id="375" r:id="rId69"/>
+    <p:sldId id="376" r:id="rId70"/>
+    <p:sldId id="303" r:id="rId71"/>
+    <p:sldId id="377" r:id="rId72"/>
+    <p:sldId id="378" r:id="rId73"/>
   </p:sldIdLst>
   <p:sldSz cx="9144000" cy="5143500" type="screen16x9"/>
   <p:notesSz cx="6858000" cy="9144000"/>
   <p:embeddedFontLst>
     <p:embeddedFont>
       <p:font typeface="Arvo" panose="020B0604020202020204" charset="0"/>
-      <p:regular r:id="rId76"/>
-      <p:bold r:id="rId77"/>
-      <p:italic r:id="rId78"/>
-      <p:boldItalic r:id="rId79"/>
+      <p:regular r:id="rId75"/>
+      <p:bold r:id="rId76"/>
+      <p:italic r:id="rId77"/>
+      <p:boldItalic r:id="rId78"/>
     </p:embeddedFont>
     <p:embeddedFont>
       <p:font typeface="Roboto Condensed" panose="020B0604020202020204" charset="0"/>
-      <p:regular r:id="rId80"/>
-      <p:bold r:id="rId81"/>
-      <p:italic r:id="rId82"/>
-      <p:boldItalic r:id="rId83"/>
+      <p:regular r:id="rId79"/>
+      <p:bold r:id="rId80"/>
+      <p:italic r:id="rId81"/>
+      <p:boldItalic r:id="rId82"/>
     </p:embeddedFont>
     <p:embeddedFont>
       <p:font typeface="Roboto Condensed Light" panose="020B0604020202020204" charset="0"/>
-      <p:regular r:id="rId84"/>
-      <p:bold r:id="rId85"/>
-      <p:italic r:id="rId86"/>
-      <p:boldItalic r:id="rId87"/>
+      <p:regular r:id="rId83"/>
+      <p:bold r:id="rId84"/>
+      <p:italic r:id="rId85"/>
+      <p:boldItalic r:id="rId86"/>
     </p:embeddedFont>
   </p:embeddedFontLst>
   <p:defaultTextStyle>
@@ -8962,7 +8961,7 @@
           <p:cNvPr id="2" name="Title 1">
             <a:extLst>
               <a:ext uri="{FF2B5EF4-FFF2-40B4-BE49-F238E27FC236}">
-                <a16:creationId xmlns:a16="http://schemas.microsoft.com/office/drawing/2014/main" id="{65124A56-7E31-4406-B11E-81206E166FB2}"/>
+                <a16:creationId xmlns:a16="http://schemas.microsoft.com/office/drawing/2014/main" id="{E1C4B97A-B25F-41FC-AB69-42B4BFB8A996}"/>
               </a:ext>
             </a:extLst>
           </p:cNvPr>
@@ -8970,7 +8969,7 @@
             <a:spLocks noGrp="1"/>
           </p:cNvSpPr>
           <p:nvPr>
-            <p:ph type="title"/>
+            <p:ph type="ctrTitle"/>
           </p:nvPr>
         </p:nvSpPr>
         <p:spPr/>
@@ -8978,16 +8977,20 @@
           <a:bodyPr/>
           <a:lstStyle/>
           <a:p>
+            <a:r>
+              <a:rPr lang="en-US" dirty="0"/>
+              <a:t>Day 07</a:t>
+            </a:r>
             <a:endParaRPr lang="en-ID" dirty="0"/>
           </a:p>
         </p:txBody>
       </p:sp>
       <p:sp>
         <p:nvSpPr>
-          <p:cNvPr id="3" name="Text Placeholder 2">
-            <a:extLst>
-              <a:ext uri="{FF2B5EF4-FFF2-40B4-BE49-F238E27FC236}">
-                <a16:creationId xmlns:a16="http://schemas.microsoft.com/office/drawing/2014/main" id="{D414D632-50BD-4BBA-8147-5647AE8E2A8B}"/>
+          <p:cNvPr id="3" name="Subtitle 2">
+            <a:extLst>
+              <a:ext uri="{FF2B5EF4-FFF2-40B4-BE49-F238E27FC236}">
+                <a16:creationId xmlns:a16="http://schemas.microsoft.com/office/drawing/2014/main" id="{B2DE4C9C-75AD-4D02-B515-6766EA1A235B}"/>
               </a:ext>
             </a:extLst>
           </p:cNvPr>
@@ -8995,7 +8998,7 @@
             <a:spLocks noGrp="1"/>
           </p:cNvSpPr>
           <p:nvPr>
-            <p:ph type="body" idx="1"/>
+            <p:ph type="subTitle" idx="1"/>
           </p:nvPr>
         </p:nvSpPr>
         <p:spPr/>
@@ -9003,41 +9006,20 @@
           <a:bodyPr/>
           <a:lstStyle/>
           <a:p>
+            <a:r>
+              <a:rPr lang="en-US" dirty="0"/>
+              <a:t>Interface</a:t>
+            </a:r>
             <a:endParaRPr lang="en-ID" dirty="0"/>
           </a:p>
         </p:txBody>
       </p:sp>
       <p:sp>
         <p:nvSpPr>
-          <p:cNvPr id="4" name="Text Placeholder 3">
-            <a:extLst>
-              <a:ext uri="{FF2B5EF4-FFF2-40B4-BE49-F238E27FC236}">
-                <a16:creationId xmlns:a16="http://schemas.microsoft.com/office/drawing/2014/main" id="{C5BAEA83-BBC5-4D68-838B-9425FC74AE56}"/>
-              </a:ext>
-            </a:extLst>
-          </p:cNvPr>
-          <p:cNvSpPr>
-            <a:spLocks noGrp="1"/>
-          </p:cNvSpPr>
-          <p:nvPr>
-            <p:ph type="body" idx="2"/>
-          </p:nvPr>
-        </p:nvSpPr>
-        <p:spPr/>
-        <p:txBody>
-          <a:bodyPr/>
-          <a:lstStyle/>
-          <a:p>
-            <a:endParaRPr lang="en-ID"/>
-          </a:p>
-        </p:txBody>
-      </p:sp>
-      <p:sp>
-        <p:nvSpPr>
-          <p:cNvPr id="5" name="Slide Number Placeholder 4">
-            <a:extLst>
-              <a:ext uri="{FF2B5EF4-FFF2-40B4-BE49-F238E27FC236}">
-                <a16:creationId xmlns:a16="http://schemas.microsoft.com/office/drawing/2014/main" id="{57C82759-81F8-4061-8012-5CDEC827B135}"/>
+          <p:cNvPr id="4" name="Slide Number Placeholder 3">
+            <a:extLst>
+              <a:ext uri="{FF2B5EF4-FFF2-40B4-BE49-F238E27FC236}">
+                <a16:creationId xmlns:a16="http://schemas.microsoft.com/office/drawing/2014/main" id="{916DB1F4-E56E-40F8-BE83-A77BD1B29ED2}"/>
               </a:ext>
             </a:extLst>
           </p:cNvPr>
@@ -9070,10 +9052,74 @@
           </a:p>
         </p:txBody>
       </p:sp>
+      <p:sp>
+        <p:nvSpPr>
+          <p:cNvPr id="5" name="Google Shape;224;p14">
+            <a:extLst>
+              <a:ext uri="{FF2B5EF4-FFF2-40B4-BE49-F238E27FC236}">
+                <a16:creationId xmlns:a16="http://schemas.microsoft.com/office/drawing/2014/main" id="{5FDF6675-7522-494F-BFC9-DCE4FBB03259}"/>
+              </a:ext>
+            </a:extLst>
+          </p:cNvPr>
+          <p:cNvSpPr txBox="1"/>
+          <p:nvPr/>
+        </p:nvSpPr>
+        <p:spPr>
+          <a:xfrm>
+            <a:off x="463525" y="0"/>
+            <a:ext cx="2181600" cy="3136200"/>
+          </a:xfrm>
+          <a:prstGeom prst="rect">
+            <a:avLst/>
+          </a:prstGeom>
+          <a:noFill/>
+          <a:ln>
+            <a:noFill/>
+          </a:ln>
+        </p:spPr>
+        <p:txBody>
+          <a:bodyPr spcFirstLastPara="1" wrap="square" lIns="91425" tIns="91425" rIns="91425" bIns="91425" anchor="b" anchorCtr="0">
+            <a:noAutofit/>
+          </a:bodyPr>
+          <a:lstStyle/>
+          <a:p>
+            <a:pPr marL="0" lvl="0" indent="0" algn="l" rtl="0">
+              <a:spcBef>
+                <a:spcPts val="0"/>
+              </a:spcBef>
+              <a:spcAft>
+                <a:spcPts val="0"/>
+              </a:spcAft>
+              <a:buNone/>
+            </a:pPr>
+            <a:r>
+              <a:rPr lang="en" sz="12000" b="1" dirty="0">
+                <a:solidFill>
+                  <a:srgbClr val="3F5378"/>
+                </a:solidFill>
+                <a:latin typeface="Roboto Condensed"/>
+                <a:ea typeface="Roboto Condensed"/>
+                <a:cs typeface="Roboto Condensed"/>
+                <a:sym typeface="Roboto Condensed"/>
+              </a:rPr>
+              <a:t>3</a:t>
+            </a:r>
+            <a:endParaRPr sz="3000" b="1" dirty="0">
+              <a:solidFill>
+                <a:srgbClr val="3F5378"/>
+              </a:solidFill>
+              <a:latin typeface="Roboto Condensed"/>
+              <a:ea typeface="Roboto Condensed"/>
+              <a:cs typeface="Roboto Condensed"/>
+              <a:sym typeface="Roboto Condensed"/>
+            </a:endParaRPr>
+          </a:p>
+        </p:txBody>
+      </p:sp>
     </p:spTree>
     <p:extLst>
       <p:ext uri="{BB962C8B-B14F-4D97-AF65-F5344CB8AC3E}">
-        <p14:creationId xmlns:p14="http://schemas.microsoft.com/office/powerpoint/2010/main" val="2653358496"/>
+        <p14:creationId xmlns:p14="http://schemas.microsoft.com/office/powerpoint/2010/main" val="4067910320"/>
       </p:ext>
     </p:extLst>
   </p:cSld>
@@ -9102,10 +9148,10 @@
       </p:grpSpPr>
       <p:sp>
         <p:nvSpPr>
-          <p:cNvPr id="2" name="Title 1">
-            <a:extLst>
-              <a:ext uri="{FF2B5EF4-FFF2-40B4-BE49-F238E27FC236}">
-                <a16:creationId xmlns:a16="http://schemas.microsoft.com/office/drawing/2014/main" id="{E1C4B97A-B25F-41FC-AB69-42B4BFB8A996}"/>
+          <p:cNvPr id="5" name="Title 4">
+            <a:extLst>
+              <a:ext uri="{FF2B5EF4-FFF2-40B4-BE49-F238E27FC236}">
+                <a16:creationId xmlns:a16="http://schemas.microsoft.com/office/drawing/2014/main" id="{240EB0B6-D768-44EF-9FAB-B96CE44DCE7B}"/>
               </a:ext>
             </a:extLst>
           </p:cNvPr>
@@ -9113,7 +9159,7 @@
             <a:spLocks noGrp="1"/>
           </p:cNvSpPr>
           <p:nvPr>
-            <p:ph type="ctrTitle"/>
+            <p:ph type="title"/>
           </p:nvPr>
         </p:nvSpPr>
         <p:spPr/>
@@ -9123,7 +9169,7 @@
           <a:p>
             <a:r>
               <a:rPr lang="en-US" dirty="0"/>
-              <a:t>Day 07</a:t>
+              <a:t>interface in java</a:t>
             </a:r>
             <a:endParaRPr lang="en-ID" dirty="0"/>
           </a:p>
@@ -9131,10 +9177,10 @@
       </p:sp>
       <p:sp>
         <p:nvSpPr>
-          <p:cNvPr id="3" name="Subtitle 2">
-            <a:extLst>
-              <a:ext uri="{FF2B5EF4-FFF2-40B4-BE49-F238E27FC236}">
-                <a16:creationId xmlns:a16="http://schemas.microsoft.com/office/drawing/2014/main" id="{B2DE4C9C-75AD-4D02-B515-6766EA1A235B}"/>
+          <p:cNvPr id="6" name="Text Placeholder 5">
+            <a:extLst>
+              <a:ext uri="{FF2B5EF4-FFF2-40B4-BE49-F238E27FC236}">
+                <a16:creationId xmlns:a16="http://schemas.microsoft.com/office/drawing/2014/main" id="{B320E2F2-B92F-471F-ADBC-E41E93577B08}"/>
               </a:ext>
             </a:extLst>
           </p:cNvPr>
@@ -9142,7 +9188,7 @@
             <a:spLocks noGrp="1"/>
           </p:cNvSpPr>
           <p:nvPr>
-            <p:ph type="subTitle" idx="1"/>
+            <p:ph type="body" idx="1"/>
           </p:nvPr>
         </p:nvSpPr>
         <p:spPr/>
@@ -9152,10 +9198,86 @@
           <a:p>
             <a:r>
               <a:rPr lang="en-US" dirty="0"/>
-              <a:t>Interface</a:t>
+              <a:t>An interface in java is a blueprint of a class. It has static constants and abstract methods.</a:t>
+            </a:r>
+          </a:p>
+          <a:p>
+            <a:r>
+              <a:rPr lang="en-US" dirty="0"/>
+              <a:t>The interface in Java is a mechanism to achieve abstraction. There can be only abstract methods in the Java interface, not method body. It is used to achieve abstraction and multiple inheritance in Java.</a:t>
+            </a:r>
+          </a:p>
+          <a:p>
+            <a:r>
+              <a:rPr lang="en-US" dirty="0"/>
+              <a:t>In other words, you can say that interfaces can have abstract methods and variables. It cannot have a method body.</a:t>
+            </a:r>
+          </a:p>
+          <a:p>
+            <a:endParaRPr lang="en-US" dirty="0"/>
+          </a:p>
+          <a:p>
+            <a:endParaRPr lang="en-US" dirty="0"/>
+          </a:p>
+          <a:p>
+            <a:endParaRPr lang="en-US" dirty="0"/>
+          </a:p>
+          <a:p>
+            <a:endParaRPr lang="en-US" dirty="0"/>
+          </a:p>
+        </p:txBody>
+      </p:sp>
+      <p:sp>
+        <p:nvSpPr>
+          <p:cNvPr id="7" name="Text Placeholder 6">
+            <a:extLst>
+              <a:ext uri="{FF2B5EF4-FFF2-40B4-BE49-F238E27FC236}">
+                <a16:creationId xmlns:a16="http://schemas.microsoft.com/office/drawing/2014/main" id="{2B46EE02-9395-4ED0-858A-7C65F1445DDC}"/>
+              </a:ext>
+            </a:extLst>
+          </p:cNvPr>
+          <p:cNvSpPr>
+            <a:spLocks noGrp="1"/>
+          </p:cNvSpPr>
+          <p:nvPr>
+            <p:ph type="body" idx="2"/>
+          </p:nvPr>
+        </p:nvSpPr>
+        <p:spPr/>
+        <p:txBody>
+          <a:bodyPr/>
+          <a:lstStyle/>
+          <a:p>
+            <a:r>
+              <a:rPr lang="en-US" dirty="0"/>
+              <a:t>Java Interface also represents the IS-A relationship.</a:t>
+            </a:r>
+          </a:p>
+          <a:p>
+            <a:r>
+              <a:rPr lang="en-US" dirty="0"/>
+              <a:t>It cannot be instantiated just like the abstract class.</a:t>
+            </a:r>
+          </a:p>
+          <a:p>
+            <a:r>
+              <a:rPr lang="en-US" dirty="0"/>
+              <a:t>Since Java 8, we can have default and static methods in an interface.</a:t>
+            </a:r>
+          </a:p>
+          <a:p>
+            <a:r>
+              <a:rPr lang="en-US" dirty="0"/>
+              <a:t>Since Java 9, we can have private methods in an interface.</a:t>
             </a:r>
             <a:endParaRPr lang="en-ID" dirty="0"/>
           </a:p>
+          <a:p>
+            <a:endParaRPr lang="en-US" dirty="0"/>
+          </a:p>
+          <a:p>
+            <a:endParaRPr lang="en-ID" dirty="0"/>
+          </a:p>
         </p:txBody>
       </p:sp>
       <p:sp>
@@ -9163,7 +9285,7 @@
           <p:cNvPr id="4" name="Slide Number Placeholder 3">
             <a:extLst>
               <a:ext uri="{FF2B5EF4-FFF2-40B4-BE49-F238E27FC236}">
-                <a16:creationId xmlns:a16="http://schemas.microsoft.com/office/drawing/2014/main" id="{916DB1F4-E56E-40F8-BE83-A77BD1B29ED2}"/>
+                <a16:creationId xmlns:a16="http://schemas.microsoft.com/office/drawing/2014/main" id="{5D2121A7-7F00-4A42-8856-B15C43A02500}"/>
               </a:ext>
             </a:extLst>
           </p:cNvPr>
@@ -9196,74 +9318,10 @@
           </a:p>
         </p:txBody>
       </p:sp>
-      <p:sp>
-        <p:nvSpPr>
-          <p:cNvPr id="5" name="Google Shape;224;p14">
-            <a:extLst>
-              <a:ext uri="{FF2B5EF4-FFF2-40B4-BE49-F238E27FC236}">
-                <a16:creationId xmlns:a16="http://schemas.microsoft.com/office/drawing/2014/main" id="{5FDF6675-7522-494F-BFC9-DCE4FBB03259}"/>
-              </a:ext>
-            </a:extLst>
-          </p:cNvPr>
-          <p:cNvSpPr txBox="1"/>
-          <p:nvPr/>
-        </p:nvSpPr>
-        <p:spPr>
-          <a:xfrm>
-            <a:off x="463525" y="0"/>
-            <a:ext cx="2181600" cy="3136200"/>
-          </a:xfrm>
-          <a:prstGeom prst="rect">
-            <a:avLst/>
-          </a:prstGeom>
-          <a:noFill/>
-          <a:ln>
-            <a:noFill/>
-          </a:ln>
-        </p:spPr>
-        <p:txBody>
-          <a:bodyPr spcFirstLastPara="1" wrap="square" lIns="91425" tIns="91425" rIns="91425" bIns="91425" anchor="b" anchorCtr="0">
-            <a:noAutofit/>
-          </a:bodyPr>
-          <a:lstStyle/>
-          <a:p>
-            <a:pPr marL="0" lvl="0" indent="0" algn="l" rtl="0">
-              <a:spcBef>
-                <a:spcPts val="0"/>
-              </a:spcBef>
-              <a:spcAft>
-                <a:spcPts val="0"/>
-              </a:spcAft>
-              <a:buNone/>
-            </a:pPr>
-            <a:r>
-              <a:rPr lang="en" sz="12000" b="1" dirty="0">
-                <a:solidFill>
-                  <a:srgbClr val="3F5378"/>
-                </a:solidFill>
-                <a:latin typeface="Roboto Condensed"/>
-                <a:ea typeface="Roboto Condensed"/>
-                <a:cs typeface="Roboto Condensed"/>
-                <a:sym typeface="Roboto Condensed"/>
-              </a:rPr>
-              <a:t>3</a:t>
-            </a:r>
-            <a:endParaRPr sz="3000" b="1" dirty="0">
-              <a:solidFill>
-                <a:srgbClr val="3F5378"/>
-              </a:solidFill>
-              <a:latin typeface="Roboto Condensed"/>
-              <a:ea typeface="Roboto Condensed"/>
-              <a:cs typeface="Roboto Condensed"/>
-              <a:sym typeface="Roboto Condensed"/>
-            </a:endParaRPr>
-          </a:p>
-        </p:txBody>
-      </p:sp>
     </p:spTree>
     <p:extLst>
       <p:ext uri="{BB962C8B-B14F-4D97-AF65-F5344CB8AC3E}">
-        <p14:creationId xmlns:p14="http://schemas.microsoft.com/office/powerpoint/2010/main" val="4067910320"/>
+        <p14:creationId xmlns:p14="http://schemas.microsoft.com/office/powerpoint/2010/main" val="3569338181"/>
       </p:ext>
     </p:extLst>
   </p:cSld>
@@ -9292,10 +9350,10 @@
       </p:grpSpPr>
       <p:sp>
         <p:nvSpPr>
-          <p:cNvPr id="5" name="Title 4">
-            <a:extLst>
-              <a:ext uri="{FF2B5EF4-FFF2-40B4-BE49-F238E27FC236}">
-                <a16:creationId xmlns:a16="http://schemas.microsoft.com/office/drawing/2014/main" id="{240EB0B6-D768-44EF-9FAB-B96CE44DCE7B}"/>
+          <p:cNvPr id="2" name="Title 1">
+            <a:extLst>
+              <a:ext uri="{FF2B5EF4-FFF2-40B4-BE49-F238E27FC236}">
+                <a16:creationId xmlns:a16="http://schemas.microsoft.com/office/drawing/2014/main" id="{D4D52FB1-7198-40AC-B118-7B7EA20B7865}"/>
               </a:ext>
             </a:extLst>
           </p:cNvPr>
@@ -9313,7 +9371,7 @@
           <a:p>
             <a:r>
               <a:rPr lang="en-US" dirty="0"/>
-              <a:t>interface in java</a:t>
+              <a:t>Why use Java interface?</a:t>
             </a:r>
             <a:endParaRPr lang="en-ID" dirty="0"/>
           </a:p>
@@ -9321,10 +9379,10 @@
       </p:sp>
       <p:sp>
         <p:nvSpPr>
-          <p:cNvPr id="6" name="Text Placeholder 5">
-            <a:extLst>
-              <a:ext uri="{FF2B5EF4-FFF2-40B4-BE49-F238E27FC236}">
-                <a16:creationId xmlns:a16="http://schemas.microsoft.com/office/drawing/2014/main" id="{B320E2F2-B92F-471F-ADBC-E41E93577B08}"/>
+          <p:cNvPr id="3" name="Text Placeholder 2">
+            <a:extLst>
+              <a:ext uri="{FF2B5EF4-FFF2-40B4-BE49-F238E27FC236}">
+                <a16:creationId xmlns:a16="http://schemas.microsoft.com/office/drawing/2014/main" id="{46A57717-5284-4D3A-B433-4A429893E47F}"/>
               </a:ext>
             </a:extLst>
           </p:cNvPr>
@@ -9342,41 +9400,38 @@
           <a:p>
             <a:r>
               <a:rPr lang="en-US" dirty="0"/>
-              <a:t>An interface in java is a blueprint of a class. It has static constants and abstract methods.</a:t>
+              <a:t>There are mainly three reasons to use interface. They are given below.</a:t>
             </a:r>
           </a:p>
           <a:p>
             <a:r>
               <a:rPr lang="en-US" dirty="0"/>
-              <a:t>The interface in Java is a mechanism to achieve abstraction. There can be only abstract methods in the Java interface, not method body. It is used to achieve abstraction and multiple inheritance in Java.</a:t>
+              <a:t>It is used to achieve abstraction.</a:t>
             </a:r>
           </a:p>
           <a:p>
             <a:r>
               <a:rPr lang="en-US" dirty="0"/>
-              <a:t>In other words, you can say that interfaces can have abstract methods and variables. It cannot have a method body.</a:t>
-            </a:r>
-          </a:p>
-          <a:p>
-            <a:endParaRPr lang="en-US" dirty="0"/>
-          </a:p>
-          <a:p>
-            <a:endParaRPr lang="en-US" dirty="0"/>
-          </a:p>
-          <a:p>
-            <a:endParaRPr lang="en-US" dirty="0"/>
-          </a:p>
-          <a:p>
-            <a:endParaRPr lang="en-US" dirty="0"/>
-          </a:p>
-        </p:txBody>
-      </p:sp>
-      <p:sp>
-        <p:nvSpPr>
-          <p:cNvPr id="7" name="Text Placeholder 6">
-            <a:extLst>
-              <a:ext uri="{FF2B5EF4-FFF2-40B4-BE49-F238E27FC236}">
-                <a16:creationId xmlns:a16="http://schemas.microsoft.com/office/drawing/2014/main" id="{2B46EE02-9395-4ED0-858A-7C65F1445DDC}"/>
+              <a:t>By interface, we can support the functionality of multiple inheritance.</a:t>
+            </a:r>
+          </a:p>
+          <a:p>
+            <a:r>
+              <a:rPr lang="en-US" dirty="0"/>
+              <a:t>It can be used to achieve loose coupling.</a:t>
+            </a:r>
+          </a:p>
+          <a:p>
+            <a:endParaRPr lang="en-ID" dirty="0"/>
+          </a:p>
+        </p:txBody>
+      </p:sp>
+      <p:sp>
+        <p:nvSpPr>
+          <p:cNvPr id="4" name="Text Placeholder 3">
+            <a:extLst>
+              <a:ext uri="{FF2B5EF4-FFF2-40B4-BE49-F238E27FC236}">
+                <a16:creationId xmlns:a16="http://schemas.microsoft.com/office/drawing/2014/main" id="{12C5AEB9-AA06-42DC-ABBD-4F8FDE60D843}"/>
               </a:ext>
             </a:extLst>
           </p:cNvPr>
@@ -9392,44 +9447,29 @@
           <a:bodyPr/>
           <a:lstStyle/>
           <a:p>
+            <a:pPr marL="101600" indent="0">
+              <a:buNone/>
+            </a:pPr>
+            <a:r>
+              <a:rPr lang="en-US" b="1" i="1" dirty="0"/>
+              <a:t>How to declare an interface?</a:t>
+            </a:r>
+          </a:p>
+          <a:p>
             <a:r>
               <a:rPr lang="en-US" dirty="0"/>
-              <a:t>Java Interface also represents the IS-A relationship.</a:t>
-            </a:r>
-          </a:p>
-          <a:p>
-            <a:r>
-              <a:rPr lang="en-US" dirty="0"/>
-              <a:t>It cannot be instantiated just like the abstract class.</a:t>
-            </a:r>
-          </a:p>
-          <a:p>
-            <a:r>
-              <a:rPr lang="en-US" dirty="0"/>
-              <a:t>Since Java 8, we can have default and static methods in an interface.</a:t>
-            </a:r>
-          </a:p>
-          <a:p>
-            <a:r>
-              <a:rPr lang="en-US" dirty="0"/>
-              <a:t>Since Java 9, we can have private methods in an interface.</a:t>
+              <a:t>An interface is declared by using the interface keyword. It provides total abstraction; means all the methods in an interface are declared with the empty body, and all the fields are public, static and final by default. A class that implements an interface must implement all the methods declared in the interface.</a:t>
             </a:r>
             <a:endParaRPr lang="en-ID" dirty="0"/>
           </a:p>
-          <a:p>
-            <a:endParaRPr lang="en-US" dirty="0"/>
-          </a:p>
-          <a:p>
-            <a:endParaRPr lang="en-ID" dirty="0"/>
-          </a:p>
-        </p:txBody>
-      </p:sp>
-      <p:sp>
-        <p:nvSpPr>
-          <p:cNvPr id="4" name="Slide Number Placeholder 3">
-            <a:extLst>
-              <a:ext uri="{FF2B5EF4-FFF2-40B4-BE49-F238E27FC236}">
-                <a16:creationId xmlns:a16="http://schemas.microsoft.com/office/drawing/2014/main" id="{5D2121A7-7F00-4A42-8856-B15C43A02500}"/>
+        </p:txBody>
+      </p:sp>
+      <p:sp>
+        <p:nvSpPr>
+          <p:cNvPr id="5" name="Slide Number Placeholder 4">
+            <a:extLst>
+              <a:ext uri="{FF2B5EF4-FFF2-40B4-BE49-F238E27FC236}">
+                <a16:creationId xmlns:a16="http://schemas.microsoft.com/office/drawing/2014/main" id="{3687F984-C214-40F7-B628-59FAEAC81E06}"/>
               </a:ext>
             </a:extLst>
           </p:cNvPr>
@@ -9465,7 +9505,7 @@
     </p:spTree>
     <p:extLst>
       <p:ext uri="{BB962C8B-B14F-4D97-AF65-F5344CB8AC3E}">
-        <p14:creationId xmlns:p14="http://schemas.microsoft.com/office/powerpoint/2010/main" val="3569338181"/>
+        <p14:creationId xmlns:p14="http://schemas.microsoft.com/office/powerpoint/2010/main" val="2510817315"/>
       </p:ext>
     </p:extLst>
   </p:cSld>
@@ -9494,10 +9534,10 @@
       </p:grpSpPr>
       <p:sp>
         <p:nvSpPr>
-          <p:cNvPr id="2" name="Title 1">
-            <a:extLst>
-              <a:ext uri="{FF2B5EF4-FFF2-40B4-BE49-F238E27FC236}">
-                <a16:creationId xmlns:a16="http://schemas.microsoft.com/office/drawing/2014/main" id="{D4D52FB1-7198-40AC-B118-7B7EA20B7865}"/>
+          <p:cNvPr id="7" name="Title 6">
+            <a:extLst>
+              <a:ext uri="{FF2B5EF4-FFF2-40B4-BE49-F238E27FC236}">
+                <a16:creationId xmlns:a16="http://schemas.microsoft.com/office/drawing/2014/main" id="{D4EC5AC1-3000-4992-8341-DB56D56DBB3D}"/>
               </a:ext>
             </a:extLst>
           </p:cNvPr>
@@ -9515,7 +9555,7 @@
           <a:p>
             <a:r>
               <a:rPr lang="en-US" dirty="0"/>
-              <a:t>Why use Java interface?</a:t>
+              <a:t>Syntax</a:t>
             </a:r>
             <a:endParaRPr lang="en-ID" dirty="0"/>
           </a:p>
@@ -9523,97 +9563,10 @@
       </p:sp>
       <p:sp>
         <p:nvSpPr>
-          <p:cNvPr id="3" name="Text Placeholder 2">
-            <a:extLst>
-              <a:ext uri="{FF2B5EF4-FFF2-40B4-BE49-F238E27FC236}">
-                <a16:creationId xmlns:a16="http://schemas.microsoft.com/office/drawing/2014/main" id="{46A57717-5284-4D3A-B433-4A429893E47F}"/>
-              </a:ext>
-            </a:extLst>
-          </p:cNvPr>
-          <p:cNvSpPr>
-            <a:spLocks noGrp="1"/>
-          </p:cNvSpPr>
-          <p:nvPr>
-            <p:ph type="body" idx="1"/>
-          </p:nvPr>
-        </p:nvSpPr>
-        <p:spPr/>
-        <p:txBody>
-          <a:bodyPr/>
-          <a:lstStyle/>
-          <a:p>
-            <a:r>
-              <a:rPr lang="en-US" dirty="0"/>
-              <a:t>There are mainly three reasons to use interface. They are given below.</a:t>
-            </a:r>
-          </a:p>
-          <a:p>
-            <a:r>
-              <a:rPr lang="en-US" dirty="0"/>
-              <a:t>It is used to achieve abstraction.</a:t>
-            </a:r>
-          </a:p>
-          <a:p>
-            <a:r>
-              <a:rPr lang="en-US" dirty="0"/>
-              <a:t>By interface, we can support the functionality of multiple inheritance.</a:t>
-            </a:r>
-          </a:p>
-          <a:p>
-            <a:r>
-              <a:rPr lang="en-US" dirty="0"/>
-              <a:t>It can be used to achieve loose coupling.</a:t>
-            </a:r>
-          </a:p>
-          <a:p>
-            <a:endParaRPr lang="en-ID" dirty="0"/>
-          </a:p>
-        </p:txBody>
-      </p:sp>
-      <p:sp>
-        <p:nvSpPr>
-          <p:cNvPr id="4" name="Text Placeholder 3">
-            <a:extLst>
-              <a:ext uri="{FF2B5EF4-FFF2-40B4-BE49-F238E27FC236}">
-                <a16:creationId xmlns:a16="http://schemas.microsoft.com/office/drawing/2014/main" id="{12C5AEB9-AA06-42DC-ABBD-4F8FDE60D843}"/>
-              </a:ext>
-            </a:extLst>
-          </p:cNvPr>
-          <p:cNvSpPr>
-            <a:spLocks noGrp="1"/>
-          </p:cNvSpPr>
-          <p:nvPr>
-            <p:ph type="body" idx="2"/>
-          </p:nvPr>
-        </p:nvSpPr>
-        <p:spPr/>
-        <p:txBody>
-          <a:bodyPr/>
-          <a:lstStyle/>
-          <a:p>
-            <a:pPr marL="101600" indent="0">
-              <a:buNone/>
-            </a:pPr>
-            <a:r>
-              <a:rPr lang="en-US" b="1" i="1" dirty="0"/>
-              <a:t>How to declare an interface?</a:t>
-            </a:r>
-          </a:p>
-          <a:p>
-            <a:r>
-              <a:rPr lang="en-US" dirty="0"/>
-              <a:t>An interface is declared by using the interface keyword. It provides total abstraction; means all the methods in an interface are declared with the empty body, and all the fields are public, static and final by default. A class that implements an interface must implement all the methods declared in the interface.</a:t>
-            </a:r>
-            <a:endParaRPr lang="en-ID" dirty="0"/>
-          </a:p>
-        </p:txBody>
-      </p:sp>
-      <p:sp>
-        <p:nvSpPr>
           <p:cNvPr id="5" name="Slide Number Placeholder 4">
             <a:extLst>
               <a:ext uri="{FF2B5EF4-FFF2-40B4-BE49-F238E27FC236}">
-                <a16:creationId xmlns:a16="http://schemas.microsoft.com/office/drawing/2014/main" id="{3687F984-C214-40F7-B628-59FAEAC81E06}"/>
+                <a16:creationId xmlns:a16="http://schemas.microsoft.com/office/drawing/2014/main" id="{3D4B43EF-3237-4676-BB51-C9BC65207A53}"/>
               </a:ext>
             </a:extLst>
           </p:cNvPr>
@@ -9641,103 +9594,6 @@
             <a:fld id="{00000000-1234-1234-1234-123412341234}" type="slidenum">
               <a:rPr lang="en" smtClean="0"/>
               <a:t>17</a:t>
-            </a:fld>
-            <a:endParaRPr lang="en"/>
-          </a:p>
-        </p:txBody>
-      </p:sp>
-    </p:spTree>
-    <p:extLst>
-      <p:ext uri="{BB962C8B-B14F-4D97-AF65-F5344CB8AC3E}">
-        <p14:creationId xmlns:p14="http://schemas.microsoft.com/office/powerpoint/2010/main" val="2510817315"/>
-      </p:ext>
-    </p:extLst>
-  </p:cSld>
-  <p:clrMapOvr>
-    <a:masterClrMapping/>
-  </p:clrMapOvr>
-</p:sld>
-</file>
-
-<file path=ppt/slides/slide18.xml><?xml version="1.0" encoding="utf-8"?>
-<p:sld xmlns:a="http://schemas.openxmlformats.org/drawingml/2006/main" xmlns:r="http://schemas.openxmlformats.org/officeDocument/2006/relationships" xmlns:p="http://schemas.openxmlformats.org/presentationml/2006/main">
-  <p:cSld>
-    <p:spTree>
-      <p:nvGrpSpPr>
-        <p:cNvPr id="1" name=""/>
-        <p:cNvGrpSpPr/>
-        <p:nvPr/>
-      </p:nvGrpSpPr>
-      <p:grpSpPr>
-        <a:xfrm>
-          <a:off x="0" y="0"/>
-          <a:ext cx="0" cy="0"/>
-          <a:chOff x="0" y="0"/>
-          <a:chExt cx="0" cy="0"/>
-        </a:xfrm>
-      </p:grpSpPr>
-      <p:sp>
-        <p:nvSpPr>
-          <p:cNvPr id="7" name="Title 6">
-            <a:extLst>
-              <a:ext uri="{FF2B5EF4-FFF2-40B4-BE49-F238E27FC236}">
-                <a16:creationId xmlns:a16="http://schemas.microsoft.com/office/drawing/2014/main" id="{D4EC5AC1-3000-4992-8341-DB56D56DBB3D}"/>
-              </a:ext>
-            </a:extLst>
-          </p:cNvPr>
-          <p:cNvSpPr>
-            <a:spLocks noGrp="1"/>
-          </p:cNvSpPr>
-          <p:nvPr>
-            <p:ph type="title"/>
-          </p:nvPr>
-        </p:nvSpPr>
-        <p:spPr/>
-        <p:txBody>
-          <a:bodyPr/>
-          <a:lstStyle/>
-          <a:p>
-            <a:r>
-              <a:rPr lang="en-US" dirty="0"/>
-              <a:t>Syntax</a:t>
-            </a:r>
-            <a:endParaRPr lang="en-ID" dirty="0"/>
-          </a:p>
-        </p:txBody>
-      </p:sp>
-      <p:sp>
-        <p:nvSpPr>
-          <p:cNvPr id="5" name="Slide Number Placeholder 4">
-            <a:extLst>
-              <a:ext uri="{FF2B5EF4-FFF2-40B4-BE49-F238E27FC236}">
-                <a16:creationId xmlns:a16="http://schemas.microsoft.com/office/drawing/2014/main" id="{3D4B43EF-3237-4676-BB51-C9BC65207A53}"/>
-              </a:ext>
-            </a:extLst>
-          </p:cNvPr>
-          <p:cNvSpPr>
-            <a:spLocks noGrp="1"/>
-          </p:cNvSpPr>
-          <p:nvPr>
-            <p:ph type="sldNum" idx="12"/>
-          </p:nvPr>
-        </p:nvSpPr>
-        <p:spPr/>
-        <p:txBody>
-          <a:bodyPr/>
-          <a:lstStyle/>
-          <a:p>
-            <a:pPr marL="0" lvl="0" indent="0" algn="r" rtl="0">
-              <a:spcBef>
-                <a:spcPts val="0"/>
-              </a:spcBef>
-              <a:spcAft>
-                <a:spcPts val="0"/>
-              </a:spcAft>
-              <a:buNone/>
-            </a:pPr>
-            <a:fld id="{00000000-1234-1234-1234-123412341234}" type="slidenum">
-              <a:rPr lang="en" smtClean="0"/>
-              <a:t>18</a:t>
             </a:fld>
             <a:endParaRPr lang="en"/>
           </a:p>
@@ -9786,7 +9642,7 @@
 </p:sld>
 </file>
 
-<file path=ppt/slides/slide19.xml><?xml version="1.0" encoding="utf-8"?>
+<file path=ppt/slides/slide18.xml><?xml version="1.0" encoding="utf-8"?>
 <p:sld xmlns:a="http://schemas.openxmlformats.org/drawingml/2006/main" xmlns:r="http://schemas.openxmlformats.org/officeDocument/2006/relationships" xmlns:p="http://schemas.openxmlformats.org/presentationml/2006/main">
   <p:cSld>
     <p:spTree>
@@ -9893,7 +9749,7 @@
             </a:pPr>
             <a:fld id="{00000000-1234-1234-1234-123412341234}" type="slidenum">
               <a:rPr lang="en" smtClean="0"/>
-              <a:t>19</a:t>
+              <a:t>18</a:t>
             </a:fld>
             <a:endParaRPr lang="en"/>
           </a:p>
@@ -9942,7 +9798,7 @@
 </p:sld>
 </file>
 
-<file path=ppt/slides/slide2.xml><?xml version="1.0" encoding="utf-8"?>
+<file path=ppt/slides/slide19.xml><?xml version="1.0" encoding="utf-8"?>
 <p:sld xmlns:a="http://schemas.openxmlformats.org/drawingml/2006/main" xmlns:r="http://schemas.openxmlformats.org/officeDocument/2006/relationships" xmlns:p="http://schemas.openxmlformats.org/presentationml/2006/main">
   <p:cSld>
     <p:spTree>
@@ -9964,7 +9820,7 @@
           <p:cNvPr id="2" name="Title 1">
             <a:extLst>
               <a:ext uri="{FF2B5EF4-FFF2-40B4-BE49-F238E27FC236}">
-                <a16:creationId xmlns:a16="http://schemas.microsoft.com/office/drawing/2014/main" id="{E1C4B97A-B25F-41FC-AB69-42B4BFB8A996}"/>
+                <a16:creationId xmlns:a16="http://schemas.microsoft.com/office/drawing/2014/main" id="{48F47375-630C-489E-82F4-74565BCD9E06}"/>
               </a:ext>
             </a:extLst>
           </p:cNvPr>
@@ -9972,7 +9828,7 @@
             <a:spLocks noGrp="1"/>
           </p:cNvSpPr>
           <p:nvPr>
-            <p:ph type="ctrTitle"/>
+            <p:ph type="title"/>
           </p:nvPr>
         </p:nvSpPr>
         <p:spPr/>
@@ -9982,7 +9838,7 @@
           <a:p>
             <a:r>
               <a:rPr lang="en-US" dirty="0"/>
-              <a:t>Day 07</a:t>
+              <a:t>The relationship between classes and interfaces</a:t>
             </a:r>
             <a:endParaRPr lang="en-ID" dirty="0"/>
           </a:p>
@@ -9990,10 +9846,10 @@
       </p:sp>
       <p:sp>
         <p:nvSpPr>
-          <p:cNvPr id="3" name="Subtitle 2">
-            <a:extLst>
-              <a:ext uri="{FF2B5EF4-FFF2-40B4-BE49-F238E27FC236}">
-                <a16:creationId xmlns:a16="http://schemas.microsoft.com/office/drawing/2014/main" id="{B2DE4C9C-75AD-4D02-B515-6766EA1A235B}"/>
+          <p:cNvPr id="3" name="Text Placeholder 2">
+            <a:extLst>
+              <a:ext uri="{FF2B5EF4-FFF2-40B4-BE49-F238E27FC236}">
+                <a16:creationId xmlns:a16="http://schemas.microsoft.com/office/drawing/2014/main" id="{B72169D3-7213-46F5-88A5-0187F400F29F}"/>
               </a:ext>
             </a:extLst>
           </p:cNvPr>
@@ -10001,7 +9857,7 @@
             <a:spLocks noGrp="1"/>
           </p:cNvSpPr>
           <p:nvPr>
-            <p:ph type="subTitle" idx="1"/>
+            <p:ph type="body" idx="1"/>
           </p:nvPr>
         </p:nvSpPr>
         <p:spPr/>
@@ -10011,7 +9867,7 @@
           <a:p>
             <a:r>
               <a:rPr lang="en-US" dirty="0"/>
-              <a:t>Goal Material</a:t>
+              <a:t>As shown in the figure given below, a class extends another class, an interface extends another interface, but a class implements an interface.</a:t>
             </a:r>
             <a:endParaRPr lang="en-ID" dirty="0"/>
           </a:p>
@@ -10019,10 +9875,10 @@
       </p:sp>
       <p:sp>
         <p:nvSpPr>
-          <p:cNvPr id="4" name="Slide Number Placeholder 3">
-            <a:extLst>
-              <a:ext uri="{FF2B5EF4-FFF2-40B4-BE49-F238E27FC236}">
-                <a16:creationId xmlns:a16="http://schemas.microsoft.com/office/drawing/2014/main" id="{916DB1F4-E56E-40F8-BE83-A77BD1B29ED2}"/>
+          <p:cNvPr id="5" name="Slide Number Placeholder 4">
+            <a:extLst>
+              <a:ext uri="{FF2B5EF4-FFF2-40B4-BE49-F238E27FC236}">
+                <a16:creationId xmlns:a16="http://schemas.microsoft.com/office/drawing/2014/main" id="{B8411AB3-1F58-46DB-968A-FB537E7FE03A}"/>
               </a:ext>
             </a:extLst>
           </p:cNvPr>
@@ -10049,197 +9905,7 @@
             </a:pPr>
             <a:fld id="{00000000-1234-1234-1234-123412341234}" type="slidenum">
               <a:rPr lang="en" smtClean="0"/>
-              <a:t>2</a:t>
-            </a:fld>
-            <a:endParaRPr lang="en"/>
-          </a:p>
-        </p:txBody>
-      </p:sp>
-      <p:sp>
-        <p:nvSpPr>
-          <p:cNvPr id="5" name="Google Shape;224;p14">
-            <a:extLst>
-              <a:ext uri="{FF2B5EF4-FFF2-40B4-BE49-F238E27FC236}">
-                <a16:creationId xmlns:a16="http://schemas.microsoft.com/office/drawing/2014/main" id="{5FDF6675-7522-494F-BFC9-DCE4FBB03259}"/>
-              </a:ext>
-            </a:extLst>
-          </p:cNvPr>
-          <p:cNvSpPr txBox="1"/>
-          <p:nvPr/>
-        </p:nvSpPr>
-        <p:spPr>
-          <a:xfrm>
-            <a:off x="463525" y="0"/>
-            <a:ext cx="2181600" cy="3136200"/>
-          </a:xfrm>
-          <a:prstGeom prst="rect">
-            <a:avLst/>
-          </a:prstGeom>
-          <a:noFill/>
-          <a:ln>
-            <a:noFill/>
-          </a:ln>
-        </p:spPr>
-        <p:txBody>
-          <a:bodyPr spcFirstLastPara="1" wrap="square" lIns="91425" tIns="91425" rIns="91425" bIns="91425" anchor="b" anchorCtr="0">
-            <a:noAutofit/>
-          </a:bodyPr>
-          <a:lstStyle/>
-          <a:p>
-            <a:pPr marL="0" lvl="0" indent="0" algn="l" rtl="0">
-              <a:spcBef>
-                <a:spcPts val="0"/>
-              </a:spcBef>
-              <a:spcAft>
-                <a:spcPts val="0"/>
-              </a:spcAft>
-              <a:buNone/>
-            </a:pPr>
-            <a:r>
-              <a:rPr lang="en" sz="12000" b="1" dirty="0">
-                <a:solidFill>
-                  <a:srgbClr val="3F5378"/>
-                </a:solidFill>
-                <a:latin typeface="Roboto Condensed"/>
-                <a:ea typeface="Roboto Condensed"/>
-                <a:cs typeface="Roboto Condensed"/>
-                <a:sym typeface="Roboto Condensed"/>
-              </a:rPr>
-              <a:t>1</a:t>
-            </a:r>
-            <a:endParaRPr sz="3000" b="1" dirty="0">
-              <a:solidFill>
-                <a:srgbClr val="3F5378"/>
-              </a:solidFill>
-              <a:latin typeface="Roboto Condensed"/>
-              <a:ea typeface="Roboto Condensed"/>
-              <a:cs typeface="Roboto Condensed"/>
-              <a:sym typeface="Roboto Condensed"/>
-            </a:endParaRPr>
-          </a:p>
-        </p:txBody>
-      </p:sp>
-    </p:spTree>
-    <p:extLst>
-      <p:ext uri="{BB962C8B-B14F-4D97-AF65-F5344CB8AC3E}">
-        <p14:creationId xmlns:p14="http://schemas.microsoft.com/office/powerpoint/2010/main" val="135306888"/>
-      </p:ext>
-    </p:extLst>
-  </p:cSld>
-  <p:clrMapOvr>
-    <a:masterClrMapping/>
-  </p:clrMapOvr>
-</p:sld>
-</file>
-
-<file path=ppt/slides/slide20.xml><?xml version="1.0" encoding="utf-8"?>
-<p:sld xmlns:a="http://schemas.openxmlformats.org/drawingml/2006/main" xmlns:r="http://schemas.openxmlformats.org/officeDocument/2006/relationships" xmlns:p="http://schemas.openxmlformats.org/presentationml/2006/main">
-  <p:cSld>
-    <p:spTree>
-      <p:nvGrpSpPr>
-        <p:cNvPr id="1" name=""/>
-        <p:cNvGrpSpPr/>
-        <p:nvPr/>
-      </p:nvGrpSpPr>
-      <p:grpSpPr>
-        <a:xfrm>
-          <a:off x="0" y="0"/>
-          <a:ext cx="0" cy="0"/>
-          <a:chOff x="0" y="0"/>
-          <a:chExt cx="0" cy="0"/>
-        </a:xfrm>
-      </p:grpSpPr>
-      <p:sp>
-        <p:nvSpPr>
-          <p:cNvPr id="2" name="Title 1">
-            <a:extLst>
-              <a:ext uri="{FF2B5EF4-FFF2-40B4-BE49-F238E27FC236}">
-                <a16:creationId xmlns:a16="http://schemas.microsoft.com/office/drawing/2014/main" id="{48F47375-630C-489E-82F4-74565BCD9E06}"/>
-              </a:ext>
-            </a:extLst>
-          </p:cNvPr>
-          <p:cNvSpPr>
-            <a:spLocks noGrp="1"/>
-          </p:cNvSpPr>
-          <p:nvPr>
-            <p:ph type="title"/>
-          </p:nvPr>
-        </p:nvSpPr>
-        <p:spPr/>
-        <p:txBody>
-          <a:bodyPr/>
-          <a:lstStyle/>
-          <a:p>
-            <a:r>
-              <a:rPr lang="en-US" dirty="0"/>
-              <a:t>The relationship between classes and interfaces</a:t>
-            </a:r>
-            <a:endParaRPr lang="en-ID" dirty="0"/>
-          </a:p>
-        </p:txBody>
-      </p:sp>
-      <p:sp>
-        <p:nvSpPr>
-          <p:cNvPr id="3" name="Text Placeholder 2">
-            <a:extLst>
-              <a:ext uri="{FF2B5EF4-FFF2-40B4-BE49-F238E27FC236}">
-                <a16:creationId xmlns:a16="http://schemas.microsoft.com/office/drawing/2014/main" id="{B72169D3-7213-46F5-88A5-0187F400F29F}"/>
-              </a:ext>
-            </a:extLst>
-          </p:cNvPr>
-          <p:cNvSpPr>
-            <a:spLocks noGrp="1"/>
-          </p:cNvSpPr>
-          <p:nvPr>
-            <p:ph type="body" idx="1"/>
-          </p:nvPr>
-        </p:nvSpPr>
-        <p:spPr/>
-        <p:txBody>
-          <a:bodyPr/>
-          <a:lstStyle/>
-          <a:p>
-            <a:r>
-              <a:rPr lang="en-US" dirty="0"/>
-              <a:t>As shown in the figure given below, a class extends another class, an interface extends another interface, but a class implements an interface.</a:t>
-            </a:r>
-            <a:endParaRPr lang="en-ID" dirty="0"/>
-          </a:p>
-        </p:txBody>
-      </p:sp>
-      <p:sp>
-        <p:nvSpPr>
-          <p:cNvPr id="5" name="Slide Number Placeholder 4">
-            <a:extLst>
-              <a:ext uri="{FF2B5EF4-FFF2-40B4-BE49-F238E27FC236}">
-                <a16:creationId xmlns:a16="http://schemas.microsoft.com/office/drawing/2014/main" id="{B8411AB3-1F58-46DB-968A-FB537E7FE03A}"/>
-              </a:ext>
-            </a:extLst>
-          </p:cNvPr>
-          <p:cNvSpPr>
-            <a:spLocks noGrp="1"/>
-          </p:cNvSpPr>
-          <p:nvPr>
-            <p:ph type="sldNum" idx="12"/>
-          </p:nvPr>
-        </p:nvSpPr>
-        <p:spPr/>
-        <p:txBody>
-          <a:bodyPr/>
-          <a:lstStyle/>
-          <a:p>
-            <a:pPr marL="0" lvl="0" indent="0" algn="r" rtl="0">
-              <a:spcBef>
-                <a:spcPts val="0"/>
-              </a:spcBef>
-              <a:spcAft>
-                <a:spcPts val="0"/>
-              </a:spcAft>
-              <a:buNone/>
-            </a:pPr>
-            <a:fld id="{00000000-1234-1234-1234-123412341234}" type="slidenum">
-              <a:rPr lang="en" smtClean="0"/>
-              <a:t>20</a:t>
+              <a:t>19</a:t>
             </a:fld>
             <a:endParaRPr lang="en"/>
           </a:p>
@@ -10288,7 +9954,7 @@
 </p:sld>
 </file>
 
-<file path=ppt/slides/slide21.xml><?xml version="1.0" encoding="utf-8"?>
+<file path=ppt/slides/slide2.xml><?xml version="1.0" encoding="utf-8"?>
 <p:sld xmlns:a="http://schemas.openxmlformats.org/drawingml/2006/main" xmlns:r="http://schemas.openxmlformats.org/officeDocument/2006/relationships" xmlns:p="http://schemas.openxmlformats.org/presentationml/2006/main">
   <p:cSld>
     <p:spTree>
@@ -10310,6 +9976,196 @@
           <p:cNvPr id="2" name="Title 1">
             <a:extLst>
               <a:ext uri="{FF2B5EF4-FFF2-40B4-BE49-F238E27FC236}">
+                <a16:creationId xmlns:a16="http://schemas.microsoft.com/office/drawing/2014/main" id="{E1C4B97A-B25F-41FC-AB69-42B4BFB8A996}"/>
+              </a:ext>
+            </a:extLst>
+          </p:cNvPr>
+          <p:cNvSpPr>
+            <a:spLocks noGrp="1"/>
+          </p:cNvSpPr>
+          <p:nvPr>
+            <p:ph type="ctrTitle"/>
+          </p:nvPr>
+        </p:nvSpPr>
+        <p:spPr/>
+        <p:txBody>
+          <a:bodyPr/>
+          <a:lstStyle/>
+          <a:p>
+            <a:r>
+              <a:rPr lang="en-US" dirty="0"/>
+              <a:t>Day 07</a:t>
+            </a:r>
+            <a:endParaRPr lang="en-ID" dirty="0"/>
+          </a:p>
+        </p:txBody>
+      </p:sp>
+      <p:sp>
+        <p:nvSpPr>
+          <p:cNvPr id="3" name="Subtitle 2">
+            <a:extLst>
+              <a:ext uri="{FF2B5EF4-FFF2-40B4-BE49-F238E27FC236}">
+                <a16:creationId xmlns:a16="http://schemas.microsoft.com/office/drawing/2014/main" id="{B2DE4C9C-75AD-4D02-B515-6766EA1A235B}"/>
+              </a:ext>
+            </a:extLst>
+          </p:cNvPr>
+          <p:cNvSpPr>
+            <a:spLocks noGrp="1"/>
+          </p:cNvSpPr>
+          <p:nvPr>
+            <p:ph type="subTitle" idx="1"/>
+          </p:nvPr>
+        </p:nvSpPr>
+        <p:spPr/>
+        <p:txBody>
+          <a:bodyPr/>
+          <a:lstStyle/>
+          <a:p>
+            <a:r>
+              <a:rPr lang="en-US" dirty="0"/>
+              <a:t>Goal Material</a:t>
+            </a:r>
+            <a:endParaRPr lang="en-ID" dirty="0"/>
+          </a:p>
+        </p:txBody>
+      </p:sp>
+      <p:sp>
+        <p:nvSpPr>
+          <p:cNvPr id="4" name="Slide Number Placeholder 3">
+            <a:extLst>
+              <a:ext uri="{FF2B5EF4-FFF2-40B4-BE49-F238E27FC236}">
+                <a16:creationId xmlns:a16="http://schemas.microsoft.com/office/drawing/2014/main" id="{916DB1F4-E56E-40F8-BE83-A77BD1B29ED2}"/>
+              </a:ext>
+            </a:extLst>
+          </p:cNvPr>
+          <p:cNvSpPr>
+            <a:spLocks noGrp="1"/>
+          </p:cNvSpPr>
+          <p:nvPr>
+            <p:ph type="sldNum" idx="12"/>
+          </p:nvPr>
+        </p:nvSpPr>
+        <p:spPr/>
+        <p:txBody>
+          <a:bodyPr/>
+          <a:lstStyle/>
+          <a:p>
+            <a:pPr marL="0" lvl="0" indent="0" algn="r" rtl="0">
+              <a:spcBef>
+                <a:spcPts val="0"/>
+              </a:spcBef>
+              <a:spcAft>
+                <a:spcPts val="0"/>
+              </a:spcAft>
+              <a:buNone/>
+            </a:pPr>
+            <a:fld id="{00000000-1234-1234-1234-123412341234}" type="slidenum">
+              <a:rPr lang="en" smtClean="0"/>
+              <a:t>2</a:t>
+            </a:fld>
+            <a:endParaRPr lang="en"/>
+          </a:p>
+        </p:txBody>
+      </p:sp>
+      <p:sp>
+        <p:nvSpPr>
+          <p:cNvPr id="5" name="Google Shape;224;p14">
+            <a:extLst>
+              <a:ext uri="{FF2B5EF4-FFF2-40B4-BE49-F238E27FC236}">
+                <a16:creationId xmlns:a16="http://schemas.microsoft.com/office/drawing/2014/main" id="{5FDF6675-7522-494F-BFC9-DCE4FBB03259}"/>
+              </a:ext>
+            </a:extLst>
+          </p:cNvPr>
+          <p:cNvSpPr txBox="1"/>
+          <p:nvPr/>
+        </p:nvSpPr>
+        <p:spPr>
+          <a:xfrm>
+            <a:off x="463525" y="0"/>
+            <a:ext cx="2181600" cy="3136200"/>
+          </a:xfrm>
+          <a:prstGeom prst="rect">
+            <a:avLst/>
+          </a:prstGeom>
+          <a:noFill/>
+          <a:ln>
+            <a:noFill/>
+          </a:ln>
+        </p:spPr>
+        <p:txBody>
+          <a:bodyPr spcFirstLastPara="1" wrap="square" lIns="91425" tIns="91425" rIns="91425" bIns="91425" anchor="b" anchorCtr="0">
+            <a:noAutofit/>
+          </a:bodyPr>
+          <a:lstStyle/>
+          <a:p>
+            <a:pPr marL="0" lvl="0" indent="0" algn="l" rtl="0">
+              <a:spcBef>
+                <a:spcPts val="0"/>
+              </a:spcBef>
+              <a:spcAft>
+                <a:spcPts val="0"/>
+              </a:spcAft>
+              <a:buNone/>
+            </a:pPr>
+            <a:r>
+              <a:rPr lang="en" sz="12000" b="1" dirty="0">
+                <a:solidFill>
+                  <a:srgbClr val="3F5378"/>
+                </a:solidFill>
+                <a:latin typeface="Roboto Condensed"/>
+                <a:ea typeface="Roboto Condensed"/>
+                <a:cs typeface="Roboto Condensed"/>
+                <a:sym typeface="Roboto Condensed"/>
+              </a:rPr>
+              <a:t>1</a:t>
+            </a:r>
+            <a:endParaRPr sz="3000" b="1" dirty="0">
+              <a:solidFill>
+                <a:srgbClr val="3F5378"/>
+              </a:solidFill>
+              <a:latin typeface="Roboto Condensed"/>
+              <a:ea typeface="Roboto Condensed"/>
+              <a:cs typeface="Roboto Condensed"/>
+              <a:sym typeface="Roboto Condensed"/>
+            </a:endParaRPr>
+          </a:p>
+        </p:txBody>
+      </p:sp>
+    </p:spTree>
+    <p:extLst>
+      <p:ext uri="{BB962C8B-B14F-4D97-AF65-F5344CB8AC3E}">
+        <p14:creationId xmlns:p14="http://schemas.microsoft.com/office/powerpoint/2010/main" val="135306888"/>
+      </p:ext>
+    </p:extLst>
+  </p:cSld>
+  <p:clrMapOvr>
+    <a:masterClrMapping/>
+  </p:clrMapOvr>
+</p:sld>
+</file>
+
+<file path=ppt/slides/slide20.xml><?xml version="1.0" encoding="utf-8"?>
+<p:sld xmlns:a="http://schemas.openxmlformats.org/drawingml/2006/main" xmlns:r="http://schemas.openxmlformats.org/officeDocument/2006/relationships" xmlns:p="http://schemas.openxmlformats.org/presentationml/2006/main">
+  <p:cSld>
+    <p:spTree>
+      <p:nvGrpSpPr>
+        <p:cNvPr id="1" name=""/>
+        <p:cNvGrpSpPr/>
+        <p:nvPr/>
+      </p:nvGrpSpPr>
+      <p:grpSpPr>
+        <a:xfrm>
+          <a:off x="0" y="0"/>
+          <a:ext cx="0" cy="0"/>
+          <a:chOff x="0" y="0"/>
+          <a:chExt cx="0" cy="0"/>
+        </a:xfrm>
+      </p:grpSpPr>
+      <p:sp>
+        <p:nvSpPr>
+          <p:cNvPr id="2" name="Title 1">
+            <a:extLst>
+              <a:ext uri="{FF2B5EF4-FFF2-40B4-BE49-F238E27FC236}">
                 <a16:creationId xmlns:a16="http://schemas.microsoft.com/office/drawing/2014/main" id="{F5005532-3A72-476D-AD11-2A9802CE6953}"/>
               </a:ext>
             </a:extLst>
@@ -10395,7 +10251,7 @@
             </a:pPr>
             <a:fld id="{00000000-1234-1234-1234-123412341234}" type="slidenum">
               <a:rPr lang="en" smtClean="0"/>
-              <a:t>21</a:t>
+              <a:t>20</a:t>
             </a:fld>
             <a:endParaRPr lang="en"/>
           </a:p>
@@ -10474,7 +10330,7 @@
 </p:sld>
 </file>
 
-<file path=ppt/slides/slide22.xml><?xml version="1.0" encoding="utf-8"?>
+<file path=ppt/slides/slide21.xml><?xml version="1.0" encoding="utf-8"?>
 <p:sld xmlns:a="http://schemas.openxmlformats.org/drawingml/2006/main" xmlns:r="http://schemas.openxmlformats.org/officeDocument/2006/relationships" xmlns:p="http://schemas.openxmlformats.org/presentationml/2006/main">
   <p:cSld>
     <p:spTree>
@@ -10581,7 +10437,7 @@
             </a:pPr>
             <a:fld id="{00000000-1234-1234-1234-123412341234}" type="slidenum">
               <a:rPr lang="en" smtClean="0"/>
-              <a:t>22</a:t>
+              <a:t>21</a:t>
             </a:fld>
             <a:endParaRPr lang="en"/>
           </a:p>
@@ -10630,7 +10486,7 @@
 </p:sld>
 </file>
 
-<file path=ppt/slides/slide23.xml><?xml version="1.0" encoding="utf-8"?>
+<file path=ppt/slides/slide22.xml><?xml version="1.0" encoding="utf-8"?>
 <p:sld xmlns:a="http://schemas.openxmlformats.org/drawingml/2006/main" xmlns:r="http://schemas.openxmlformats.org/officeDocument/2006/relationships" xmlns:p="http://schemas.openxmlformats.org/presentationml/2006/main">
   <p:cSld>
     <p:spTree>
@@ -10737,7 +10593,7 @@
             </a:pPr>
             <a:fld id="{00000000-1234-1234-1234-123412341234}" type="slidenum">
               <a:rPr lang="en" smtClean="0"/>
-              <a:t>23</a:t>
+              <a:t>22</a:t>
             </a:fld>
             <a:endParaRPr lang="en"/>
           </a:p>
@@ -10786,7 +10642,7 @@
 </p:sld>
 </file>
 
-<file path=ppt/slides/slide24.xml><?xml version="1.0" encoding="utf-8"?>
+<file path=ppt/slides/slide23.xml><?xml version="1.0" encoding="utf-8"?>
 <p:sld xmlns:a="http://schemas.openxmlformats.org/drawingml/2006/main" xmlns:r="http://schemas.openxmlformats.org/officeDocument/2006/relationships" xmlns:p="http://schemas.openxmlformats.org/presentationml/2006/main">
   <p:cSld>
     <p:spTree>
@@ -10893,7 +10749,7 @@
             </a:pPr>
             <a:fld id="{00000000-1234-1234-1234-123412341234}" type="slidenum">
               <a:rPr lang="en" smtClean="0"/>
-              <a:t>24</a:t>
+              <a:t>23</a:t>
             </a:fld>
             <a:endParaRPr lang="en"/>
           </a:p>
@@ -10942,7 +10798,7 @@
 </p:sld>
 </file>
 
-<file path=ppt/slides/slide25.xml><?xml version="1.0" encoding="utf-8"?>
+<file path=ppt/slides/slide24.xml><?xml version="1.0" encoding="utf-8"?>
 <p:sld xmlns:a="http://schemas.openxmlformats.org/drawingml/2006/main" xmlns:r="http://schemas.openxmlformats.org/officeDocument/2006/relationships" xmlns:p="http://schemas.openxmlformats.org/presentationml/2006/main">
   <p:cSld>
     <p:spTree>
@@ -11060,7 +10916,7 @@
             </a:pPr>
             <a:fld id="{00000000-1234-1234-1234-123412341234}" type="slidenum">
               <a:rPr lang="en" smtClean="0"/>
-              <a:t>25</a:t>
+              <a:t>24</a:t>
             </a:fld>
             <a:endParaRPr lang="en"/>
           </a:p>
@@ -11394,7 +11250,7 @@
 </p:sld>
 </file>
 
-<file path=ppt/slides/slide26.xml><?xml version="1.0" encoding="utf-8"?>
+<file path=ppt/slides/slide25.xml><?xml version="1.0" encoding="utf-8"?>
 <p:sld xmlns:a="http://schemas.openxmlformats.org/drawingml/2006/main" xmlns:r="http://schemas.openxmlformats.org/officeDocument/2006/relationships" xmlns:p="http://schemas.openxmlformats.org/presentationml/2006/main">
   <p:cSld>
     <p:spTree>
@@ -11505,7 +11361,7 @@
             </a:pPr>
             <a:fld id="{00000000-1234-1234-1234-123412341234}" type="slidenum">
               <a:rPr lang="en" smtClean="0"/>
-              <a:t>26</a:t>
+              <a:t>25</a:t>
             </a:fld>
             <a:endParaRPr lang="en"/>
           </a:p>
@@ -11554,7 +11410,7 @@
 </p:sld>
 </file>
 
-<file path=ppt/slides/slide27.xml><?xml version="1.0" encoding="utf-8"?>
+<file path=ppt/slides/slide26.xml><?xml version="1.0" encoding="utf-8"?>
 <p:sld xmlns:a="http://schemas.openxmlformats.org/drawingml/2006/main" xmlns:r="http://schemas.openxmlformats.org/officeDocument/2006/relationships" xmlns:p="http://schemas.openxmlformats.org/presentationml/2006/main">
   <p:cSld>
     <p:spTree>
@@ -11668,7 +11524,7 @@
             </a:pPr>
             <a:fld id="{00000000-1234-1234-1234-123412341234}" type="slidenum">
               <a:rPr lang="en" smtClean="0"/>
-              <a:t>27</a:t>
+              <a:t>26</a:t>
             </a:fld>
             <a:endParaRPr lang="en"/>
           </a:p>
@@ -11717,7 +11573,7 @@
 </p:sld>
 </file>
 
-<file path=ppt/slides/slide28.xml><?xml version="1.0" encoding="utf-8"?>
+<file path=ppt/slides/slide27.xml><?xml version="1.0" encoding="utf-8"?>
 <p:sld xmlns:a="http://schemas.openxmlformats.org/drawingml/2006/main" xmlns:r="http://schemas.openxmlformats.org/officeDocument/2006/relationships" xmlns:p="http://schemas.openxmlformats.org/presentationml/2006/main">
   <p:cSld>
     <p:spTree>
@@ -11826,7 +11682,7 @@
             </a:pPr>
             <a:fld id="{00000000-1234-1234-1234-123412341234}" type="slidenum">
               <a:rPr lang="en" smtClean="0"/>
-              <a:t>28</a:t>
+              <a:t>27</a:t>
             </a:fld>
             <a:endParaRPr lang="en"/>
           </a:p>
@@ -11875,7 +11731,7 @@
 </p:sld>
 </file>
 
-<file path=ppt/slides/slide29.xml><?xml version="1.0" encoding="utf-8"?>
+<file path=ppt/slides/slide28.xml><?xml version="1.0" encoding="utf-8"?>
 <p:sld xmlns:a="http://schemas.openxmlformats.org/drawingml/2006/main" xmlns:r="http://schemas.openxmlformats.org/officeDocument/2006/relationships" xmlns:p="http://schemas.openxmlformats.org/presentationml/2006/main">
   <p:cSld>
     <p:spTree>
@@ -11984,7 +11840,7 @@
             </a:pPr>
             <a:fld id="{00000000-1234-1234-1234-123412341234}" type="slidenum">
               <a:rPr lang="en" smtClean="0"/>
-              <a:t>29</a:t>
+              <a:t>28</a:t>
             </a:fld>
             <a:endParaRPr lang="en"/>
           </a:p>
@@ -12033,6 +11889,196 @@
 </p:sld>
 </file>
 
+<file path=ppt/slides/slide29.xml><?xml version="1.0" encoding="utf-8"?>
+<p:sld xmlns:a="http://schemas.openxmlformats.org/drawingml/2006/main" xmlns:r="http://schemas.openxmlformats.org/officeDocument/2006/relationships" xmlns:p="http://schemas.openxmlformats.org/presentationml/2006/main">
+  <p:cSld>
+    <p:spTree>
+      <p:nvGrpSpPr>
+        <p:cNvPr id="1" name=""/>
+        <p:cNvGrpSpPr/>
+        <p:nvPr/>
+      </p:nvGrpSpPr>
+      <p:grpSpPr>
+        <a:xfrm>
+          <a:off x="0" y="0"/>
+          <a:ext cx="0" cy="0"/>
+          <a:chOff x="0" y="0"/>
+          <a:chExt cx="0" cy="0"/>
+        </a:xfrm>
+      </p:grpSpPr>
+      <p:sp>
+        <p:nvSpPr>
+          <p:cNvPr id="2" name="Title 1">
+            <a:extLst>
+              <a:ext uri="{FF2B5EF4-FFF2-40B4-BE49-F238E27FC236}">
+                <a16:creationId xmlns:a16="http://schemas.microsoft.com/office/drawing/2014/main" id="{E1C4B97A-B25F-41FC-AB69-42B4BFB8A996}"/>
+              </a:ext>
+            </a:extLst>
+          </p:cNvPr>
+          <p:cNvSpPr>
+            <a:spLocks noGrp="1"/>
+          </p:cNvSpPr>
+          <p:nvPr>
+            <p:ph type="ctrTitle"/>
+          </p:nvPr>
+        </p:nvSpPr>
+        <p:spPr/>
+        <p:txBody>
+          <a:bodyPr/>
+          <a:lstStyle/>
+          <a:p>
+            <a:r>
+              <a:rPr lang="en-US" dirty="0"/>
+              <a:t>Day 07</a:t>
+            </a:r>
+            <a:endParaRPr lang="en-ID" dirty="0"/>
+          </a:p>
+        </p:txBody>
+      </p:sp>
+      <p:sp>
+        <p:nvSpPr>
+          <p:cNvPr id="3" name="Subtitle 2">
+            <a:extLst>
+              <a:ext uri="{FF2B5EF4-FFF2-40B4-BE49-F238E27FC236}">
+                <a16:creationId xmlns:a16="http://schemas.microsoft.com/office/drawing/2014/main" id="{B2DE4C9C-75AD-4D02-B515-6766EA1A235B}"/>
+              </a:ext>
+            </a:extLst>
+          </p:cNvPr>
+          <p:cNvSpPr>
+            <a:spLocks noGrp="1"/>
+          </p:cNvSpPr>
+          <p:nvPr>
+            <p:ph type="subTitle" idx="1"/>
+          </p:nvPr>
+        </p:nvSpPr>
+        <p:spPr/>
+        <p:txBody>
+          <a:bodyPr/>
+          <a:lstStyle/>
+          <a:p>
+            <a:r>
+              <a:rPr lang="en-US" dirty="0"/>
+              <a:t>Nested Interface</a:t>
+            </a:r>
+            <a:endParaRPr lang="en-ID" dirty="0"/>
+          </a:p>
+        </p:txBody>
+      </p:sp>
+      <p:sp>
+        <p:nvSpPr>
+          <p:cNvPr id="4" name="Slide Number Placeholder 3">
+            <a:extLst>
+              <a:ext uri="{FF2B5EF4-FFF2-40B4-BE49-F238E27FC236}">
+                <a16:creationId xmlns:a16="http://schemas.microsoft.com/office/drawing/2014/main" id="{916DB1F4-E56E-40F8-BE83-A77BD1B29ED2}"/>
+              </a:ext>
+            </a:extLst>
+          </p:cNvPr>
+          <p:cNvSpPr>
+            <a:spLocks noGrp="1"/>
+          </p:cNvSpPr>
+          <p:nvPr>
+            <p:ph type="sldNum" idx="12"/>
+          </p:nvPr>
+        </p:nvSpPr>
+        <p:spPr/>
+        <p:txBody>
+          <a:bodyPr/>
+          <a:lstStyle/>
+          <a:p>
+            <a:pPr marL="0" lvl="0" indent="0" algn="r" rtl="0">
+              <a:spcBef>
+                <a:spcPts val="0"/>
+              </a:spcBef>
+              <a:spcAft>
+                <a:spcPts val="0"/>
+              </a:spcAft>
+              <a:buNone/>
+            </a:pPr>
+            <a:fld id="{00000000-1234-1234-1234-123412341234}" type="slidenum">
+              <a:rPr lang="en" smtClean="0"/>
+              <a:t>29</a:t>
+            </a:fld>
+            <a:endParaRPr lang="en"/>
+          </a:p>
+        </p:txBody>
+      </p:sp>
+      <p:sp>
+        <p:nvSpPr>
+          <p:cNvPr id="5" name="Google Shape;224;p14">
+            <a:extLst>
+              <a:ext uri="{FF2B5EF4-FFF2-40B4-BE49-F238E27FC236}">
+                <a16:creationId xmlns:a16="http://schemas.microsoft.com/office/drawing/2014/main" id="{5FDF6675-7522-494F-BFC9-DCE4FBB03259}"/>
+              </a:ext>
+            </a:extLst>
+          </p:cNvPr>
+          <p:cNvSpPr txBox="1"/>
+          <p:nvPr/>
+        </p:nvSpPr>
+        <p:spPr>
+          <a:xfrm>
+            <a:off x="463525" y="0"/>
+            <a:ext cx="2181600" cy="3136200"/>
+          </a:xfrm>
+          <a:prstGeom prst="rect">
+            <a:avLst/>
+          </a:prstGeom>
+          <a:noFill/>
+          <a:ln>
+            <a:noFill/>
+          </a:ln>
+        </p:spPr>
+        <p:txBody>
+          <a:bodyPr spcFirstLastPara="1" wrap="square" lIns="91425" tIns="91425" rIns="91425" bIns="91425" anchor="b" anchorCtr="0">
+            <a:noAutofit/>
+          </a:bodyPr>
+          <a:lstStyle/>
+          <a:p>
+            <a:pPr marL="0" lvl="0" indent="0" algn="l" rtl="0">
+              <a:spcBef>
+                <a:spcPts val="0"/>
+              </a:spcBef>
+              <a:spcAft>
+                <a:spcPts val="0"/>
+              </a:spcAft>
+              <a:buNone/>
+            </a:pPr>
+            <a:r>
+              <a:rPr lang="en" sz="12000" b="1" dirty="0">
+                <a:solidFill>
+                  <a:srgbClr val="3F5378"/>
+                </a:solidFill>
+                <a:latin typeface="Roboto Condensed"/>
+                <a:ea typeface="Roboto Condensed"/>
+                <a:cs typeface="Roboto Condensed"/>
+                <a:sym typeface="Roboto Condensed"/>
+              </a:rPr>
+              <a:t>4</a:t>
+            </a:r>
+            <a:endParaRPr sz="3000" b="1" dirty="0">
+              <a:solidFill>
+                <a:srgbClr val="3F5378"/>
+              </a:solidFill>
+              <a:latin typeface="Roboto Condensed"/>
+              <a:ea typeface="Roboto Condensed"/>
+              <a:cs typeface="Roboto Condensed"/>
+              <a:sym typeface="Roboto Condensed"/>
+            </a:endParaRPr>
+          </a:p>
+        </p:txBody>
+      </p:sp>
+    </p:spTree>
+    <p:extLst>
+      <p:ext uri="{BB962C8B-B14F-4D97-AF65-F5344CB8AC3E}">
+        <p14:creationId xmlns:p14="http://schemas.microsoft.com/office/powerpoint/2010/main" val="3847677475"/>
+      </p:ext>
+    </p:extLst>
+  </p:cSld>
+  <p:clrMapOvr>
+    <a:masterClrMapping/>
+  </p:clrMapOvr>
+</p:sld>
+</file>
+
 <file path=ppt/slides/slide3.xml><?xml version="1.0" encoding="utf-8"?>
 <p:sld xmlns:a="http://schemas.openxmlformats.org/drawingml/2006/main" xmlns:r="http://schemas.openxmlformats.org/officeDocument/2006/relationships" xmlns:p="http://schemas.openxmlformats.org/presentationml/2006/main">
   <p:cSld>
@@ -12237,10 +12283,10 @@
       </p:grpSpPr>
       <p:sp>
         <p:nvSpPr>
-          <p:cNvPr id="2" name="Title 1">
-            <a:extLst>
-              <a:ext uri="{FF2B5EF4-FFF2-40B4-BE49-F238E27FC236}">
-                <a16:creationId xmlns:a16="http://schemas.microsoft.com/office/drawing/2014/main" id="{E1C4B97A-B25F-41FC-AB69-42B4BFB8A996}"/>
+          <p:cNvPr id="5" name="Title 4">
+            <a:extLst>
+              <a:ext uri="{FF2B5EF4-FFF2-40B4-BE49-F238E27FC236}">
+                <a16:creationId xmlns:a16="http://schemas.microsoft.com/office/drawing/2014/main" id="{C9F1E604-7E0D-4D49-9167-E3BAE5D39C06}"/>
               </a:ext>
             </a:extLst>
           </p:cNvPr>
@@ -12248,7 +12294,7 @@
             <a:spLocks noGrp="1"/>
           </p:cNvSpPr>
           <p:nvPr>
-            <p:ph type="ctrTitle"/>
+            <p:ph type="title"/>
           </p:nvPr>
         </p:nvSpPr>
         <p:spPr/>
@@ -12257,19 +12303,18 @@
           <a:lstStyle/>
           <a:p>
             <a:r>
-              <a:rPr lang="en-US" dirty="0"/>
-              <a:t>Day 07</a:t>
-            </a:r>
-            <a:endParaRPr lang="en-ID" dirty="0"/>
-          </a:p>
-        </p:txBody>
-      </p:sp>
-      <p:sp>
-        <p:nvSpPr>
-          <p:cNvPr id="3" name="Subtitle 2">
-            <a:extLst>
-              <a:ext uri="{FF2B5EF4-FFF2-40B4-BE49-F238E27FC236}">
-                <a16:creationId xmlns:a16="http://schemas.microsoft.com/office/drawing/2014/main" id="{B2DE4C9C-75AD-4D02-B515-6766EA1A235B}"/>
+              <a:rPr lang="en-ID" dirty="0"/>
+              <a:t>Java Nested Interface</a:t>
+            </a:r>
+          </a:p>
+        </p:txBody>
+      </p:sp>
+      <p:sp>
+        <p:nvSpPr>
+          <p:cNvPr id="6" name="Text Placeholder 5">
+            <a:extLst>
+              <a:ext uri="{FF2B5EF4-FFF2-40B4-BE49-F238E27FC236}">
+                <a16:creationId xmlns:a16="http://schemas.microsoft.com/office/drawing/2014/main" id="{3E5957C1-90F1-4376-964A-3C16F2FB6689}"/>
               </a:ext>
             </a:extLst>
           </p:cNvPr>
@@ -12277,7 +12322,7 @@
             <a:spLocks noGrp="1"/>
           </p:cNvSpPr>
           <p:nvPr>
-            <p:ph type="subTitle" idx="1"/>
+            <p:ph type="body" idx="1"/>
           </p:nvPr>
         </p:nvSpPr>
         <p:spPr/>
@@ -12287,18 +12332,77 @@
           <a:p>
             <a:r>
               <a:rPr lang="en-US" dirty="0"/>
-              <a:t>Nested Interface</a:t>
-            </a:r>
+              <a:t>An interface i.e. declared within another interface or class is known as nested interface. The nested interfaces are used to group related interfaces so that they can be easy to maintain. The nested interface must be referred by the outer interface or class. It can't be accessed directly.</a:t>
+            </a:r>
+          </a:p>
+          <a:p>
             <a:endParaRPr lang="en-ID" dirty="0"/>
           </a:p>
         </p:txBody>
       </p:sp>
       <p:sp>
         <p:nvSpPr>
+          <p:cNvPr id="7" name="Text Placeholder 6">
+            <a:extLst>
+              <a:ext uri="{FF2B5EF4-FFF2-40B4-BE49-F238E27FC236}">
+                <a16:creationId xmlns:a16="http://schemas.microsoft.com/office/drawing/2014/main" id="{FD7A600A-5966-474F-BDD9-268C45672E3D}"/>
+              </a:ext>
+            </a:extLst>
+          </p:cNvPr>
+          <p:cNvSpPr>
+            <a:spLocks noGrp="1"/>
+          </p:cNvSpPr>
+          <p:nvPr>
+            <p:ph type="body" idx="2"/>
+          </p:nvPr>
+        </p:nvSpPr>
+        <p:spPr/>
+        <p:txBody>
+          <a:bodyPr/>
+          <a:lstStyle/>
+          <a:p>
+            <a:pPr marL="101600" indent="0">
+              <a:buNone/>
+            </a:pPr>
+            <a:r>
+              <a:rPr lang="en-US" b="1" i="1" dirty="0"/>
+              <a:t>Points to remember for nested interfaces :</a:t>
+            </a:r>
+          </a:p>
+          <a:p>
+            <a:r>
+              <a:rPr lang="en-US" dirty="0"/>
+              <a:t>There are given some points that should be remembered by the java programmer.</a:t>
+            </a:r>
+          </a:p>
+          <a:p>
+            <a:r>
+              <a:rPr lang="en-US" dirty="0"/>
+              <a:t>Nested interface must be public if it is declared inside the interface but it can have any access modifier if declared within the class.</a:t>
+            </a:r>
+          </a:p>
+          <a:p>
+            <a:r>
+              <a:rPr lang="en-US" dirty="0"/>
+              <a:t>Nested interfaces are declared static </a:t>
+            </a:r>
+            <a:r>
+              <a:rPr lang="en-US" dirty="0" err="1"/>
+              <a:t>implicitely</a:t>
+            </a:r>
+            <a:r>
+              <a:rPr lang="en-US" dirty="0"/>
+              <a:t>.</a:t>
+            </a:r>
+          </a:p>
+        </p:txBody>
+      </p:sp>
+      <p:sp>
+        <p:nvSpPr>
           <p:cNvPr id="4" name="Slide Number Placeholder 3">
             <a:extLst>
               <a:ext uri="{FF2B5EF4-FFF2-40B4-BE49-F238E27FC236}">
-                <a16:creationId xmlns:a16="http://schemas.microsoft.com/office/drawing/2014/main" id="{916DB1F4-E56E-40F8-BE83-A77BD1B29ED2}"/>
+                <a16:creationId xmlns:a16="http://schemas.microsoft.com/office/drawing/2014/main" id="{E1AB6E48-7DE1-42B3-8E46-4414A96E0E22}"/>
               </a:ext>
             </a:extLst>
           </p:cNvPr>
@@ -12331,74 +12435,10 @@
           </a:p>
         </p:txBody>
       </p:sp>
-      <p:sp>
-        <p:nvSpPr>
-          <p:cNvPr id="5" name="Google Shape;224;p14">
-            <a:extLst>
-              <a:ext uri="{FF2B5EF4-FFF2-40B4-BE49-F238E27FC236}">
-                <a16:creationId xmlns:a16="http://schemas.microsoft.com/office/drawing/2014/main" id="{5FDF6675-7522-494F-BFC9-DCE4FBB03259}"/>
-              </a:ext>
-            </a:extLst>
-          </p:cNvPr>
-          <p:cNvSpPr txBox="1"/>
-          <p:nvPr/>
-        </p:nvSpPr>
-        <p:spPr>
-          <a:xfrm>
-            <a:off x="463525" y="0"/>
-            <a:ext cx="2181600" cy="3136200"/>
-          </a:xfrm>
-          <a:prstGeom prst="rect">
-            <a:avLst/>
-          </a:prstGeom>
-          <a:noFill/>
-          <a:ln>
-            <a:noFill/>
-          </a:ln>
-        </p:spPr>
-        <p:txBody>
-          <a:bodyPr spcFirstLastPara="1" wrap="square" lIns="91425" tIns="91425" rIns="91425" bIns="91425" anchor="b" anchorCtr="0">
-            <a:noAutofit/>
-          </a:bodyPr>
-          <a:lstStyle/>
-          <a:p>
-            <a:pPr marL="0" lvl="0" indent="0" algn="l" rtl="0">
-              <a:spcBef>
-                <a:spcPts val="0"/>
-              </a:spcBef>
-              <a:spcAft>
-                <a:spcPts val="0"/>
-              </a:spcAft>
-              <a:buNone/>
-            </a:pPr>
-            <a:r>
-              <a:rPr lang="en" sz="12000" b="1" dirty="0">
-                <a:solidFill>
-                  <a:srgbClr val="3F5378"/>
-                </a:solidFill>
-                <a:latin typeface="Roboto Condensed"/>
-                <a:ea typeface="Roboto Condensed"/>
-                <a:cs typeface="Roboto Condensed"/>
-                <a:sym typeface="Roboto Condensed"/>
-              </a:rPr>
-              <a:t>4</a:t>
-            </a:r>
-            <a:endParaRPr sz="3000" b="1" dirty="0">
-              <a:solidFill>
-                <a:srgbClr val="3F5378"/>
-              </a:solidFill>
-              <a:latin typeface="Roboto Condensed"/>
-              <a:ea typeface="Roboto Condensed"/>
-              <a:cs typeface="Roboto Condensed"/>
-              <a:sym typeface="Roboto Condensed"/>
-            </a:endParaRPr>
-          </a:p>
-        </p:txBody>
-      </p:sp>
     </p:spTree>
     <p:extLst>
       <p:ext uri="{BB962C8B-B14F-4D97-AF65-F5344CB8AC3E}">
-        <p14:creationId xmlns:p14="http://schemas.microsoft.com/office/powerpoint/2010/main" val="3847677475"/>
+        <p14:creationId xmlns:p14="http://schemas.microsoft.com/office/powerpoint/2010/main" val="3239758543"/>
       </p:ext>
     </p:extLst>
   </p:cSld>
@@ -12427,10 +12467,10 @@
       </p:grpSpPr>
       <p:sp>
         <p:nvSpPr>
-          <p:cNvPr id="5" name="Title 4">
-            <a:extLst>
-              <a:ext uri="{FF2B5EF4-FFF2-40B4-BE49-F238E27FC236}">
-                <a16:creationId xmlns:a16="http://schemas.microsoft.com/office/drawing/2014/main" id="{C9F1E604-7E0D-4D49-9167-E3BAE5D39C06}"/>
+          <p:cNvPr id="2" name="Title 1">
+            <a:extLst>
+              <a:ext uri="{FF2B5EF4-FFF2-40B4-BE49-F238E27FC236}">
+                <a16:creationId xmlns:a16="http://schemas.microsoft.com/office/drawing/2014/main" id="{C9A42A73-93C3-4347-A17D-1DA0481D6934}"/>
               </a:ext>
             </a:extLst>
           </p:cNvPr>
@@ -12448,17 +12488,17 @@
           <a:p>
             <a:r>
               <a:rPr lang="en-ID" dirty="0"/>
-              <a:t>Java Nested Interface</a:t>
-            </a:r>
-          </a:p>
-        </p:txBody>
-      </p:sp>
-      <p:sp>
-        <p:nvSpPr>
-          <p:cNvPr id="6" name="Text Placeholder 5">
-            <a:extLst>
-              <a:ext uri="{FF2B5EF4-FFF2-40B4-BE49-F238E27FC236}">
-                <a16:creationId xmlns:a16="http://schemas.microsoft.com/office/drawing/2014/main" id="{3E5957C1-90F1-4376-964A-3C16F2FB6689}"/>
+              <a:t>Syntax</a:t>
+            </a:r>
+          </a:p>
+        </p:txBody>
+      </p:sp>
+      <p:sp>
+        <p:nvSpPr>
+          <p:cNvPr id="3" name="Text Placeholder 2">
+            <a:extLst>
+              <a:ext uri="{FF2B5EF4-FFF2-40B4-BE49-F238E27FC236}">
+                <a16:creationId xmlns:a16="http://schemas.microsoft.com/office/drawing/2014/main" id="{D78D855B-CA90-4D48-9219-98D8EA2B76CC}"/>
               </a:ext>
             </a:extLst>
           </p:cNvPr>
@@ -12474,9 +12514,12 @@
           <a:bodyPr/>
           <a:lstStyle/>
           <a:p>
+            <a:pPr marL="101600" indent="0">
+              <a:buNone/>
+            </a:pPr>
             <a:r>
               <a:rPr lang="en-US" dirty="0"/>
-              <a:t>An interface i.e. declared within another interface or class is known as nested interface. The nested interfaces are used to group related interfaces so that they can be easy to maintain. The nested interface must be referred by the outer interface or class. It can't be accessed directly.</a:t>
+              <a:t>Syntax of nested interface which is declared within the interface</a:t>
             </a:r>
           </a:p>
           <a:p>
@@ -12486,10 +12529,10 @@
       </p:sp>
       <p:sp>
         <p:nvSpPr>
-          <p:cNvPr id="7" name="Text Placeholder 6">
-            <a:extLst>
-              <a:ext uri="{FF2B5EF4-FFF2-40B4-BE49-F238E27FC236}">
-                <a16:creationId xmlns:a16="http://schemas.microsoft.com/office/drawing/2014/main" id="{FD7A600A-5966-474F-BDD9-268C45672E3D}"/>
+          <p:cNvPr id="4" name="Text Placeholder 3">
+            <a:extLst>
+              <a:ext uri="{FF2B5EF4-FFF2-40B4-BE49-F238E27FC236}">
+                <a16:creationId xmlns:a16="http://schemas.microsoft.com/office/drawing/2014/main" id="{3AC04088-0081-4324-B006-270F78D779FE}"/>
               </a:ext>
             </a:extLst>
           </p:cNvPr>
@@ -12509,44 +12552,24 @@
               <a:buNone/>
             </a:pPr>
             <a:r>
-              <a:rPr lang="en-US" b="1" i="1" dirty="0"/>
-              <a:t>Points to remember for nested interfaces :</a:t>
-            </a:r>
-          </a:p>
-          <a:p>
-            <a:r>
               <a:rPr lang="en-US" dirty="0"/>
-              <a:t>There are given some points that should be remembered by the java programmer.</a:t>
-            </a:r>
-          </a:p>
-          <a:p>
-            <a:r>
-              <a:rPr lang="en-US" dirty="0"/>
-              <a:t>Nested interface must be public if it is declared inside the interface but it can have any access modifier if declared within the class.</a:t>
-            </a:r>
-          </a:p>
-          <a:p>
-            <a:r>
-              <a:rPr lang="en-US" dirty="0"/>
-              <a:t>Nested interfaces are declared static </a:t>
-            </a:r>
-            <a:r>
-              <a:rPr lang="en-US" dirty="0" err="1"/>
-              <a:t>implicitely</a:t>
-            </a:r>
-            <a:r>
-              <a:rPr lang="en-US" dirty="0"/>
-              <a:t>.</a:t>
-            </a:r>
-          </a:p>
-        </p:txBody>
-      </p:sp>
-      <p:sp>
-        <p:nvSpPr>
-          <p:cNvPr id="4" name="Slide Number Placeholder 3">
-            <a:extLst>
-              <a:ext uri="{FF2B5EF4-FFF2-40B4-BE49-F238E27FC236}">
-                <a16:creationId xmlns:a16="http://schemas.microsoft.com/office/drawing/2014/main" id="{E1AB6E48-7DE1-42B3-8E46-4414A96E0E22}"/>
+              <a:t>Syntax of nested interface which is declared within the class</a:t>
+            </a:r>
+          </a:p>
+          <a:p>
+            <a:pPr marL="101600" indent="0">
+              <a:buNone/>
+            </a:pPr>
+            <a:endParaRPr lang="en-ID" dirty="0"/>
+          </a:p>
+        </p:txBody>
+      </p:sp>
+      <p:sp>
+        <p:nvSpPr>
+          <p:cNvPr id="5" name="Slide Number Placeholder 4">
+            <a:extLst>
+              <a:ext uri="{FF2B5EF4-FFF2-40B4-BE49-F238E27FC236}">
+                <a16:creationId xmlns:a16="http://schemas.microsoft.com/office/drawing/2014/main" id="{A65203EB-3E89-48E2-A118-BAE78790E7C2}"/>
               </a:ext>
             </a:extLst>
           </p:cNvPr>
@@ -12574,173 +12597,6 @@
             <a:fld id="{00000000-1234-1234-1234-123412341234}" type="slidenum">
               <a:rPr lang="en" smtClean="0"/>
               <a:t>31</a:t>
-            </a:fld>
-            <a:endParaRPr lang="en"/>
-          </a:p>
-        </p:txBody>
-      </p:sp>
-    </p:spTree>
-    <p:extLst>
-      <p:ext uri="{BB962C8B-B14F-4D97-AF65-F5344CB8AC3E}">
-        <p14:creationId xmlns:p14="http://schemas.microsoft.com/office/powerpoint/2010/main" val="3239758543"/>
-      </p:ext>
-    </p:extLst>
-  </p:cSld>
-  <p:clrMapOvr>
-    <a:masterClrMapping/>
-  </p:clrMapOvr>
-</p:sld>
-</file>
-
-<file path=ppt/slides/slide32.xml><?xml version="1.0" encoding="utf-8"?>
-<p:sld xmlns:a="http://schemas.openxmlformats.org/drawingml/2006/main" xmlns:r="http://schemas.openxmlformats.org/officeDocument/2006/relationships" xmlns:p="http://schemas.openxmlformats.org/presentationml/2006/main">
-  <p:cSld>
-    <p:spTree>
-      <p:nvGrpSpPr>
-        <p:cNvPr id="1" name=""/>
-        <p:cNvGrpSpPr/>
-        <p:nvPr/>
-      </p:nvGrpSpPr>
-      <p:grpSpPr>
-        <a:xfrm>
-          <a:off x="0" y="0"/>
-          <a:ext cx="0" cy="0"/>
-          <a:chOff x="0" y="0"/>
-          <a:chExt cx="0" cy="0"/>
-        </a:xfrm>
-      </p:grpSpPr>
-      <p:sp>
-        <p:nvSpPr>
-          <p:cNvPr id="2" name="Title 1">
-            <a:extLst>
-              <a:ext uri="{FF2B5EF4-FFF2-40B4-BE49-F238E27FC236}">
-                <a16:creationId xmlns:a16="http://schemas.microsoft.com/office/drawing/2014/main" id="{C9A42A73-93C3-4347-A17D-1DA0481D6934}"/>
-              </a:ext>
-            </a:extLst>
-          </p:cNvPr>
-          <p:cNvSpPr>
-            <a:spLocks noGrp="1"/>
-          </p:cNvSpPr>
-          <p:nvPr>
-            <p:ph type="title"/>
-          </p:nvPr>
-        </p:nvSpPr>
-        <p:spPr/>
-        <p:txBody>
-          <a:bodyPr/>
-          <a:lstStyle/>
-          <a:p>
-            <a:r>
-              <a:rPr lang="en-ID" dirty="0"/>
-              <a:t>Syntax</a:t>
-            </a:r>
-          </a:p>
-        </p:txBody>
-      </p:sp>
-      <p:sp>
-        <p:nvSpPr>
-          <p:cNvPr id="3" name="Text Placeholder 2">
-            <a:extLst>
-              <a:ext uri="{FF2B5EF4-FFF2-40B4-BE49-F238E27FC236}">
-                <a16:creationId xmlns:a16="http://schemas.microsoft.com/office/drawing/2014/main" id="{D78D855B-CA90-4D48-9219-98D8EA2B76CC}"/>
-              </a:ext>
-            </a:extLst>
-          </p:cNvPr>
-          <p:cNvSpPr>
-            <a:spLocks noGrp="1"/>
-          </p:cNvSpPr>
-          <p:nvPr>
-            <p:ph type="body" idx="1"/>
-          </p:nvPr>
-        </p:nvSpPr>
-        <p:spPr/>
-        <p:txBody>
-          <a:bodyPr/>
-          <a:lstStyle/>
-          <a:p>
-            <a:pPr marL="101600" indent="0">
-              <a:buNone/>
-            </a:pPr>
-            <a:r>
-              <a:rPr lang="en-US" dirty="0"/>
-              <a:t>Syntax of nested interface which is declared within the interface</a:t>
-            </a:r>
-          </a:p>
-          <a:p>
-            <a:endParaRPr lang="en-ID" dirty="0"/>
-          </a:p>
-        </p:txBody>
-      </p:sp>
-      <p:sp>
-        <p:nvSpPr>
-          <p:cNvPr id="4" name="Text Placeholder 3">
-            <a:extLst>
-              <a:ext uri="{FF2B5EF4-FFF2-40B4-BE49-F238E27FC236}">
-                <a16:creationId xmlns:a16="http://schemas.microsoft.com/office/drawing/2014/main" id="{3AC04088-0081-4324-B006-270F78D779FE}"/>
-              </a:ext>
-            </a:extLst>
-          </p:cNvPr>
-          <p:cNvSpPr>
-            <a:spLocks noGrp="1"/>
-          </p:cNvSpPr>
-          <p:nvPr>
-            <p:ph type="body" idx="2"/>
-          </p:nvPr>
-        </p:nvSpPr>
-        <p:spPr/>
-        <p:txBody>
-          <a:bodyPr/>
-          <a:lstStyle/>
-          <a:p>
-            <a:pPr marL="101600" indent="0">
-              <a:buNone/>
-            </a:pPr>
-            <a:r>
-              <a:rPr lang="en-US" dirty="0"/>
-              <a:t>Syntax of nested interface which is declared within the class</a:t>
-            </a:r>
-          </a:p>
-          <a:p>
-            <a:pPr marL="101600" indent="0">
-              <a:buNone/>
-            </a:pPr>
-            <a:endParaRPr lang="en-ID" dirty="0"/>
-          </a:p>
-        </p:txBody>
-      </p:sp>
-      <p:sp>
-        <p:nvSpPr>
-          <p:cNvPr id="5" name="Slide Number Placeholder 4">
-            <a:extLst>
-              <a:ext uri="{FF2B5EF4-FFF2-40B4-BE49-F238E27FC236}">
-                <a16:creationId xmlns:a16="http://schemas.microsoft.com/office/drawing/2014/main" id="{A65203EB-3E89-48E2-A118-BAE78790E7C2}"/>
-              </a:ext>
-            </a:extLst>
-          </p:cNvPr>
-          <p:cNvSpPr>
-            <a:spLocks noGrp="1"/>
-          </p:cNvSpPr>
-          <p:nvPr>
-            <p:ph type="sldNum" idx="12"/>
-          </p:nvPr>
-        </p:nvSpPr>
-        <p:spPr/>
-        <p:txBody>
-          <a:bodyPr/>
-          <a:lstStyle/>
-          <a:p>
-            <a:pPr marL="0" lvl="0" indent="0" algn="r" rtl="0">
-              <a:spcBef>
-                <a:spcPts val="0"/>
-              </a:spcBef>
-              <a:spcAft>
-                <a:spcPts val="0"/>
-              </a:spcAft>
-              <a:buNone/>
-            </a:pPr>
-            <a:fld id="{00000000-1234-1234-1234-123412341234}" type="slidenum">
-              <a:rPr lang="en" smtClean="0"/>
-              <a:t>32</a:t>
             </a:fld>
             <a:endParaRPr lang="en"/>
           </a:p>
@@ -12819,7 +12675,7 @@
 </p:sld>
 </file>
 
-<file path=ppt/slides/slide33.xml><?xml version="1.0" encoding="utf-8"?>
+<file path=ppt/slides/slide32.xml><?xml version="1.0" encoding="utf-8"?>
 <p:sld xmlns:a="http://schemas.openxmlformats.org/drawingml/2006/main" xmlns:r="http://schemas.openxmlformats.org/officeDocument/2006/relationships" xmlns:p="http://schemas.openxmlformats.org/presentationml/2006/main">
   <p:cSld>
     <p:spTree>
@@ -12992,7 +12848,7 @@
             </a:pPr>
             <a:fld id="{00000000-1234-1234-1234-123412341234}" type="slidenum">
               <a:rPr lang="en" smtClean="0"/>
-              <a:t>33</a:t>
+              <a:t>32</a:t>
             </a:fld>
             <a:endParaRPr lang="en"/>
           </a:p>
@@ -13041,7 +12897,7 @@
 </p:sld>
 </file>
 
-<file path=ppt/slides/slide34.xml><?xml version="1.0" encoding="utf-8"?>
+<file path=ppt/slides/slide33.xml><?xml version="1.0" encoding="utf-8"?>
 <p:sld xmlns:a="http://schemas.openxmlformats.org/drawingml/2006/main" xmlns:r="http://schemas.openxmlformats.org/officeDocument/2006/relationships" xmlns:p="http://schemas.openxmlformats.org/presentationml/2006/main">
   <p:cSld>
     <p:spTree>
@@ -13173,7 +13029,7 @@
             </a:pPr>
             <a:fld id="{00000000-1234-1234-1234-123412341234}" type="slidenum">
               <a:rPr lang="en" smtClean="0"/>
-              <a:t>34</a:t>
+              <a:t>33</a:t>
             </a:fld>
             <a:endParaRPr lang="en"/>
           </a:p>
@@ -13222,7 +13078,7 @@
 </p:sld>
 </file>
 
-<file path=ppt/slides/slide35.xml><?xml version="1.0" encoding="utf-8"?>
+<file path=ppt/slides/slide34.xml><?xml version="1.0" encoding="utf-8"?>
 <p:sld xmlns:a="http://schemas.openxmlformats.org/drawingml/2006/main" xmlns:r="http://schemas.openxmlformats.org/officeDocument/2006/relationships" xmlns:p="http://schemas.openxmlformats.org/presentationml/2006/main">
   <p:cSld>
     <p:spTree>
@@ -13329,7 +13185,7 @@
             </a:pPr>
             <a:fld id="{00000000-1234-1234-1234-123412341234}" type="slidenum">
               <a:rPr lang="en" smtClean="0"/>
-              <a:t>35</a:t>
+              <a:t>34</a:t>
             </a:fld>
             <a:endParaRPr lang="en"/>
           </a:p>
@@ -13378,7 +13234,7 @@
 </p:sld>
 </file>
 
-<file path=ppt/slides/slide36.xml><?xml version="1.0" encoding="utf-8"?>
+<file path=ppt/slides/slide35.xml><?xml version="1.0" encoding="utf-8"?>
 <p:sld xmlns:a="http://schemas.openxmlformats.org/drawingml/2006/main" xmlns:r="http://schemas.openxmlformats.org/officeDocument/2006/relationships" xmlns:p="http://schemas.openxmlformats.org/presentationml/2006/main">
   <p:cSld>
     <p:spTree>
@@ -13485,7 +13341,7 @@
             </a:pPr>
             <a:fld id="{00000000-1234-1234-1234-123412341234}" type="slidenum">
               <a:rPr lang="en" smtClean="0"/>
-              <a:t>36</a:t>
+              <a:t>35</a:t>
             </a:fld>
             <a:endParaRPr lang="en"/>
           </a:p>
@@ -13534,6 +13390,200 @@
 </p:sld>
 </file>
 
+<file path=ppt/slides/slide36.xml><?xml version="1.0" encoding="utf-8"?>
+<p:sld xmlns:a="http://schemas.openxmlformats.org/drawingml/2006/main" xmlns:r="http://schemas.openxmlformats.org/officeDocument/2006/relationships" xmlns:p="http://schemas.openxmlformats.org/presentationml/2006/main">
+  <p:cSld>
+    <p:spTree>
+      <p:nvGrpSpPr>
+        <p:cNvPr id="1" name=""/>
+        <p:cNvGrpSpPr/>
+        <p:nvPr/>
+      </p:nvGrpSpPr>
+      <p:grpSpPr>
+        <a:xfrm>
+          <a:off x="0" y="0"/>
+          <a:ext cx="0" cy="0"/>
+          <a:chOff x="0" y="0"/>
+          <a:chExt cx="0" cy="0"/>
+        </a:xfrm>
+      </p:grpSpPr>
+      <p:sp>
+        <p:nvSpPr>
+          <p:cNvPr id="2" name="Title 1">
+            <a:extLst>
+              <a:ext uri="{FF2B5EF4-FFF2-40B4-BE49-F238E27FC236}">
+                <a16:creationId xmlns:a16="http://schemas.microsoft.com/office/drawing/2014/main" id="{E1C4B97A-B25F-41FC-AB69-42B4BFB8A996}"/>
+              </a:ext>
+            </a:extLst>
+          </p:cNvPr>
+          <p:cNvSpPr>
+            <a:spLocks noGrp="1"/>
+          </p:cNvSpPr>
+          <p:nvPr>
+            <p:ph type="ctrTitle"/>
+          </p:nvPr>
+        </p:nvSpPr>
+        <p:spPr/>
+        <p:txBody>
+          <a:bodyPr/>
+          <a:lstStyle/>
+          <a:p>
+            <a:r>
+              <a:rPr lang="en-US" dirty="0"/>
+              <a:t>Day 07</a:t>
+            </a:r>
+            <a:endParaRPr lang="en-ID" dirty="0"/>
+          </a:p>
+        </p:txBody>
+      </p:sp>
+      <p:sp>
+        <p:nvSpPr>
+          <p:cNvPr id="3" name="Subtitle 2">
+            <a:extLst>
+              <a:ext uri="{FF2B5EF4-FFF2-40B4-BE49-F238E27FC236}">
+                <a16:creationId xmlns:a16="http://schemas.microsoft.com/office/drawing/2014/main" id="{B2DE4C9C-75AD-4D02-B515-6766EA1A235B}"/>
+              </a:ext>
+            </a:extLst>
+          </p:cNvPr>
+          <p:cNvSpPr>
+            <a:spLocks noGrp="1"/>
+          </p:cNvSpPr>
+          <p:nvPr>
+            <p:ph type="subTitle" idx="1"/>
+          </p:nvPr>
+        </p:nvSpPr>
+        <p:spPr/>
+        <p:txBody>
+          <a:bodyPr/>
+          <a:lstStyle/>
+          <a:p>
+            <a:r>
+              <a:rPr lang="en-US" dirty="0" err="1"/>
+              <a:t>Abtraction</a:t>
+            </a:r>
+            <a:r>
+              <a:rPr lang="en-US" dirty="0"/>
+              <a:t> vs Interface</a:t>
+            </a:r>
+            <a:endParaRPr lang="en-ID" dirty="0"/>
+          </a:p>
+        </p:txBody>
+      </p:sp>
+      <p:sp>
+        <p:nvSpPr>
+          <p:cNvPr id="4" name="Slide Number Placeholder 3">
+            <a:extLst>
+              <a:ext uri="{FF2B5EF4-FFF2-40B4-BE49-F238E27FC236}">
+                <a16:creationId xmlns:a16="http://schemas.microsoft.com/office/drawing/2014/main" id="{916DB1F4-E56E-40F8-BE83-A77BD1B29ED2}"/>
+              </a:ext>
+            </a:extLst>
+          </p:cNvPr>
+          <p:cNvSpPr>
+            <a:spLocks noGrp="1"/>
+          </p:cNvSpPr>
+          <p:nvPr>
+            <p:ph type="sldNum" idx="12"/>
+          </p:nvPr>
+        </p:nvSpPr>
+        <p:spPr/>
+        <p:txBody>
+          <a:bodyPr/>
+          <a:lstStyle/>
+          <a:p>
+            <a:pPr marL="0" lvl="0" indent="0" algn="r" rtl="0">
+              <a:spcBef>
+                <a:spcPts val="0"/>
+              </a:spcBef>
+              <a:spcAft>
+                <a:spcPts val="0"/>
+              </a:spcAft>
+              <a:buNone/>
+            </a:pPr>
+            <a:fld id="{00000000-1234-1234-1234-123412341234}" type="slidenum">
+              <a:rPr lang="en" smtClean="0"/>
+              <a:t>36</a:t>
+            </a:fld>
+            <a:endParaRPr lang="en"/>
+          </a:p>
+        </p:txBody>
+      </p:sp>
+      <p:sp>
+        <p:nvSpPr>
+          <p:cNvPr id="5" name="Google Shape;224;p14">
+            <a:extLst>
+              <a:ext uri="{FF2B5EF4-FFF2-40B4-BE49-F238E27FC236}">
+                <a16:creationId xmlns:a16="http://schemas.microsoft.com/office/drawing/2014/main" id="{5FDF6675-7522-494F-BFC9-DCE4FBB03259}"/>
+              </a:ext>
+            </a:extLst>
+          </p:cNvPr>
+          <p:cNvSpPr txBox="1"/>
+          <p:nvPr/>
+        </p:nvSpPr>
+        <p:spPr>
+          <a:xfrm>
+            <a:off x="463525" y="0"/>
+            <a:ext cx="2181600" cy="3136200"/>
+          </a:xfrm>
+          <a:prstGeom prst="rect">
+            <a:avLst/>
+          </a:prstGeom>
+          <a:noFill/>
+          <a:ln>
+            <a:noFill/>
+          </a:ln>
+        </p:spPr>
+        <p:txBody>
+          <a:bodyPr spcFirstLastPara="1" wrap="square" lIns="91425" tIns="91425" rIns="91425" bIns="91425" anchor="b" anchorCtr="0">
+            <a:noAutofit/>
+          </a:bodyPr>
+          <a:lstStyle/>
+          <a:p>
+            <a:pPr marL="0" lvl="0" indent="0" algn="l" rtl="0">
+              <a:spcBef>
+                <a:spcPts val="0"/>
+              </a:spcBef>
+              <a:spcAft>
+                <a:spcPts val="0"/>
+              </a:spcAft>
+              <a:buNone/>
+            </a:pPr>
+            <a:r>
+              <a:rPr lang="en" sz="12000" b="1" dirty="0">
+                <a:solidFill>
+                  <a:srgbClr val="3F5378"/>
+                </a:solidFill>
+                <a:latin typeface="Roboto Condensed"/>
+                <a:ea typeface="Roboto Condensed"/>
+                <a:cs typeface="Roboto Condensed"/>
+                <a:sym typeface="Roboto Condensed"/>
+              </a:rPr>
+              <a:t>5</a:t>
+            </a:r>
+            <a:endParaRPr sz="3000" b="1" dirty="0">
+              <a:solidFill>
+                <a:srgbClr val="3F5378"/>
+              </a:solidFill>
+              <a:latin typeface="Roboto Condensed"/>
+              <a:ea typeface="Roboto Condensed"/>
+              <a:cs typeface="Roboto Condensed"/>
+              <a:sym typeface="Roboto Condensed"/>
+            </a:endParaRPr>
+          </a:p>
+        </p:txBody>
+      </p:sp>
+    </p:spTree>
+    <p:extLst>
+      <p:ext uri="{BB962C8B-B14F-4D97-AF65-F5344CB8AC3E}">
+        <p14:creationId xmlns:p14="http://schemas.microsoft.com/office/powerpoint/2010/main" val="1424991413"/>
+      </p:ext>
+    </p:extLst>
+  </p:cSld>
+  <p:clrMapOvr>
+    <a:masterClrMapping/>
+  </p:clrMapOvr>
+</p:sld>
+</file>
+
 <file path=ppt/slides/slide37.xml><?xml version="1.0" encoding="utf-8"?>
 <p:sld xmlns:a="http://schemas.openxmlformats.org/drawingml/2006/main" xmlns:r="http://schemas.openxmlformats.org/officeDocument/2006/relationships" xmlns:p="http://schemas.openxmlformats.org/presentationml/2006/main">
   <p:cSld>
@@ -13553,72 +13603,10 @@
       </p:grpSpPr>
       <p:sp>
         <p:nvSpPr>
-          <p:cNvPr id="2" name="Title 1">
-            <a:extLst>
-              <a:ext uri="{FF2B5EF4-FFF2-40B4-BE49-F238E27FC236}">
-                <a16:creationId xmlns:a16="http://schemas.microsoft.com/office/drawing/2014/main" id="{E1C4B97A-B25F-41FC-AB69-42B4BFB8A996}"/>
-              </a:ext>
-            </a:extLst>
-          </p:cNvPr>
-          <p:cNvSpPr>
-            <a:spLocks noGrp="1"/>
-          </p:cNvSpPr>
-          <p:nvPr>
-            <p:ph type="ctrTitle"/>
-          </p:nvPr>
-        </p:nvSpPr>
-        <p:spPr/>
-        <p:txBody>
-          <a:bodyPr/>
-          <a:lstStyle/>
-          <a:p>
-            <a:r>
-              <a:rPr lang="en-US" dirty="0"/>
-              <a:t>Day 07</a:t>
-            </a:r>
-            <a:endParaRPr lang="en-ID" dirty="0"/>
-          </a:p>
-        </p:txBody>
-      </p:sp>
-      <p:sp>
-        <p:nvSpPr>
-          <p:cNvPr id="3" name="Subtitle 2">
-            <a:extLst>
-              <a:ext uri="{FF2B5EF4-FFF2-40B4-BE49-F238E27FC236}">
-                <a16:creationId xmlns:a16="http://schemas.microsoft.com/office/drawing/2014/main" id="{B2DE4C9C-75AD-4D02-B515-6766EA1A235B}"/>
-              </a:ext>
-            </a:extLst>
-          </p:cNvPr>
-          <p:cNvSpPr>
-            <a:spLocks noGrp="1"/>
-          </p:cNvSpPr>
-          <p:nvPr>
-            <p:ph type="subTitle" idx="1"/>
-          </p:nvPr>
-        </p:nvSpPr>
-        <p:spPr/>
-        <p:txBody>
-          <a:bodyPr/>
-          <a:lstStyle/>
-          <a:p>
-            <a:r>
-              <a:rPr lang="en-US" dirty="0" err="1"/>
-              <a:t>Abtraction</a:t>
-            </a:r>
-            <a:r>
-              <a:rPr lang="en-US" dirty="0"/>
-              <a:t> vs Interface</a:t>
-            </a:r>
-            <a:endParaRPr lang="en-ID" dirty="0"/>
-          </a:p>
-        </p:txBody>
-      </p:sp>
-      <p:sp>
-        <p:nvSpPr>
           <p:cNvPr id="4" name="Slide Number Placeholder 3">
             <a:extLst>
               <a:ext uri="{FF2B5EF4-FFF2-40B4-BE49-F238E27FC236}">
-                <a16:creationId xmlns:a16="http://schemas.microsoft.com/office/drawing/2014/main" id="{916DB1F4-E56E-40F8-BE83-A77BD1B29ED2}"/>
+                <a16:creationId xmlns:a16="http://schemas.microsoft.com/office/drawing/2014/main" id="{8F7BD1D5-F207-46F6-A9E2-A062239387C2}"/>
               </a:ext>
             </a:extLst>
           </p:cNvPr>
@@ -13646,138 +13634,6 @@
             <a:fld id="{00000000-1234-1234-1234-123412341234}" type="slidenum">
               <a:rPr lang="en" smtClean="0"/>
               <a:t>37</a:t>
-            </a:fld>
-            <a:endParaRPr lang="en"/>
-          </a:p>
-        </p:txBody>
-      </p:sp>
-      <p:sp>
-        <p:nvSpPr>
-          <p:cNvPr id="5" name="Google Shape;224;p14">
-            <a:extLst>
-              <a:ext uri="{FF2B5EF4-FFF2-40B4-BE49-F238E27FC236}">
-                <a16:creationId xmlns:a16="http://schemas.microsoft.com/office/drawing/2014/main" id="{5FDF6675-7522-494F-BFC9-DCE4FBB03259}"/>
-              </a:ext>
-            </a:extLst>
-          </p:cNvPr>
-          <p:cNvSpPr txBox="1"/>
-          <p:nvPr/>
-        </p:nvSpPr>
-        <p:spPr>
-          <a:xfrm>
-            <a:off x="463525" y="0"/>
-            <a:ext cx="2181600" cy="3136200"/>
-          </a:xfrm>
-          <a:prstGeom prst="rect">
-            <a:avLst/>
-          </a:prstGeom>
-          <a:noFill/>
-          <a:ln>
-            <a:noFill/>
-          </a:ln>
-        </p:spPr>
-        <p:txBody>
-          <a:bodyPr spcFirstLastPara="1" wrap="square" lIns="91425" tIns="91425" rIns="91425" bIns="91425" anchor="b" anchorCtr="0">
-            <a:noAutofit/>
-          </a:bodyPr>
-          <a:lstStyle/>
-          <a:p>
-            <a:pPr marL="0" lvl="0" indent="0" algn="l" rtl="0">
-              <a:spcBef>
-                <a:spcPts val="0"/>
-              </a:spcBef>
-              <a:spcAft>
-                <a:spcPts val="0"/>
-              </a:spcAft>
-              <a:buNone/>
-            </a:pPr>
-            <a:r>
-              <a:rPr lang="en" sz="12000" b="1" dirty="0">
-                <a:solidFill>
-                  <a:srgbClr val="3F5378"/>
-                </a:solidFill>
-                <a:latin typeface="Roboto Condensed"/>
-                <a:ea typeface="Roboto Condensed"/>
-                <a:cs typeface="Roboto Condensed"/>
-                <a:sym typeface="Roboto Condensed"/>
-              </a:rPr>
-              <a:t>5</a:t>
-            </a:r>
-            <a:endParaRPr sz="3000" b="1" dirty="0">
-              <a:solidFill>
-                <a:srgbClr val="3F5378"/>
-              </a:solidFill>
-              <a:latin typeface="Roboto Condensed"/>
-              <a:ea typeface="Roboto Condensed"/>
-              <a:cs typeface="Roboto Condensed"/>
-              <a:sym typeface="Roboto Condensed"/>
-            </a:endParaRPr>
-          </a:p>
-        </p:txBody>
-      </p:sp>
-    </p:spTree>
-    <p:extLst>
-      <p:ext uri="{BB962C8B-B14F-4D97-AF65-F5344CB8AC3E}">
-        <p14:creationId xmlns:p14="http://schemas.microsoft.com/office/powerpoint/2010/main" val="1424991413"/>
-      </p:ext>
-    </p:extLst>
-  </p:cSld>
-  <p:clrMapOvr>
-    <a:masterClrMapping/>
-  </p:clrMapOvr>
-</p:sld>
-</file>
-
-<file path=ppt/slides/slide38.xml><?xml version="1.0" encoding="utf-8"?>
-<p:sld xmlns:a="http://schemas.openxmlformats.org/drawingml/2006/main" xmlns:r="http://schemas.openxmlformats.org/officeDocument/2006/relationships" xmlns:p="http://schemas.openxmlformats.org/presentationml/2006/main">
-  <p:cSld>
-    <p:spTree>
-      <p:nvGrpSpPr>
-        <p:cNvPr id="1" name=""/>
-        <p:cNvGrpSpPr/>
-        <p:nvPr/>
-      </p:nvGrpSpPr>
-      <p:grpSpPr>
-        <a:xfrm>
-          <a:off x="0" y="0"/>
-          <a:ext cx="0" cy="0"/>
-          <a:chOff x="0" y="0"/>
-          <a:chExt cx="0" cy="0"/>
-        </a:xfrm>
-      </p:grpSpPr>
-      <p:sp>
-        <p:nvSpPr>
-          <p:cNvPr id="4" name="Slide Number Placeholder 3">
-            <a:extLst>
-              <a:ext uri="{FF2B5EF4-FFF2-40B4-BE49-F238E27FC236}">
-                <a16:creationId xmlns:a16="http://schemas.microsoft.com/office/drawing/2014/main" id="{8F7BD1D5-F207-46F6-A9E2-A062239387C2}"/>
-              </a:ext>
-            </a:extLst>
-          </p:cNvPr>
-          <p:cNvSpPr>
-            <a:spLocks noGrp="1"/>
-          </p:cNvSpPr>
-          <p:nvPr>
-            <p:ph type="sldNum" idx="12"/>
-          </p:nvPr>
-        </p:nvSpPr>
-        <p:spPr/>
-        <p:txBody>
-          <a:bodyPr/>
-          <a:lstStyle/>
-          <a:p>
-            <a:pPr marL="0" lvl="0" indent="0" algn="r" rtl="0">
-              <a:spcBef>
-                <a:spcPts val="0"/>
-              </a:spcBef>
-              <a:spcAft>
-                <a:spcPts val="0"/>
-              </a:spcAft>
-              <a:buNone/>
-            </a:pPr>
-            <a:fld id="{00000000-1234-1234-1234-123412341234}" type="slidenum">
-              <a:rPr lang="en" smtClean="0"/>
-              <a:t>38</a:t>
             </a:fld>
             <a:endParaRPr lang="en"/>
           </a:p>
@@ -13826,7 +13682,7 @@
 </p:sld>
 </file>
 
-<file path=ppt/slides/slide39.xml><?xml version="1.0" encoding="utf-8"?>
+<file path=ppt/slides/slide38.xml><?xml version="1.0" encoding="utf-8"?>
 <p:sld xmlns:a="http://schemas.openxmlformats.org/drawingml/2006/main" xmlns:r="http://schemas.openxmlformats.org/officeDocument/2006/relationships" xmlns:p="http://schemas.openxmlformats.org/presentationml/2006/main">
   <p:cSld>
     <p:spTree>
@@ -13875,7 +13731,7 @@
             </a:pPr>
             <a:fld id="{00000000-1234-1234-1234-123412341234}" type="slidenum">
               <a:rPr lang="en" smtClean="0"/>
-              <a:t>39</a:t>
+              <a:t>38</a:t>
             </a:fld>
             <a:endParaRPr lang="en"/>
           </a:p>
@@ -13924,6 +13780,196 @@
 </p:sld>
 </file>
 
+<file path=ppt/slides/slide39.xml><?xml version="1.0" encoding="utf-8"?>
+<p:sld xmlns:a="http://schemas.openxmlformats.org/drawingml/2006/main" xmlns:r="http://schemas.openxmlformats.org/officeDocument/2006/relationships" xmlns:p="http://schemas.openxmlformats.org/presentationml/2006/main">
+  <p:cSld>
+    <p:spTree>
+      <p:nvGrpSpPr>
+        <p:cNvPr id="1" name=""/>
+        <p:cNvGrpSpPr/>
+        <p:nvPr/>
+      </p:nvGrpSpPr>
+      <p:grpSpPr>
+        <a:xfrm>
+          <a:off x="0" y="0"/>
+          <a:ext cx="0" cy="0"/>
+          <a:chOff x="0" y="0"/>
+          <a:chExt cx="0" cy="0"/>
+        </a:xfrm>
+      </p:grpSpPr>
+      <p:sp>
+        <p:nvSpPr>
+          <p:cNvPr id="2" name="Title 1">
+            <a:extLst>
+              <a:ext uri="{FF2B5EF4-FFF2-40B4-BE49-F238E27FC236}">
+                <a16:creationId xmlns:a16="http://schemas.microsoft.com/office/drawing/2014/main" id="{E1C4B97A-B25F-41FC-AB69-42B4BFB8A996}"/>
+              </a:ext>
+            </a:extLst>
+          </p:cNvPr>
+          <p:cNvSpPr>
+            <a:spLocks noGrp="1"/>
+          </p:cNvSpPr>
+          <p:nvPr>
+            <p:ph type="ctrTitle"/>
+          </p:nvPr>
+        </p:nvSpPr>
+        <p:spPr/>
+        <p:txBody>
+          <a:bodyPr/>
+          <a:lstStyle/>
+          <a:p>
+            <a:r>
+              <a:rPr lang="en-US" dirty="0"/>
+              <a:t>Day 07</a:t>
+            </a:r>
+            <a:endParaRPr lang="en-ID" dirty="0"/>
+          </a:p>
+        </p:txBody>
+      </p:sp>
+      <p:sp>
+        <p:nvSpPr>
+          <p:cNvPr id="3" name="Subtitle 2">
+            <a:extLst>
+              <a:ext uri="{FF2B5EF4-FFF2-40B4-BE49-F238E27FC236}">
+                <a16:creationId xmlns:a16="http://schemas.microsoft.com/office/drawing/2014/main" id="{B2DE4C9C-75AD-4D02-B515-6766EA1A235B}"/>
+              </a:ext>
+            </a:extLst>
+          </p:cNvPr>
+          <p:cNvSpPr>
+            <a:spLocks noGrp="1"/>
+          </p:cNvSpPr>
+          <p:nvPr>
+            <p:ph type="subTitle" idx="1"/>
+          </p:nvPr>
+        </p:nvSpPr>
+        <p:spPr/>
+        <p:txBody>
+          <a:bodyPr/>
+          <a:lstStyle/>
+          <a:p>
+            <a:r>
+              <a:rPr lang="en-US" dirty="0"/>
+              <a:t>Package</a:t>
+            </a:r>
+            <a:endParaRPr lang="en-ID" dirty="0"/>
+          </a:p>
+        </p:txBody>
+      </p:sp>
+      <p:sp>
+        <p:nvSpPr>
+          <p:cNvPr id="4" name="Slide Number Placeholder 3">
+            <a:extLst>
+              <a:ext uri="{FF2B5EF4-FFF2-40B4-BE49-F238E27FC236}">
+                <a16:creationId xmlns:a16="http://schemas.microsoft.com/office/drawing/2014/main" id="{916DB1F4-E56E-40F8-BE83-A77BD1B29ED2}"/>
+              </a:ext>
+            </a:extLst>
+          </p:cNvPr>
+          <p:cNvSpPr>
+            <a:spLocks noGrp="1"/>
+          </p:cNvSpPr>
+          <p:nvPr>
+            <p:ph type="sldNum" idx="12"/>
+          </p:nvPr>
+        </p:nvSpPr>
+        <p:spPr/>
+        <p:txBody>
+          <a:bodyPr/>
+          <a:lstStyle/>
+          <a:p>
+            <a:pPr marL="0" lvl="0" indent="0" algn="r" rtl="0">
+              <a:spcBef>
+                <a:spcPts val="0"/>
+              </a:spcBef>
+              <a:spcAft>
+                <a:spcPts val="0"/>
+              </a:spcAft>
+              <a:buNone/>
+            </a:pPr>
+            <a:fld id="{00000000-1234-1234-1234-123412341234}" type="slidenum">
+              <a:rPr lang="en" smtClean="0"/>
+              <a:t>39</a:t>
+            </a:fld>
+            <a:endParaRPr lang="en"/>
+          </a:p>
+        </p:txBody>
+      </p:sp>
+      <p:sp>
+        <p:nvSpPr>
+          <p:cNvPr id="5" name="Google Shape;224;p14">
+            <a:extLst>
+              <a:ext uri="{FF2B5EF4-FFF2-40B4-BE49-F238E27FC236}">
+                <a16:creationId xmlns:a16="http://schemas.microsoft.com/office/drawing/2014/main" id="{5FDF6675-7522-494F-BFC9-DCE4FBB03259}"/>
+              </a:ext>
+            </a:extLst>
+          </p:cNvPr>
+          <p:cNvSpPr txBox="1"/>
+          <p:nvPr/>
+        </p:nvSpPr>
+        <p:spPr>
+          <a:xfrm>
+            <a:off x="463525" y="0"/>
+            <a:ext cx="2181600" cy="3136200"/>
+          </a:xfrm>
+          <a:prstGeom prst="rect">
+            <a:avLst/>
+          </a:prstGeom>
+          <a:noFill/>
+          <a:ln>
+            <a:noFill/>
+          </a:ln>
+        </p:spPr>
+        <p:txBody>
+          <a:bodyPr spcFirstLastPara="1" wrap="square" lIns="91425" tIns="91425" rIns="91425" bIns="91425" anchor="b" anchorCtr="0">
+            <a:noAutofit/>
+          </a:bodyPr>
+          <a:lstStyle/>
+          <a:p>
+            <a:pPr marL="0" lvl="0" indent="0" algn="l" rtl="0">
+              <a:spcBef>
+                <a:spcPts val="0"/>
+              </a:spcBef>
+              <a:spcAft>
+                <a:spcPts val="0"/>
+              </a:spcAft>
+              <a:buNone/>
+            </a:pPr>
+            <a:r>
+              <a:rPr lang="en" sz="12000" b="1" dirty="0">
+                <a:solidFill>
+                  <a:srgbClr val="3F5378"/>
+                </a:solidFill>
+                <a:latin typeface="Roboto Condensed"/>
+                <a:ea typeface="Roboto Condensed"/>
+                <a:cs typeface="Roboto Condensed"/>
+                <a:sym typeface="Roboto Condensed"/>
+              </a:rPr>
+              <a:t>6</a:t>
+            </a:r>
+            <a:endParaRPr sz="3000" b="1" dirty="0">
+              <a:solidFill>
+                <a:srgbClr val="3F5378"/>
+              </a:solidFill>
+              <a:latin typeface="Roboto Condensed"/>
+              <a:ea typeface="Roboto Condensed"/>
+              <a:cs typeface="Roboto Condensed"/>
+              <a:sym typeface="Roboto Condensed"/>
+            </a:endParaRPr>
+          </a:p>
+        </p:txBody>
+      </p:sp>
+    </p:spTree>
+    <p:extLst>
+      <p:ext uri="{BB962C8B-B14F-4D97-AF65-F5344CB8AC3E}">
+        <p14:creationId xmlns:p14="http://schemas.microsoft.com/office/powerpoint/2010/main" val="1537142925"/>
+      </p:ext>
+    </p:extLst>
+  </p:cSld>
+  <p:clrMapOvr>
+    <a:masterClrMapping/>
+  </p:clrMapOvr>
+</p:sld>
+</file>
+
 <file path=ppt/slides/slide4.xml><?xml version="1.0" encoding="utf-8"?>
 <p:sld xmlns:a="http://schemas.openxmlformats.org/drawingml/2006/main" xmlns:r="http://schemas.openxmlformats.org/officeDocument/2006/relationships" xmlns:p="http://schemas.openxmlformats.org/presentationml/2006/main">
   <p:cSld>
@@ -14133,10 +14179,10 @@
       </p:grpSpPr>
       <p:sp>
         <p:nvSpPr>
-          <p:cNvPr id="2" name="Title 1">
-            <a:extLst>
-              <a:ext uri="{FF2B5EF4-FFF2-40B4-BE49-F238E27FC236}">
-                <a16:creationId xmlns:a16="http://schemas.microsoft.com/office/drawing/2014/main" id="{E1C4B97A-B25F-41FC-AB69-42B4BFB8A996}"/>
+          <p:cNvPr id="5" name="Title 4">
+            <a:extLst>
+              <a:ext uri="{FF2B5EF4-FFF2-40B4-BE49-F238E27FC236}">
+                <a16:creationId xmlns:a16="http://schemas.microsoft.com/office/drawing/2014/main" id="{5C7ED381-C120-4D24-A8FB-F7FCD0980226}"/>
               </a:ext>
             </a:extLst>
           </p:cNvPr>
@@ -14144,7 +14190,7 @@
             <a:spLocks noGrp="1"/>
           </p:cNvSpPr>
           <p:nvPr>
-            <p:ph type="ctrTitle"/>
+            <p:ph type="title"/>
           </p:nvPr>
         </p:nvSpPr>
         <p:spPr/>
@@ -14154,7 +14200,7 @@
           <a:p>
             <a:r>
               <a:rPr lang="en-US" dirty="0"/>
-              <a:t>Day 07</a:t>
+              <a:t>java package</a:t>
             </a:r>
             <a:endParaRPr lang="en-ID" dirty="0"/>
           </a:p>
@@ -14162,10 +14208,10 @@
       </p:sp>
       <p:sp>
         <p:nvSpPr>
-          <p:cNvPr id="3" name="Subtitle 2">
-            <a:extLst>
-              <a:ext uri="{FF2B5EF4-FFF2-40B4-BE49-F238E27FC236}">
-                <a16:creationId xmlns:a16="http://schemas.microsoft.com/office/drawing/2014/main" id="{B2DE4C9C-75AD-4D02-B515-6766EA1A235B}"/>
+          <p:cNvPr id="6" name="Text Placeholder 5">
+            <a:extLst>
+              <a:ext uri="{FF2B5EF4-FFF2-40B4-BE49-F238E27FC236}">
+                <a16:creationId xmlns:a16="http://schemas.microsoft.com/office/drawing/2014/main" id="{9E7444E4-648E-43E8-B21F-9BA491756B45}"/>
               </a:ext>
             </a:extLst>
           </p:cNvPr>
@@ -14173,7 +14219,7 @@
             <a:spLocks noGrp="1"/>
           </p:cNvSpPr>
           <p:nvPr>
-            <p:ph type="subTitle" idx="1"/>
+            <p:ph type="body" idx="1"/>
           </p:nvPr>
         </p:nvSpPr>
         <p:spPr/>
@@ -14183,8 +14229,133 @@
           <a:p>
             <a:r>
               <a:rPr lang="en-US" dirty="0"/>
-              <a:t>Package</a:t>
-            </a:r>
+              <a:t>A </a:t>
+            </a:r>
+            <a:r>
+              <a:rPr lang="en-US" b="1" dirty="0"/>
+              <a:t>java package</a:t>
+            </a:r>
+            <a:r>
+              <a:rPr lang="en-US" dirty="0"/>
+              <a:t> is a group of similar types of classes, interfaces and sub-packages.</a:t>
+            </a:r>
+          </a:p>
+          <a:p>
+            <a:r>
+              <a:rPr lang="en-US" dirty="0"/>
+              <a:t>Package in java can be categorized in two form, built-in package and user-defined package.</a:t>
+            </a:r>
+          </a:p>
+          <a:p>
+            <a:r>
+              <a:rPr lang="en-US" dirty="0"/>
+              <a:t>There are many built-in packages such as java, </a:t>
+            </a:r>
+            <a:r>
+              <a:rPr lang="en-US" dirty="0" err="1"/>
+              <a:t>lang</a:t>
+            </a:r>
+            <a:r>
+              <a:rPr lang="en-US" dirty="0"/>
+              <a:t>, </a:t>
+            </a:r>
+            <a:r>
+              <a:rPr lang="en-US" dirty="0" err="1"/>
+              <a:t>awt</a:t>
+            </a:r>
+            <a:r>
+              <a:rPr lang="en-US" dirty="0"/>
+              <a:t>, </a:t>
+            </a:r>
+            <a:r>
+              <a:rPr lang="en-US" dirty="0" err="1"/>
+              <a:t>javax</a:t>
+            </a:r>
+            <a:r>
+              <a:rPr lang="en-US" dirty="0"/>
+              <a:t>, swing, net, </a:t>
+            </a:r>
+            <a:r>
+              <a:rPr lang="en-US" dirty="0" err="1"/>
+              <a:t>io</a:t>
+            </a:r>
+            <a:r>
+              <a:rPr lang="en-US" dirty="0"/>
+              <a:t>, </a:t>
+            </a:r>
+            <a:r>
+              <a:rPr lang="en-US" dirty="0" err="1"/>
+              <a:t>util</a:t>
+            </a:r>
+            <a:r>
+              <a:rPr lang="en-US" dirty="0"/>
+              <a:t>, </a:t>
+            </a:r>
+            <a:r>
+              <a:rPr lang="en-US" dirty="0" err="1"/>
+              <a:t>sql</a:t>
+            </a:r>
+            <a:r>
+              <a:rPr lang="en-US" dirty="0"/>
+              <a:t> etc.</a:t>
+            </a:r>
+          </a:p>
+          <a:p>
+            <a:r>
+              <a:rPr lang="en-US" dirty="0"/>
+              <a:t>Here, we will have the detailed learning of creating and using user-defined packages.</a:t>
+            </a:r>
+          </a:p>
+        </p:txBody>
+      </p:sp>
+      <p:sp>
+        <p:nvSpPr>
+          <p:cNvPr id="7" name="Text Placeholder 6">
+            <a:extLst>
+              <a:ext uri="{FF2B5EF4-FFF2-40B4-BE49-F238E27FC236}">
+                <a16:creationId xmlns:a16="http://schemas.microsoft.com/office/drawing/2014/main" id="{91C6A6D8-7446-4148-B6AE-B368D4193B8E}"/>
+              </a:ext>
+            </a:extLst>
+          </p:cNvPr>
+          <p:cNvSpPr>
+            <a:spLocks noGrp="1"/>
+          </p:cNvSpPr>
+          <p:nvPr>
+            <p:ph type="body" idx="2"/>
+          </p:nvPr>
+        </p:nvSpPr>
+        <p:spPr/>
+        <p:txBody>
+          <a:bodyPr/>
+          <a:lstStyle/>
+          <a:p>
+            <a:pPr marL="101600" indent="0">
+              <a:buNone/>
+            </a:pPr>
+            <a:r>
+              <a:rPr lang="en-US" b="1" i="1" dirty="0"/>
+              <a:t>Advantage of Java Package</a:t>
+            </a:r>
+          </a:p>
+          <a:p>
+            <a:r>
+              <a:rPr lang="en-US" dirty="0"/>
+              <a:t>1) Java package is used to categorize the classes and interfaces so that they can be easily maintained.</a:t>
+            </a:r>
+          </a:p>
+          <a:p>
+            <a:r>
+              <a:rPr lang="en-US" dirty="0"/>
+              <a:t>2) Java package provides access protection.</a:t>
+            </a:r>
+          </a:p>
+          <a:p>
+            <a:r>
+              <a:rPr lang="en-US" dirty="0"/>
+              <a:t>3) Java package removes naming collision.</a:t>
+            </a:r>
+          </a:p>
+          <a:p>
             <a:endParaRPr lang="en-ID" dirty="0"/>
           </a:p>
         </p:txBody>
@@ -14194,7 +14365,7 @@
           <p:cNvPr id="4" name="Slide Number Placeholder 3">
             <a:extLst>
               <a:ext uri="{FF2B5EF4-FFF2-40B4-BE49-F238E27FC236}">
-                <a16:creationId xmlns:a16="http://schemas.microsoft.com/office/drawing/2014/main" id="{916DB1F4-E56E-40F8-BE83-A77BD1B29ED2}"/>
+                <a16:creationId xmlns:a16="http://schemas.microsoft.com/office/drawing/2014/main" id="{4BD26220-D5A7-4673-BA6F-A6F9D4DC5CB9}"/>
               </a:ext>
             </a:extLst>
           </p:cNvPr>
@@ -14227,74 +14398,10 @@
           </a:p>
         </p:txBody>
       </p:sp>
-      <p:sp>
-        <p:nvSpPr>
-          <p:cNvPr id="5" name="Google Shape;224;p14">
-            <a:extLst>
-              <a:ext uri="{FF2B5EF4-FFF2-40B4-BE49-F238E27FC236}">
-                <a16:creationId xmlns:a16="http://schemas.microsoft.com/office/drawing/2014/main" id="{5FDF6675-7522-494F-BFC9-DCE4FBB03259}"/>
-              </a:ext>
-            </a:extLst>
-          </p:cNvPr>
-          <p:cNvSpPr txBox="1"/>
-          <p:nvPr/>
-        </p:nvSpPr>
-        <p:spPr>
-          <a:xfrm>
-            <a:off x="463525" y="0"/>
-            <a:ext cx="2181600" cy="3136200"/>
-          </a:xfrm>
-          <a:prstGeom prst="rect">
-            <a:avLst/>
-          </a:prstGeom>
-          <a:noFill/>
-          <a:ln>
-            <a:noFill/>
-          </a:ln>
-        </p:spPr>
-        <p:txBody>
-          <a:bodyPr spcFirstLastPara="1" wrap="square" lIns="91425" tIns="91425" rIns="91425" bIns="91425" anchor="b" anchorCtr="0">
-            <a:noAutofit/>
-          </a:bodyPr>
-          <a:lstStyle/>
-          <a:p>
-            <a:pPr marL="0" lvl="0" indent="0" algn="l" rtl="0">
-              <a:spcBef>
-                <a:spcPts val="0"/>
-              </a:spcBef>
-              <a:spcAft>
-                <a:spcPts val="0"/>
-              </a:spcAft>
-              <a:buNone/>
-            </a:pPr>
-            <a:r>
-              <a:rPr lang="en" sz="12000" b="1" dirty="0">
-                <a:solidFill>
-                  <a:srgbClr val="3F5378"/>
-                </a:solidFill>
-                <a:latin typeface="Roboto Condensed"/>
-                <a:ea typeface="Roboto Condensed"/>
-                <a:cs typeface="Roboto Condensed"/>
-                <a:sym typeface="Roboto Condensed"/>
-              </a:rPr>
-              <a:t>6</a:t>
-            </a:r>
-            <a:endParaRPr sz="3000" b="1" dirty="0">
-              <a:solidFill>
-                <a:srgbClr val="3F5378"/>
-              </a:solidFill>
-              <a:latin typeface="Roboto Condensed"/>
-              <a:ea typeface="Roboto Condensed"/>
-              <a:cs typeface="Roboto Condensed"/>
-              <a:sym typeface="Roboto Condensed"/>
-            </a:endParaRPr>
-          </a:p>
-        </p:txBody>
-      </p:sp>
     </p:spTree>
     <p:extLst>
       <p:ext uri="{BB962C8B-B14F-4D97-AF65-F5344CB8AC3E}">
-        <p14:creationId xmlns:p14="http://schemas.microsoft.com/office/powerpoint/2010/main" val="1537142925"/>
+        <p14:creationId xmlns:p14="http://schemas.microsoft.com/office/powerpoint/2010/main" val="1958802390"/>
       </p:ext>
     </p:extLst>
   </p:cSld>
@@ -14323,10 +14430,10 @@
       </p:grpSpPr>
       <p:sp>
         <p:nvSpPr>
-          <p:cNvPr id="5" name="Title 4">
-            <a:extLst>
-              <a:ext uri="{FF2B5EF4-FFF2-40B4-BE49-F238E27FC236}">
-                <a16:creationId xmlns:a16="http://schemas.microsoft.com/office/drawing/2014/main" id="{5C7ED381-C120-4D24-A8FB-F7FCD0980226}"/>
+          <p:cNvPr id="8" name="Title 7">
+            <a:extLst>
+              <a:ext uri="{FF2B5EF4-FFF2-40B4-BE49-F238E27FC236}">
+                <a16:creationId xmlns:a16="http://schemas.microsoft.com/office/drawing/2014/main" id="{1CB90843-E1C8-4CE4-85D4-09FE440F221E}"/>
               </a:ext>
             </a:extLst>
           </p:cNvPr>
@@ -14344,7 +14451,7 @@
           <a:p>
             <a:r>
               <a:rPr lang="en-US" dirty="0"/>
-              <a:t>java package</a:t>
+              <a:t>Package</a:t>
             </a:r>
             <a:endParaRPr lang="en-ID" dirty="0"/>
           </a:p>
@@ -14352,164 +14459,10 @@
       </p:sp>
       <p:sp>
         <p:nvSpPr>
-          <p:cNvPr id="6" name="Text Placeholder 5">
-            <a:extLst>
-              <a:ext uri="{FF2B5EF4-FFF2-40B4-BE49-F238E27FC236}">
-                <a16:creationId xmlns:a16="http://schemas.microsoft.com/office/drawing/2014/main" id="{9E7444E4-648E-43E8-B21F-9BA491756B45}"/>
-              </a:ext>
-            </a:extLst>
-          </p:cNvPr>
-          <p:cNvSpPr>
-            <a:spLocks noGrp="1"/>
-          </p:cNvSpPr>
-          <p:nvPr>
-            <p:ph type="body" idx="1"/>
-          </p:nvPr>
-        </p:nvSpPr>
-        <p:spPr/>
-        <p:txBody>
-          <a:bodyPr/>
-          <a:lstStyle/>
-          <a:p>
-            <a:r>
-              <a:rPr lang="en-US" dirty="0"/>
-              <a:t>A </a:t>
-            </a:r>
-            <a:r>
-              <a:rPr lang="en-US" b="1" dirty="0"/>
-              <a:t>java package</a:t>
-            </a:r>
-            <a:r>
-              <a:rPr lang="en-US" dirty="0"/>
-              <a:t> is a group of similar types of classes, interfaces and sub-packages.</a:t>
-            </a:r>
-          </a:p>
-          <a:p>
-            <a:r>
-              <a:rPr lang="en-US" dirty="0"/>
-              <a:t>Package in java can be categorized in two form, built-in package and user-defined package.</a:t>
-            </a:r>
-          </a:p>
-          <a:p>
-            <a:r>
-              <a:rPr lang="en-US" dirty="0"/>
-              <a:t>There are many built-in packages such as java, </a:t>
-            </a:r>
-            <a:r>
-              <a:rPr lang="en-US" dirty="0" err="1"/>
-              <a:t>lang</a:t>
-            </a:r>
-            <a:r>
-              <a:rPr lang="en-US" dirty="0"/>
-              <a:t>, </a:t>
-            </a:r>
-            <a:r>
-              <a:rPr lang="en-US" dirty="0" err="1"/>
-              <a:t>awt</a:t>
-            </a:r>
-            <a:r>
-              <a:rPr lang="en-US" dirty="0"/>
-              <a:t>, </a:t>
-            </a:r>
-            <a:r>
-              <a:rPr lang="en-US" dirty="0" err="1"/>
-              <a:t>javax</a:t>
-            </a:r>
-            <a:r>
-              <a:rPr lang="en-US" dirty="0"/>
-              <a:t>, swing, net, </a:t>
-            </a:r>
-            <a:r>
-              <a:rPr lang="en-US" dirty="0" err="1"/>
-              <a:t>io</a:t>
-            </a:r>
-            <a:r>
-              <a:rPr lang="en-US" dirty="0"/>
-              <a:t>, </a:t>
-            </a:r>
-            <a:r>
-              <a:rPr lang="en-US" dirty="0" err="1"/>
-              <a:t>util</a:t>
-            </a:r>
-            <a:r>
-              <a:rPr lang="en-US" dirty="0"/>
-              <a:t>, </a:t>
-            </a:r>
-            <a:r>
-              <a:rPr lang="en-US" dirty="0" err="1"/>
-              <a:t>sql</a:t>
-            </a:r>
-            <a:r>
-              <a:rPr lang="en-US" dirty="0"/>
-              <a:t> etc.</a:t>
-            </a:r>
-          </a:p>
-          <a:p>
-            <a:r>
-              <a:rPr lang="en-US" dirty="0"/>
-              <a:t>Here, we will have the detailed learning of creating and using user-defined packages.</a:t>
-            </a:r>
-          </a:p>
-        </p:txBody>
-      </p:sp>
-      <p:sp>
-        <p:nvSpPr>
-          <p:cNvPr id="7" name="Text Placeholder 6">
-            <a:extLst>
-              <a:ext uri="{FF2B5EF4-FFF2-40B4-BE49-F238E27FC236}">
-                <a16:creationId xmlns:a16="http://schemas.microsoft.com/office/drawing/2014/main" id="{91C6A6D8-7446-4148-B6AE-B368D4193B8E}"/>
-              </a:ext>
-            </a:extLst>
-          </p:cNvPr>
-          <p:cNvSpPr>
-            <a:spLocks noGrp="1"/>
-          </p:cNvSpPr>
-          <p:nvPr>
-            <p:ph type="body" idx="2"/>
-          </p:nvPr>
-        </p:nvSpPr>
-        <p:spPr/>
-        <p:txBody>
-          <a:bodyPr/>
-          <a:lstStyle/>
-          <a:p>
-            <a:pPr marL="101600" indent="0">
-              <a:buNone/>
-            </a:pPr>
-            <a:r>
-              <a:rPr lang="en-US" b="1" i="1" dirty="0"/>
-              <a:t>Advantage of Java Package</a:t>
-            </a:r>
-          </a:p>
-          <a:p>
-            <a:r>
-              <a:rPr lang="en-US" dirty="0"/>
-              <a:t>1) Java package is used to categorize the classes and interfaces so that they can be easily maintained.</a:t>
-            </a:r>
-          </a:p>
-          <a:p>
-            <a:r>
-              <a:rPr lang="en-US" dirty="0"/>
-              <a:t>2) Java package provides access protection.</a:t>
-            </a:r>
-          </a:p>
-          <a:p>
-            <a:r>
-              <a:rPr lang="en-US" dirty="0"/>
-              <a:t>3) Java package removes naming collision.</a:t>
-            </a:r>
-          </a:p>
-          <a:p>
-            <a:endParaRPr lang="en-ID" dirty="0"/>
-          </a:p>
-        </p:txBody>
-      </p:sp>
-      <p:sp>
-        <p:nvSpPr>
-          <p:cNvPr id="4" name="Slide Number Placeholder 3">
-            <a:extLst>
-              <a:ext uri="{FF2B5EF4-FFF2-40B4-BE49-F238E27FC236}">
-                <a16:creationId xmlns:a16="http://schemas.microsoft.com/office/drawing/2014/main" id="{4BD26220-D5A7-4673-BA6F-A6F9D4DC5CB9}"/>
+          <p:cNvPr id="5" name="Slide Number Placeholder 4">
+            <a:extLst>
+              <a:ext uri="{FF2B5EF4-FFF2-40B4-BE49-F238E27FC236}">
+                <a16:creationId xmlns:a16="http://schemas.microsoft.com/office/drawing/2014/main" id="{049FA1CE-136F-4AEC-8C60-9350DE7B8282}"/>
               </a:ext>
             </a:extLst>
           </p:cNvPr>
@@ -14537,103 +14490,6 @@
             <a:fld id="{00000000-1234-1234-1234-123412341234}" type="slidenum">
               <a:rPr lang="en" smtClean="0"/>
               <a:t>41</a:t>
-            </a:fld>
-            <a:endParaRPr lang="en"/>
-          </a:p>
-        </p:txBody>
-      </p:sp>
-    </p:spTree>
-    <p:extLst>
-      <p:ext uri="{BB962C8B-B14F-4D97-AF65-F5344CB8AC3E}">
-        <p14:creationId xmlns:p14="http://schemas.microsoft.com/office/powerpoint/2010/main" val="1958802390"/>
-      </p:ext>
-    </p:extLst>
-  </p:cSld>
-  <p:clrMapOvr>
-    <a:masterClrMapping/>
-  </p:clrMapOvr>
-</p:sld>
-</file>
-
-<file path=ppt/slides/slide42.xml><?xml version="1.0" encoding="utf-8"?>
-<p:sld xmlns:a="http://schemas.openxmlformats.org/drawingml/2006/main" xmlns:r="http://schemas.openxmlformats.org/officeDocument/2006/relationships" xmlns:p="http://schemas.openxmlformats.org/presentationml/2006/main">
-  <p:cSld>
-    <p:spTree>
-      <p:nvGrpSpPr>
-        <p:cNvPr id="1" name=""/>
-        <p:cNvGrpSpPr/>
-        <p:nvPr/>
-      </p:nvGrpSpPr>
-      <p:grpSpPr>
-        <a:xfrm>
-          <a:off x="0" y="0"/>
-          <a:ext cx="0" cy="0"/>
-          <a:chOff x="0" y="0"/>
-          <a:chExt cx="0" cy="0"/>
-        </a:xfrm>
-      </p:grpSpPr>
-      <p:sp>
-        <p:nvSpPr>
-          <p:cNvPr id="8" name="Title 7">
-            <a:extLst>
-              <a:ext uri="{FF2B5EF4-FFF2-40B4-BE49-F238E27FC236}">
-                <a16:creationId xmlns:a16="http://schemas.microsoft.com/office/drawing/2014/main" id="{1CB90843-E1C8-4CE4-85D4-09FE440F221E}"/>
-              </a:ext>
-            </a:extLst>
-          </p:cNvPr>
-          <p:cNvSpPr>
-            <a:spLocks noGrp="1"/>
-          </p:cNvSpPr>
-          <p:nvPr>
-            <p:ph type="title"/>
-          </p:nvPr>
-        </p:nvSpPr>
-        <p:spPr/>
-        <p:txBody>
-          <a:bodyPr/>
-          <a:lstStyle/>
-          <a:p>
-            <a:r>
-              <a:rPr lang="en-US" dirty="0"/>
-              <a:t>Package</a:t>
-            </a:r>
-            <a:endParaRPr lang="en-ID" dirty="0"/>
-          </a:p>
-        </p:txBody>
-      </p:sp>
-      <p:sp>
-        <p:nvSpPr>
-          <p:cNvPr id="5" name="Slide Number Placeholder 4">
-            <a:extLst>
-              <a:ext uri="{FF2B5EF4-FFF2-40B4-BE49-F238E27FC236}">
-                <a16:creationId xmlns:a16="http://schemas.microsoft.com/office/drawing/2014/main" id="{049FA1CE-136F-4AEC-8C60-9350DE7B8282}"/>
-              </a:ext>
-            </a:extLst>
-          </p:cNvPr>
-          <p:cNvSpPr>
-            <a:spLocks noGrp="1"/>
-          </p:cNvSpPr>
-          <p:nvPr>
-            <p:ph type="sldNum" idx="12"/>
-          </p:nvPr>
-        </p:nvSpPr>
-        <p:spPr/>
-        <p:txBody>
-          <a:bodyPr/>
-          <a:lstStyle/>
-          <a:p>
-            <a:pPr marL="0" lvl="0" indent="0" algn="r" rtl="0">
-              <a:spcBef>
-                <a:spcPts val="0"/>
-              </a:spcBef>
-              <a:spcAft>
-                <a:spcPts val="0"/>
-              </a:spcAft>
-              <a:buNone/>
-            </a:pPr>
-            <a:fld id="{00000000-1234-1234-1234-123412341234}" type="slidenum">
-              <a:rPr lang="en" smtClean="0"/>
-              <a:t>42</a:t>
             </a:fld>
             <a:endParaRPr lang="en"/>
           </a:p>
@@ -14682,7 +14538,7 @@
 </p:sld>
 </file>
 
-<file path=ppt/slides/slide43.xml><?xml version="1.0" encoding="utf-8"?>
+<file path=ppt/slides/slide42.xml><?xml version="1.0" encoding="utf-8"?>
 <p:sld xmlns:a="http://schemas.openxmlformats.org/drawingml/2006/main" xmlns:r="http://schemas.openxmlformats.org/officeDocument/2006/relationships" xmlns:p="http://schemas.openxmlformats.org/presentationml/2006/main">
   <p:cSld>
     <p:spTree>
@@ -14789,7 +14645,7 @@
             </a:pPr>
             <a:fld id="{00000000-1234-1234-1234-123412341234}" type="slidenum">
               <a:rPr lang="en" smtClean="0"/>
-              <a:t>43</a:t>
+              <a:t>42</a:t>
             </a:fld>
             <a:endParaRPr lang="en"/>
           </a:p>
@@ -14838,6 +14694,161 @@
 </p:sld>
 </file>
 
+<file path=ppt/slides/slide43.xml><?xml version="1.0" encoding="utf-8"?>
+<p:sld xmlns:a="http://schemas.openxmlformats.org/drawingml/2006/main" xmlns:r="http://schemas.openxmlformats.org/officeDocument/2006/relationships" xmlns:p="http://schemas.openxmlformats.org/presentationml/2006/main">
+  <p:cSld>
+    <p:spTree>
+      <p:nvGrpSpPr>
+        <p:cNvPr id="1" name=""/>
+        <p:cNvGrpSpPr/>
+        <p:nvPr/>
+      </p:nvGrpSpPr>
+      <p:grpSpPr>
+        <a:xfrm>
+          <a:off x="0" y="0"/>
+          <a:ext cx="0" cy="0"/>
+          <a:chOff x="0" y="0"/>
+          <a:chExt cx="0" cy="0"/>
+        </a:xfrm>
+      </p:grpSpPr>
+      <p:sp>
+        <p:nvSpPr>
+          <p:cNvPr id="2" name="Title 1">
+            <a:extLst>
+              <a:ext uri="{FF2B5EF4-FFF2-40B4-BE49-F238E27FC236}">
+                <a16:creationId xmlns:a16="http://schemas.microsoft.com/office/drawing/2014/main" id="{D7C89EC1-0D5B-4ABA-A6E2-336FAF8F9A8B}"/>
+              </a:ext>
+            </a:extLst>
+          </p:cNvPr>
+          <p:cNvSpPr>
+            <a:spLocks noGrp="1"/>
+          </p:cNvSpPr>
+          <p:nvPr>
+            <p:ph type="title"/>
+          </p:nvPr>
+        </p:nvSpPr>
+        <p:spPr/>
+        <p:txBody>
+          <a:bodyPr/>
+          <a:lstStyle/>
+          <a:p>
+            <a:r>
+              <a:rPr lang="en-US" dirty="0"/>
+              <a:t>How to access package from another package?</a:t>
+            </a:r>
+            <a:endParaRPr lang="en-ID" dirty="0"/>
+          </a:p>
+        </p:txBody>
+      </p:sp>
+      <p:sp>
+        <p:nvSpPr>
+          <p:cNvPr id="3" name="Text Placeholder 2">
+            <a:extLst>
+              <a:ext uri="{FF2B5EF4-FFF2-40B4-BE49-F238E27FC236}">
+                <a16:creationId xmlns:a16="http://schemas.microsoft.com/office/drawing/2014/main" id="{E998FFC6-0B2F-4DB8-A4D8-FC3C7E3190CC}"/>
+              </a:ext>
+            </a:extLst>
+          </p:cNvPr>
+          <p:cNvSpPr>
+            <a:spLocks noGrp="1"/>
+          </p:cNvSpPr>
+          <p:nvPr>
+            <p:ph type="body" idx="1"/>
+          </p:nvPr>
+        </p:nvSpPr>
+        <p:spPr/>
+        <p:txBody>
+          <a:bodyPr/>
+          <a:lstStyle/>
+          <a:p>
+            <a:pPr marL="76200" indent="0">
+              <a:buNone/>
+            </a:pPr>
+            <a:r>
+              <a:rPr lang="en-US" dirty="0"/>
+              <a:t>There are three ways to access the package from outside the package.</a:t>
+            </a:r>
+          </a:p>
+          <a:p>
+            <a:r>
+              <a:rPr lang="en-US" dirty="0"/>
+              <a:t>import package.*;</a:t>
+            </a:r>
+          </a:p>
+          <a:p>
+            <a:r>
+              <a:rPr lang="en-US" dirty="0"/>
+              <a:t>import </a:t>
+            </a:r>
+            <a:r>
+              <a:rPr lang="en-US" dirty="0" err="1"/>
+              <a:t>package.classname</a:t>
+            </a:r>
+            <a:r>
+              <a:rPr lang="en-US" dirty="0"/>
+              <a:t>;</a:t>
+            </a:r>
+          </a:p>
+          <a:p>
+            <a:r>
+              <a:rPr lang="en-US" dirty="0"/>
+              <a:t>fully qualified name.</a:t>
+            </a:r>
+            <a:endParaRPr lang="en-ID" dirty="0"/>
+          </a:p>
+        </p:txBody>
+      </p:sp>
+      <p:sp>
+        <p:nvSpPr>
+          <p:cNvPr id="4" name="Slide Number Placeholder 3">
+            <a:extLst>
+              <a:ext uri="{FF2B5EF4-FFF2-40B4-BE49-F238E27FC236}">
+                <a16:creationId xmlns:a16="http://schemas.microsoft.com/office/drawing/2014/main" id="{39BC97D2-CA8C-49DE-94FF-DE73171782DB}"/>
+              </a:ext>
+            </a:extLst>
+          </p:cNvPr>
+          <p:cNvSpPr>
+            <a:spLocks noGrp="1"/>
+          </p:cNvSpPr>
+          <p:nvPr>
+            <p:ph type="sldNum" idx="12"/>
+          </p:nvPr>
+        </p:nvSpPr>
+        <p:spPr/>
+        <p:txBody>
+          <a:bodyPr/>
+          <a:lstStyle/>
+          <a:p>
+            <a:pPr marL="0" lvl="0" indent="0" algn="r" rtl="0">
+              <a:spcBef>
+                <a:spcPts val="0"/>
+              </a:spcBef>
+              <a:spcAft>
+                <a:spcPts val="0"/>
+              </a:spcAft>
+              <a:buNone/>
+            </a:pPr>
+            <a:fld id="{00000000-1234-1234-1234-123412341234}" type="slidenum">
+              <a:rPr lang="en" smtClean="0"/>
+              <a:t>43</a:t>
+            </a:fld>
+            <a:endParaRPr lang="en"/>
+          </a:p>
+        </p:txBody>
+      </p:sp>
+    </p:spTree>
+    <p:extLst>
+      <p:ext uri="{BB962C8B-B14F-4D97-AF65-F5344CB8AC3E}">
+        <p14:creationId xmlns:p14="http://schemas.microsoft.com/office/powerpoint/2010/main" val="781365548"/>
+      </p:ext>
+    </p:extLst>
+  </p:cSld>
+  <p:clrMapOvr>
+    <a:masterClrMapping/>
+  </p:clrMapOvr>
+</p:sld>
+</file>
+
 <file path=ppt/slides/slide44.xml><?xml version="1.0" encoding="utf-8"?>
 <p:sld xmlns:a="http://schemas.openxmlformats.org/drawingml/2006/main" xmlns:r="http://schemas.openxmlformats.org/officeDocument/2006/relationships" xmlns:p="http://schemas.openxmlformats.org/presentationml/2006/main">
   <p:cSld>
@@ -14857,10 +14868,10 @@
       </p:grpSpPr>
       <p:sp>
         <p:nvSpPr>
-          <p:cNvPr id="2" name="Title 1">
-            <a:extLst>
-              <a:ext uri="{FF2B5EF4-FFF2-40B4-BE49-F238E27FC236}">
-                <a16:creationId xmlns:a16="http://schemas.microsoft.com/office/drawing/2014/main" id="{D7C89EC1-0D5B-4ABA-A6E2-336FAF8F9A8B}"/>
+          <p:cNvPr id="5" name="Title 4">
+            <a:extLst>
+              <a:ext uri="{FF2B5EF4-FFF2-40B4-BE49-F238E27FC236}">
+                <a16:creationId xmlns:a16="http://schemas.microsoft.com/office/drawing/2014/main" id="{FD579476-E724-4F13-8D09-905B2E74A869}"/>
               </a:ext>
             </a:extLst>
           </p:cNvPr>
@@ -14878,7 +14889,7 @@
           <a:p>
             <a:r>
               <a:rPr lang="en-US" dirty="0"/>
-              <a:t>How to access package from another package?</a:t>
+              <a:t>1) Using packagename.*</a:t>
             </a:r>
             <a:endParaRPr lang="en-ID" dirty="0"/>
           </a:p>
@@ -14886,10 +14897,10 @@
       </p:sp>
       <p:sp>
         <p:nvSpPr>
-          <p:cNvPr id="3" name="Text Placeholder 2">
-            <a:extLst>
-              <a:ext uri="{FF2B5EF4-FFF2-40B4-BE49-F238E27FC236}">
-                <a16:creationId xmlns:a16="http://schemas.microsoft.com/office/drawing/2014/main" id="{E998FFC6-0B2F-4DB8-A4D8-FC3C7E3190CC}"/>
+          <p:cNvPr id="6" name="Text Placeholder 5">
+            <a:extLst>
+              <a:ext uri="{FF2B5EF4-FFF2-40B4-BE49-F238E27FC236}">
+                <a16:creationId xmlns:a16="http://schemas.microsoft.com/office/drawing/2014/main" id="{1B992C1E-A5CC-420E-8099-4702DDCC6505}"/>
               </a:ext>
             </a:extLst>
           </p:cNvPr>
@@ -14905,38 +14916,29 @@
           <a:bodyPr/>
           <a:lstStyle/>
           <a:p>
-            <a:pPr marL="76200" indent="0">
-              <a:buNone/>
-            </a:pPr>
             <a:r>
               <a:rPr lang="en-US" dirty="0"/>
-              <a:t>There are three ways to access the package from outside the package.</a:t>
-            </a:r>
-          </a:p>
-          <a:p>
+              <a:t>If you use package.* then all the classes and interfaces of this package will be accessible but not </a:t>
+            </a:r>
+            <a:r>
+              <a:rPr lang="en-US" dirty="0" err="1"/>
+              <a:t>subpackages</a:t>
+            </a:r>
             <a:r>
               <a:rPr lang="en-US" dirty="0"/>
-              <a:t>import package.*;</a:t>
+              <a:t>.</a:t>
             </a:r>
           </a:p>
           <a:p>
             <a:r>
               <a:rPr lang="en-US" dirty="0"/>
-              <a:t>import </a:t>
-            </a:r>
-            <a:r>
-              <a:rPr lang="en-US" dirty="0" err="1"/>
-              <a:t>package.classname</a:t>
-            </a:r>
+              <a:t>The import keyword is used to make the classes and interface of another package accessible to the current package.</a:t>
+            </a:r>
+          </a:p>
+          <a:p>
             <a:r>
               <a:rPr lang="en-US" dirty="0"/>
-              <a:t>;</a:t>
-            </a:r>
-          </a:p>
-          <a:p>
-            <a:r>
-              <a:rPr lang="en-US" dirty="0"/>
-              <a:t>fully qualified name.</a:t>
+              <a:t>Example of package that import the packagename.*</a:t>
             </a:r>
             <a:endParaRPr lang="en-ID" dirty="0"/>
           </a:p>
@@ -14947,7 +14949,7 @@
           <p:cNvPr id="4" name="Slide Number Placeholder 3">
             <a:extLst>
               <a:ext uri="{FF2B5EF4-FFF2-40B4-BE49-F238E27FC236}">
-                <a16:creationId xmlns:a16="http://schemas.microsoft.com/office/drawing/2014/main" id="{39BC97D2-CA8C-49DE-94FF-DE73171782DB}"/>
+                <a16:creationId xmlns:a16="http://schemas.microsoft.com/office/drawing/2014/main" id="{3E2B6E84-6A3A-427A-8187-3827C3DEDC50}"/>
               </a:ext>
             </a:extLst>
           </p:cNvPr>
@@ -14975,152 +14977,6 @@
             <a:fld id="{00000000-1234-1234-1234-123412341234}" type="slidenum">
               <a:rPr lang="en" smtClean="0"/>
               <a:t>44</a:t>
-            </a:fld>
-            <a:endParaRPr lang="en"/>
-          </a:p>
-        </p:txBody>
-      </p:sp>
-    </p:spTree>
-    <p:extLst>
-      <p:ext uri="{BB962C8B-B14F-4D97-AF65-F5344CB8AC3E}">
-        <p14:creationId xmlns:p14="http://schemas.microsoft.com/office/powerpoint/2010/main" val="781365548"/>
-      </p:ext>
-    </p:extLst>
-  </p:cSld>
-  <p:clrMapOvr>
-    <a:masterClrMapping/>
-  </p:clrMapOvr>
-</p:sld>
-</file>
-
-<file path=ppt/slides/slide45.xml><?xml version="1.0" encoding="utf-8"?>
-<p:sld xmlns:a="http://schemas.openxmlformats.org/drawingml/2006/main" xmlns:r="http://schemas.openxmlformats.org/officeDocument/2006/relationships" xmlns:p="http://schemas.openxmlformats.org/presentationml/2006/main">
-  <p:cSld>
-    <p:spTree>
-      <p:nvGrpSpPr>
-        <p:cNvPr id="1" name=""/>
-        <p:cNvGrpSpPr/>
-        <p:nvPr/>
-      </p:nvGrpSpPr>
-      <p:grpSpPr>
-        <a:xfrm>
-          <a:off x="0" y="0"/>
-          <a:ext cx="0" cy="0"/>
-          <a:chOff x="0" y="0"/>
-          <a:chExt cx="0" cy="0"/>
-        </a:xfrm>
-      </p:grpSpPr>
-      <p:sp>
-        <p:nvSpPr>
-          <p:cNvPr id="5" name="Title 4">
-            <a:extLst>
-              <a:ext uri="{FF2B5EF4-FFF2-40B4-BE49-F238E27FC236}">
-                <a16:creationId xmlns:a16="http://schemas.microsoft.com/office/drawing/2014/main" id="{FD579476-E724-4F13-8D09-905B2E74A869}"/>
-              </a:ext>
-            </a:extLst>
-          </p:cNvPr>
-          <p:cNvSpPr>
-            <a:spLocks noGrp="1"/>
-          </p:cNvSpPr>
-          <p:nvPr>
-            <p:ph type="title"/>
-          </p:nvPr>
-        </p:nvSpPr>
-        <p:spPr/>
-        <p:txBody>
-          <a:bodyPr/>
-          <a:lstStyle/>
-          <a:p>
-            <a:r>
-              <a:rPr lang="en-US" dirty="0"/>
-              <a:t>1) Using packagename.*</a:t>
-            </a:r>
-            <a:endParaRPr lang="en-ID" dirty="0"/>
-          </a:p>
-        </p:txBody>
-      </p:sp>
-      <p:sp>
-        <p:nvSpPr>
-          <p:cNvPr id="6" name="Text Placeholder 5">
-            <a:extLst>
-              <a:ext uri="{FF2B5EF4-FFF2-40B4-BE49-F238E27FC236}">
-                <a16:creationId xmlns:a16="http://schemas.microsoft.com/office/drawing/2014/main" id="{1B992C1E-A5CC-420E-8099-4702DDCC6505}"/>
-              </a:ext>
-            </a:extLst>
-          </p:cNvPr>
-          <p:cNvSpPr>
-            <a:spLocks noGrp="1"/>
-          </p:cNvSpPr>
-          <p:nvPr>
-            <p:ph type="body" idx="1"/>
-          </p:nvPr>
-        </p:nvSpPr>
-        <p:spPr/>
-        <p:txBody>
-          <a:bodyPr/>
-          <a:lstStyle/>
-          <a:p>
-            <a:r>
-              <a:rPr lang="en-US" dirty="0"/>
-              <a:t>If you use package.* then all the classes and interfaces of this package will be accessible but not </a:t>
-            </a:r>
-            <a:r>
-              <a:rPr lang="en-US" dirty="0" err="1"/>
-              <a:t>subpackages</a:t>
-            </a:r>
-            <a:r>
-              <a:rPr lang="en-US" dirty="0"/>
-              <a:t>.</a:t>
-            </a:r>
-          </a:p>
-          <a:p>
-            <a:r>
-              <a:rPr lang="en-US" dirty="0"/>
-              <a:t>The import keyword is used to make the classes and interface of another package accessible to the current package.</a:t>
-            </a:r>
-          </a:p>
-          <a:p>
-            <a:r>
-              <a:rPr lang="en-US" dirty="0"/>
-              <a:t>Example of package that import the packagename.*</a:t>
-            </a:r>
-            <a:endParaRPr lang="en-ID" dirty="0"/>
-          </a:p>
-        </p:txBody>
-      </p:sp>
-      <p:sp>
-        <p:nvSpPr>
-          <p:cNvPr id="4" name="Slide Number Placeholder 3">
-            <a:extLst>
-              <a:ext uri="{FF2B5EF4-FFF2-40B4-BE49-F238E27FC236}">
-                <a16:creationId xmlns:a16="http://schemas.microsoft.com/office/drawing/2014/main" id="{3E2B6E84-6A3A-427A-8187-3827C3DEDC50}"/>
-              </a:ext>
-            </a:extLst>
-          </p:cNvPr>
-          <p:cNvSpPr>
-            <a:spLocks noGrp="1"/>
-          </p:cNvSpPr>
-          <p:nvPr>
-            <p:ph type="sldNum" idx="12"/>
-          </p:nvPr>
-        </p:nvSpPr>
-        <p:spPr/>
-        <p:txBody>
-          <a:bodyPr/>
-          <a:lstStyle/>
-          <a:p>
-            <a:pPr marL="0" lvl="0" indent="0" algn="r" rtl="0">
-              <a:spcBef>
-                <a:spcPts val="0"/>
-              </a:spcBef>
-              <a:spcAft>
-                <a:spcPts val="0"/>
-              </a:spcAft>
-              <a:buNone/>
-            </a:pPr>
-            <a:fld id="{00000000-1234-1234-1234-123412341234}" type="slidenum">
-              <a:rPr lang="en" smtClean="0"/>
-              <a:t>45</a:t>
             </a:fld>
             <a:endParaRPr lang="en"/>
           </a:p>
@@ -15199,7 +15055,7 @@
 </p:sld>
 </file>
 
-<file path=ppt/slides/slide46.xml><?xml version="1.0" encoding="utf-8"?>
+<file path=ppt/slides/slide45.xml><?xml version="1.0" encoding="utf-8"?>
 <p:sld xmlns:a="http://schemas.openxmlformats.org/drawingml/2006/main" xmlns:r="http://schemas.openxmlformats.org/officeDocument/2006/relationships" xmlns:p="http://schemas.openxmlformats.org/presentationml/2006/main">
   <p:cSld>
     <p:spTree>
@@ -15318,7 +15174,7 @@
             </a:pPr>
             <a:fld id="{00000000-1234-1234-1234-123412341234}" type="slidenum">
               <a:rPr lang="en" smtClean="0"/>
-              <a:t>46</a:t>
+              <a:t>45</a:t>
             </a:fld>
             <a:endParaRPr lang="en"/>
           </a:p>
@@ -15397,7 +15253,7 @@
 </p:sld>
 </file>
 
-<file path=ppt/slides/slide47.xml><?xml version="1.0" encoding="utf-8"?>
+<file path=ppt/slides/slide46.xml><?xml version="1.0" encoding="utf-8"?>
 <p:sld xmlns:a="http://schemas.openxmlformats.org/drawingml/2006/main" xmlns:r="http://schemas.openxmlformats.org/officeDocument/2006/relationships" xmlns:p="http://schemas.openxmlformats.org/presentationml/2006/main">
   <p:cSld>
     <p:spTree>
@@ -15528,7 +15384,7 @@
             </a:pPr>
             <a:fld id="{00000000-1234-1234-1234-123412341234}" type="slidenum">
               <a:rPr lang="en" smtClean="0"/>
-              <a:t>47</a:t>
+              <a:t>46</a:t>
             </a:fld>
             <a:endParaRPr lang="en"/>
           </a:p>
@@ -15607,7 +15463,7 @@
 </p:sld>
 </file>
 
-<file path=ppt/slides/slide48.xml><?xml version="1.0" encoding="utf-8"?>
+<file path=ppt/slides/slide47.xml><?xml version="1.0" encoding="utf-8"?>
 <p:sld xmlns:a="http://schemas.openxmlformats.org/drawingml/2006/main" xmlns:r="http://schemas.openxmlformats.org/officeDocument/2006/relationships" xmlns:p="http://schemas.openxmlformats.org/presentationml/2006/main">
   <p:cSld>
     <p:spTree>
@@ -15685,7 +15541,7 @@
             </a:pPr>
             <a:fld id="{00000000-1234-1234-1234-123412341234}" type="slidenum">
               <a:rPr lang="en" smtClean="0"/>
-              <a:t>48</a:t>
+              <a:t>47</a:t>
             </a:fld>
             <a:endParaRPr lang="en"/>
           </a:p>
@@ -15734,6 +15590,230 @@
 </p:sld>
 </file>
 
+<file path=ppt/slides/slide48.xml><?xml version="1.0" encoding="utf-8"?>
+<p:sld xmlns:a="http://schemas.openxmlformats.org/drawingml/2006/main" xmlns:r="http://schemas.openxmlformats.org/officeDocument/2006/relationships" xmlns:p="http://schemas.openxmlformats.org/presentationml/2006/main">
+  <p:cSld>
+    <p:spTree>
+      <p:nvGrpSpPr>
+        <p:cNvPr id="1" name=""/>
+        <p:cNvGrpSpPr/>
+        <p:nvPr/>
+      </p:nvGrpSpPr>
+      <p:grpSpPr>
+        <a:xfrm>
+          <a:off x="0" y="0"/>
+          <a:ext cx="0" cy="0"/>
+          <a:chOff x="0" y="0"/>
+          <a:chExt cx="0" cy="0"/>
+        </a:xfrm>
+      </p:grpSpPr>
+      <p:sp>
+        <p:nvSpPr>
+          <p:cNvPr id="4" name="Title 3">
+            <a:extLst>
+              <a:ext uri="{FF2B5EF4-FFF2-40B4-BE49-F238E27FC236}">
+                <a16:creationId xmlns:a16="http://schemas.microsoft.com/office/drawing/2014/main" id="{2883D9DD-C465-463A-B1AB-3E424ECBEDAB}"/>
+              </a:ext>
+            </a:extLst>
+          </p:cNvPr>
+          <p:cNvSpPr>
+            <a:spLocks noGrp="1"/>
+          </p:cNvSpPr>
+          <p:nvPr>
+            <p:ph type="title"/>
+          </p:nvPr>
+        </p:nvSpPr>
+        <p:spPr/>
+        <p:txBody>
+          <a:bodyPr/>
+          <a:lstStyle/>
+          <a:p>
+            <a:r>
+              <a:rPr lang="en-US" dirty="0" err="1"/>
+              <a:t>Subpackage</a:t>
+            </a:r>
+            <a:r>
+              <a:rPr lang="en-US" dirty="0"/>
+              <a:t> in java</a:t>
+            </a:r>
+            <a:endParaRPr lang="en-ID" dirty="0"/>
+          </a:p>
+        </p:txBody>
+      </p:sp>
+      <p:sp>
+        <p:nvSpPr>
+          <p:cNvPr id="5" name="Text Placeholder 4">
+            <a:extLst>
+              <a:ext uri="{FF2B5EF4-FFF2-40B4-BE49-F238E27FC236}">
+                <a16:creationId xmlns:a16="http://schemas.microsoft.com/office/drawing/2014/main" id="{4B8202CF-F6FC-418C-82D0-22F61458A5BE}"/>
+              </a:ext>
+            </a:extLst>
+          </p:cNvPr>
+          <p:cNvSpPr>
+            <a:spLocks noGrp="1"/>
+          </p:cNvSpPr>
+          <p:nvPr>
+            <p:ph type="body" idx="1"/>
+          </p:nvPr>
+        </p:nvSpPr>
+        <p:spPr/>
+        <p:txBody>
+          <a:bodyPr/>
+          <a:lstStyle/>
+          <a:p>
+            <a:r>
+              <a:rPr lang="en-US" dirty="0"/>
+              <a:t>Package inside the package is called the </a:t>
+            </a:r>
+            <a:r>
+              <a:rPr lang="en-US" dirty="0" err="1"/>
+              <a:t>subpackage</a:t>
+            </a:r>
+            <a:r>
+              <a:rPr lang="en-US" dirty="0"/>
+              <a:t>. It should be created to categorize the package further.</a:t>
+            </a:r>
+          </a:p>
+          <a:p>
+            <a:r>
+              <a:rPr lang="en-US" dirty="0"/>
+              <a:t>Let's take an example, Sun Microsystem has </a:t>
+            </a:r>
+            <a:r>
+              <a:rPr lang="en-US" dirty="0" err="1"/>
+              <a:t>definded</a:t>
+            </a:r>
+            <a:r>
+              <a:rPr lang="en-US" dirty="0"/>
+              <a:t> a package named java that contains many classes like System, String, Reader, Writer, Socket etc. These classes represent a particular group e.g. Reader and Writer classes are for </a:t>
+            </a:r>
+            <a:r>
+              <a:rPr lang="en-US" dirty="0" err="1"/>
+              <a:t>Input/Output</a:t>
+            </a:r>
+            <a:r>
+              <a:rPr lang="en-US" dirty="0"/>
+              <a:t> operation, Socket and </a:t>
+            </a:r>
+            <a:r>
+              <a:rPr lang="en-US" dirty="0" err="1"/>
+              <a:t>ServerSocket</a:t>
+            </a:r>
+            <a:r>
+              <a:rPr lang="en-US" dirty="0"/>
+              <a:t> classes are for networking </a:t>
+            </a:r>
+            <a:r>
+              <a:rPr lang="en-US" dirty="0" err="1"/>
+              <a:t>etc</a:t>
+            </a:r>
+            <a:r>
+              <a:rPr lang="en-US" dirty="0"/>
+              <a:t> and so on. So, Sun has subcategorized the java package into </a:t>
+            </a:r>
+            <a:r>
+              <a:rPr lang="en-US" dirty="0" err="1"/>
+              <a:t>subpackages</a:t>
+            </a:r>
+            <a:r>
+              <a:rPr lang="en-US" dirty="0"/>
+              <a:t> such as </a:t>
+            </a:r>
+            <a:r>
+              <a:rPr lang="en-US" dirty="0" err="1"/>
+              <a:t>lang</a:t>
+            </a:r>
+            <a:r>
+              <a:rPr lang="en-US" dirty="0"/>
+              <a:t>, net, </a:t>
+            </a:r>
+            <a:r>
+              <a:rPr lang="en-US" dirty="0" err="1"/>
+              <a:t>io</a:t>
+            </a:r>
+            <a:r>
+              <a:rPr lang="en-US" dirty="0"/>
+              <a:t> etc. and put the </a:t>
+            </a:r>
+            <a:r>
+              <a:rPr lang="en-US" dirty="0" err="1"/>
+              <a:t>Input/Output</a:t>
+            </a:r>
+            <a:r>
+              <a:rPr lang="en-US" dirty="0"/>
+              <a:t> related classes in </a:t>
+            </a:r>
+            <a:r>
+              <a:rPr lang="en-US" dirty="0" err="1"/>
+              <a:t>io</a:t>
+            </a:r>
+            <a:r>
+              <a:rPr lang="en-US" dirty="0"/>
+              <a:t> package, Server and </a:t>
+            </a:r>
+            <a:r>
+              <a:rPr lang="en-US" dirty="0" err="1"/>
+              <a:t>ServerSocket</a:t>
+            </a:r>
+            <a:r>
+              <a:rPr lang="en-US" dirty="0"/>
+              <a:t> classes in net packages and so on.</a:t>
+            </a:r>
+            <a:endParaRPr lang="en-ID" dirty="0"/>
+          </a:p>
+        </p:txBody>
+      </p:sp>
+      <p:sp>
+        <p:nvSpPr>
+          <p:cNvPr id="3" name="Slide Number Placeholder 2">
+            <a:extLst>
+              <a:ext uri="{FF2B5EF4-FFF2-40B4-BE49-F238E27FC236}">
+                <a16:creationId xmlns:a16="http://schemas.microsoft.com/office/drawing/2014/main" id="{6F975578-4735-406C-8709-DC669FF2D0E6}"/>
+              </a:ext>
+            </a:extLst>
+          </p:cNvPr>
+          <p:cNvSpPr>
+            <a:spLocks noGrp="1"/>
+          </p:cNvSpPr>
+          <p:nvPr>
+            <p:ph type="sldNum" idx="12"/>
+          </p:nvPr>
+        </p:nvSpPr>
+        <p:spPr/>
+        <p:txBody>
+          <a:bodyPr/>
+          <a:lstStyle/>
+          <a:p>
+            <a:pPr marL="0" lvl="0" indent="0" algn="r" rtl="0">
+              <a:spcBef>
+                <a:spcPts val="0"/>
+              </a:spcBef>
+              <a:spcAft>
+                <a:spcPts val="0"/>
+              </a:spcAft>
+              <a:buNone/>
+            </a:pPr>
+            <a:fld id="{00000000-1234-1234-1234-123412341234}" type="slidenum">
+              <a:rPr lang="en" smtClean="0"/>
+              <a:t>48</a:t>
+            </a:fld>
+            <a:endParaRPr lang="en"/>
+          </a:p>
+        </p:txBody>
+      </p:sp>
+    </p:spTree>
+    <p:extLst>
+      <p:ext uri="{BB962C8B-B14F-4D97-AF65-F5344CB8AC3E}">
+        <p14:creationId xmlns:p14="http://schemas.microsoft.com/office/powerpoint/2010/main" val="1480024102"/>
+      </p:ext>
+    </p:extLst>
+  </p:cSld>
+  <p:clrMapOvr>
+    <a:masterClrMapping/>
+  </p:clrMapOvr>
+</p:sld>
+</file>
+
 <file path=ppt/slides/slide49.xml><?xml version="1.0" encoding="utf-8"?>
 <p:sld xmlns:a="http://schemas.openxmlformats.org/drawingml/2006/main" xmlns:r="http://schemas.openxmlformats.org/officeDocument/2006/relationships" xmlns:p="http://schemas.openxmlformats.org/presentationml/2006/main">
   <p:cSld>
@@ -15753,10 +15833,10 @@
       </p:grpSpPr>
       <p:sp>
         <p:nvSpPr>
-          <p:cNvPr id="4" name="Title 3">
-            <a:extLst>
-              <a:ext uri="{FF2B5EF4-FFF2-40B4-BE49-F238E27FC236}">
-                <a16:creationId xmlns:a16="http://schemas.microsoft.com/office/drawing/2014/main" id="{2883D9DD-C465-463A-B1AB-3E424ECBEDAB}"/>
+          <p:cNvPr id="2" name="Title 1">
+            <a:extLst>
+              <a:ext uri="{FF2B5EF4-FFF2-40B4-BE49-F238E27FC236}">
+                <a16:creationId xmlns:a16="http://schemas.microsoft.com/office/drawing/2014/main" id="{2116062B-A072-42A6-A6D3-3248A4FE516F}"/>
               </a:ext>
             </a:extLst>
           </p:cNvPr>
@@ -15773,146 +15853,23 @@
           <a:lstStyle/>
           <a:p>
             <a:r>
-              <a:rPr lang="en-US" dirty="0" err="1"/>
+              <a:rPr lang="en-ID" dirty="0"/>
+              <a:t>Example of </a:t>
+            </a:r>
+            <a:r>
+              <a:rPr lang="en-ID" dirty="0" err="1"/>
               <a:t>Subpackage</a:t>
             </a:r>
-            <a:r>
-              <a:rPr lang="en-US" dirty="0"/>
-              <a:t> in java</a:t>
-            </a:r>
             <a:endParaRPr lang="en-ID" dirty="0"/>
           </a:p>
         </p:txBody>
       </p:sp>
       <p:sp>
         <p:nvSpPr>
-          <p:cNvPr id="5" name="Text Placeholder 4">
-            <a:extLst>
-              <a:ext uri="{FF2B5EF4-FFF2-40B4-BE49-F238E27FC236}">
-                <a16:creationId xmlns:a16="http://schemas.microsoft.com/office/drawing/2014/main" id="{4B8202CF-F6FC-418C-82D0-22F61458A5BE}"/>
-              </a:ext>
-            </a:extLst>
-          </p:cNvPr>
-          <p:cNvSpPr>
-            <a:spLocks noGrp="1"/>
-          </p:cNvSpPr>
-          <p:nvPr>
-            <p:ph type="body" idx="1"/>
-          </p:nvPr>
-        </p:nvSpPr>
-        <p:spPr/>
-        <p:txBody>
-          <a:bodyPr/>
-          <a:lstStyle/>
-          <a:p>
-            <a:r>
-              <a:rPr lang="en-US" dirty="0"/>
-              <a:t>Package inside the package is called the </a:t>
-            </a:r>
-            <a:r>
-              <a:rPr lang="en-US" dirty="0" err="1"/>
-              <a:t>subpackage</a:t>
-            </a:r>
-            <a:r>
-              <a:rPr lang="en-US" dirty="0"/>
-              <a:t>. It should be created to categorize the package further.</a:t>
-            </a:r>
-          </a:p>
-          <a:p>
-            <a:r>
-              <a:rPr lang="en-US" dirty="0"/>
-              <a:t>Let's take an example, Sun Microsystem has </a:t>
-            </a:r>
-            <a:r>
-              <a:rPr lang="en-US" dirty="0" err="1"/>
-              <a:t>definded</a:t>
-            </a:r>
-            <a:r>
-              <a:rPr lang="en-US" dirty="0"/>
-              <a:t> a package named java that contains many classes like System, String, Reader, Writer, Socket etc. These classes represent a particular group e.g. Reader and Writer classes are for </a:t>
-            </a:r>
-            <a:r>
-              <a:rPr lang="en-US" dirty="0" err="1"/>
-              <a:t>Input/Output</a:t>
-            </a:r>
-            <a:r>
-              <a:rPr lang="en-US" dirty="0"/>
-              <a:t> operation, Socket and </a:t>
-            </a:r>
-            <a:r>
-              <a:rPr lang="en-US" dirty="0" err="1"/>
-              <a:t>ServerSocket</a:t>
-            </a:r>
-            <a:r>
-              <a:rPr lang="en-US" dirty="0"/>
-              <a:t> classes are for networking </a:t>
-            </a:r>
-            <a:r>
-              <a:rPr lang="en-US" dirty="0" err="1"/>
-              <a:t>etc</a:t>
-            </a:r>
-            <a:r>
-              <a:rPr lang="en-US" dirty="0"/>
-              <a:t> and so on. So, Sun has subcategorized the java package into </a:t>
-            </a:r>
-            <a:r>
-              <a:rPr lang="en-US" dirty="0" err="1"/>
-              <a:t>subpackages</a:t>
-            </a:r>
-            <a:r>
-              <a:rPr lang="en-US" dirty="0"/>
-              <a:t> such as </a:t>
-            </a:r>
-            <a:r>
-              <a:rPr lang="en-US" dirty="0" err="1"/>
-              <a:t>lang</a:t>
-            </a:r>
-            <a:r>
-              <a:rPr lang="en-US" dirty="0"/>
-              <a:t>, net, </a:t>
-            </a:r>
-            <a:r>
-              <a:rPr lang="en-US" dirty="0" err="1"/>
-              <a:t>io</a:t>
-            </a:r>
-            <a:r>
-              <a:rPr lang="en-US" dirty="0"/>
-              <a:t> etc. and put the </a:t>
-            </a:r>
-            <a:r>
-              <a:rPr lang="en-US" dirty="0" err="1"/>
-              <a:t>Input/Output</a:t>
-            </a:r>
-            <a:r>
-              <a:rPr lang="en-US" dirty="0"/>
-              <a:t> related classes in </a:t>
-            </a:r>
-            <a:r>
-              <a:rPr lang="en-US" dirty="0" err="1"/>
-              <a:t>io</a:t>
-            </a:r>
-            <a:r>
-              <a:rPr lang="en-US" dirty="0"/>
-              <a:t> package, Server and </a:t>
-            </a:r>
-            <a:r>
-              <a:rPr lang="en-US" dirty="0" err="1"/>
-              <a:t>ServerSocket</a:t>
-            </a:r>
-            <a:r>
-              <a:rPr lang="en-US" dirty="0"/>
-              <a:t> classes in net packages and so on.</a:t>
-            </a:r>
-            <a:endParaRPr lang="en-ID" dirty="0"/>
-          </a:p>
-        </p:txBody>
-      </p:sp>
-      <p:sp>
-        <p:nvSpPr>
-          <p:cNvPr id="3" name="Slide Number Placeholder 2">
-            <a:extLst>
-              <a:ext uri="{FF2B5EF4-FFF2-40B4-BE49-F238E27FC236}">
-                <a16:creationId xmlns:a16="http://schemas.microsoft.com/office/drawing/2014/main" id="{6F975578-4735-406C-8709-DC669FF2D0E6}"/>
+          <p:cNvPr id="4" name="Slide Number Placeholder 3">
+            <a:extLst>
+              <a:ext uri="{FF2B5EF4-FFF2-40B4-BE49-F238E27FC236}">
+                <a16:creationId xmlns:a16="http://schemas.microsoft.com/office/drawing/2014/main" id="{6E0943C9-B8AA-471A-AB9F-C08BB7832163}"/>
               </a:ext>
             </a:extLst>
           </p:cNvPr>
@@ -15940,298 +15897,6 @@
             <a:fld id="{00000000-1234-1234-1234-123412341234}" type="slidenum">
               <a:rPr lang="en" smtClean="0"/>
               <a:t>49</a:t>
-            </a:fld>
-            <a:endParaRPr lang="en"/>
-          </a:p>
-        </p:txBody>
-      </p:sp>
-    </p:spTree>
-    <p:extLst>
-      <p:ext uri="{BB962C8B-B14F-4D97-AF65-F5344CB8AC3E}">
-        <p14:creationId xmlns:p14="http://schemas.microsoft.com/office/powerpoint/2010/main" val="1480024102"/>
-      </p:ext>
-    </p:extLst>
-  </p:cSld>
-  <p:clrMapOvr>
-    <a:masterClrMapping/>
-  </p:clrMapOvr>
-</p:sld>
-</file>
-
-<file path=ppt/slides/slide5.xml><?xml version="1.0" encoding="utf-8"?>
-<p:sld xmlns:a="http://schemas.openxmlformats.org/drawingml/2006/main" xmlns:r="http://schemas.openxmlformats.org/officeDocument/2006/relationships" xmlns:p="http://schemas.openxmlformats.org/presentationml/2006/main">
-  <p:cSld>
-    <p:spTree>
-      <p:nvGrpSpPr>
-        <p:cNvPr id="1" name=""/>
-        <p:cNvGrpSpPr/>
-        <p:nvPr/>
-      </p:nvGrpSpPr>
-      <p:grpSpPr>
-        <a:xfrm>
-          <a:off x="0" y="0"/>
-          <a:ext cx="0" cy="0"/>
-          <a:chOff x="0" y="0"/>
-          <a:chExt cx="0" cy="0"/>
-        </a:xfrm>
-      </p:grpSpPr>
-      <p:sp>
-        <p:nvSpPr>
-          <p:cNvPr id="11" name="Title 10">
-            <a:extLst>
-              <a:ext uri="{FF2B5EF4-FFF2-40B4-BE49-F238E27FC236}">
-                <a16:creationId xmlns:a16="http://schemas.microsoft.com/office/drawing/2014/main" id="{84970CC2-D921-4DEF-A95D-497B44FB785E}"/>
-              </a:ext>
-            </a:extLst>
-          </p:cNvPr>
-          <p:cNvSpPr>
-            <a:spLocks noGrp="1"/>
-          </p:cNvSpPr>
-          <p:nvPr>
-            <p:ph type="title"/>
-          </p:nvPr>
-        </p:nvSpPr>
-        <p:spPr/>
-        <p:txBody>
-          <a:bodyPr/>
-          <a:lstStyle/>
-          <a:p>
-            <a:r>
-              <a:rPr lang="en-US" dirty="0"/>
-              <a:t>Abstraction</a:t>
-            </a:r>
-            <a:endParaRPr lang="en-ID" dirty="0"/>
-          </a:p>
-        </p:txBody>
-      </p:sp>
-      <p:sp>
-        <p:nvSpPr>
-          <p:cNvPr id="6" name="Text Placeholder 5">
-            <a:extLst>
-              <a:ext uri="{FF2B5EF4-FFF2-40B4-BE49-F238E27FC236}">
-                <a16:creationId xmlns:a16="http://schemas.microsoft.com/office/drawing/2014/main" id="{61E7B484-3DCA-478E-9AB6-999BAEC68128}"/>
-              </a:ext>
-            </a:extLst>
-          </p:cNvPr>
-          <p:cNvSpPr>
-            <a:spLocks noGrp="1"/>
-          </p:cNvSpPr>
-          <p:nvPr>
-            <p:ph type="body" idx="1"/>
-          </p:nvPr>
-        </p:nvSpPr>
-        <p:spPr/>
-        <p:txBody>
-          <a:bodyPr/>
-          <a:lstStyle/>
-          <a:p>
-            <a:r>
-              <a:rPr lang="en-US" dirty="0"/>
-              <a:t>Abstraction is a process of hiding the implementation details and showing only functionality to the user.</a:t>
-            </a:r>
-          </a:p>
-          <a:p>
-            <a:r>
-              <a:rPr lang="en-US" dirty="0"/>
-              <a:t>Another way, it shows only essential things to the user and hides the internal details, for example, sending SMS where you type the text and send the message. You don't know the internal processing about the message delivery.</a:t>
-            </a:r>
-          </a:p>
-          <a:p>
-            <a:r>
-              <a:rPr lang="en-US" dirty="0"/>
-              <a:t>Abstraction lets you focus on what the object does instead of how it does it.</a:t>
-            </a:r>
-            <a:endParaRPr lang="en-ID" dirty="0"/>
-          </a:p>
-        </p:txBody>
-      </p:sp>
-      <p:sp>
-        <p:nvSpPr>
-          <p:cNvPr id="12" name="Text Placeholder 11">
-            <a:extLst>
-              <a:ext uri="{FF2B5EF4-FFF2-40B4-BE49-F238E27FC236}">
-                <a16:creationId xmlns:a16="http://schemas.microsoft.com/office/drawing/2014/main" id="{F3F4C1FA-1DF1-4689-A270-17FAFC31CA89}"/>
-              </a:ext>
-            </a:extLst>
-          </p:cNvPr>
-          <p:cNvSpPr>
-            <a:spLocks noGrp="1"/>
-          </p:cNvSpPr>
-          <p:nvPr>
-            <p:ph type="body" idx="2"/>
-          </p:nvPr>
-        </p:nvSpPr>
-        <p:spPr/>
-        <p:txBody>
-          <a:bodyPr/>
-          <a:lstStyle/>
-          <a:p>
-            <a:pPr marL="101600" indent="0">
-              <a:buNone/>
-            </a:pPr>
-            <a:r>
-              <a:rPr lang="en-US" b="1" i="1" dirty="0"/>
-              <a:t>Ways to achieve Abstraction</a:t>
-            </a:r>
-          </a:p>
-          <a:p>
-            <a:pPr marL="101600" indent="0">
-              <a:buNone/>
-            </a:pPr>
-            <a:r>
-              <a:rPr lang="en-US" dirty="0"/>
-              <a:t>There are two ways to achieve abstraction in java :</a:t>
-            </a:r>
-          </a:p>
-          <a:p>
-            <a:r>
-              <a:rPr lang="en-US" dirty="0"/>
-              <a:t>Abstract class (0 to 100%)</a:t>
-            </a:r>
-          </a:p>
-          <a:p>
-            <a:r>
-              <a:rPr lang="en-US" dirty="0"/>
-              <a:t>Interface (100%)</a:t>
-            </a:r>
-            <a:endParaRPr lang="en-ID" dirty="0"/>
-          </a:p>
-        </p:txBody>
-      </p:sp>
-      <p:sp>
-        <p:nvSpPr>
-          <p:cNvPr id="4" name="Slide Number Placeholder 3">
-            <a:extLst>
-              <a:ext uri="{FF2B5EF4-FFF2-40B4-BE49-F238E27FC236}">
-                <a16:creationId xmlns:a16="http://schemas.microsoft.com/office/drawing/2014/main" id="{E5B63906-BB51-4A48-8B77-8D2CB856C93C}"/>
-              </a:ext>
-            </a:extLst>
-          </p:cNvPr>
-          <p:cNvSpPr>
-            <a:spLocks noGrp="1"/>
-          </p:cNvSpPr>
-          <p:nvPr>
-            <p:ph type="sldNum" idx="12"/>
-          </p:nvPr>
-        </p:nvSpPr>
-        <p:spPr/>
-        <p:txBody>
-          <a:bodyPr/>
-          <a:lstStyle/>
-          <a:p>
-            <a:pPr marL="0" lvl="0" indent="0" algn="r" rtl="0">
-              <a:spcBef>
-                <a:spcPts val="0"/>
-              </a:spcBef>
-              <a:spcAft>
-                <a:spcPts val="0"/>
-              </a:spcAft>
-              <a:buNone/>
-            </a:pPr>
-            <a:fld id="{00000000-1234-1234-1234-123412341234}" type="slidenum">
-              <a:rPr lang="en" smtClean="0"/>
-              <a:t>5</a:t>
-            </a:fld>
-            <a:endParaRPr lang="en"/>
-          </a:p>
-        </p:txBody>
-      </p:sp>
-    </p:spTree>
-    <p:extLst>
-      <p:ext uri="{BB962C8B-B14F-4D97-AF65-F5344CB8AC3E}">
-        <p14:creationId xmlns:p14="http://schemas.microsoft.com/office/powerpoint/2010/main" val="527614031"/>
-      </p:ext>
-    </p:extLst>
-  </p:cSld>
-  <p:clrMapOvr>
-    <a:masterClrMapping/>
-  </p:clrMapOvr>
-</p:sld>
-</file>
-
-<file path=ppt/slides/slide50.xml><?xml version="1.0" encoding="utf-8"?>
-<p:sld xmlns:a="http://schemas.openxmlformats.org/drawingml/2006/main" xmlns:r="http://schemas.openxmlformats.org/officeDocument/2006/relationships" xmlns:p="http://schemas.openxmlformats.org/presentationml/2006/main">
-  <p:cSld>
-    <p:spTree>
-      <p:nvGrpSpPr>
-        <p:cNvPr id="1" name=""/>
-        <p:cNvGrpSpPr/>
-        <p:nvPr/>
-      </p:nvGrpSpPr>
-      <p:grpSpPr>
-        <a:xfrm>
-          <a:off x="0" y="0"/>
-          <a:ext cx="0" cy="0"/>
-          <a:chOff x="0" y="0"/>
-          <a:chExt cx="0" cy="0"/>
-        </a:xfrm>
-      </p:grpSpPr>
-      <p:sp>
-        <p:nvSpPr>
-          <p:cNvPr id="2" name="Title 1">
-            <a:extLst>
-              <a:ext uri="{FF2B5EF4-FFF2-40B4-BE49-F238E27FC236}">
-                <a16:creationId xmlns:a16="http://schemas.microsoft.com/office/drawing/2014/main" id="{2116062B-A072-42A6-A6D3-3248A4FE516F}"/>
-              </a:ext>
-            </a:extLst>
-          </p:cNvPr>
-          <p:cNvSpPr>
-            <a:spLocks noGrp="1"/>
-          </p:cNvSpPr>
-          <p:nvPr>
-            <p:ph type="title"/>
-          </p:nvPr>
-        </p:nvSpPr>
-        <p:spPr/>
-        <p:txBody>
-          <a:bodyPr/>
-          <a:lstStyle/>
-          <a:p>
-            <a:r>
-              <a:rPr lang="en-ID" dirty="0"/>
-              <a:t>Example of </a:t>
-            </a:r>
-            <a:r>
-              <a:rPr lang="en-ID" dirty="0" err="1"/>
-              <a:t>Subpackage</a:t>
-            </a:r>
-            <a:endParaRPr lang="en-ID" dirty="0"/>
-          </a:p>
-        </p:txBody>
-      </p:sp>
-      <p:sp>
-        <p:nvSpPr>
-          <p:cNvPr id="4" name="Slide Number Placeholder 3">
-            <a:extLst>
-              <a:ext uri="{FF2B5EF4-FFF2-40B4-BE49-F238E27FC236}">
-                <a16:creationId xmlns:a16="http://schemas.microsoft.com/office/drawing/2014/main" id="{6E0943C9-B8AA-471A-AB9F-C08BB7832163}"/>
-              </a:ext>
-            </a:extLst>
-          </p:cNvPr>
-          <p:cNvSpPr>
-            <a:spLocks noGrp="1"/>
-          </p:cNvSpPr>
-          <p:nvPr>
-            <p:ph type="sldNum" idx="12"/>
-          </p:nvPr>
-        </p:nvSpPr>
-        <p:spPr/>
-        <p:txBody>
-          <a:bodyPr/>
-          <a:lstStyle/>
-          <a:p>
-            <a:pPr marL="0" lvl="0" indent="0" algn="r" rtl="0">
-              <a:spcBef>
-                <a:spcPts val="0"/>
-              </a:spcBef>
-              <a:spcAft>
-                <a:spcPts val="0"/>
-              </a:spcAft>
-              <a:buNone/>
-            </a:pPr>
-            <a:fld id="{00000000-1234-1234-1234-123412341234}" type="slidenum">
-              <a:rPr lang="en" smtClean="0"/>
-              <a:t>50</a:t>
             </a:fld>
             <a:endParaRPr lang="en"/>
           </a:p>
@@ -16280,7 +15945,7 @@
 </p:sld>
 </file>
 
-<file path=ppt/slides/slide51.xml><?xml version="1.0" encoding="utf-8"?>
+<file path=ppt/slides/slide5.xml><?xml version="1.0" encoding="utf-8"?>
 <p:sld xmlns:a="http://schemas.openxmlformats.org/drawingml/2006/main" xmlns:r="http://schemas.openxmlformats.org/officeDocument/2006/relationships" xmlns:p="http://schemas.openxmlformats.org/presentationml/2006/main">
   <p:cSld>
     <p:spTree>
@@ -16299,6 +15964,197 @@
       </p:grpSpPr>
       <p:sp>
         <p:nvSpPr>
+          <p:cNvPr id="11" name="Title 10">
+            <a:extLst>
+              <a:ext uri="{FF2B5EF4-FFF2-40B4-BE49-F238E27FC236}">
+                <a16:creationId xmlns:a16="http://schemas.microsoft.com/office/drawing/2014/main" id="{84970CC2-D921-4DEF-A95D-497B44FB785E}"/>
+              </a:ext>
+            </a:extLst>
+          </p:cNvPr>
+          <p:cNvSpPr>
+            <a:spLocks noGrp="1"/>
+          </p:cNvSpPr>
+          <p:nvPr>
+            <p:ph type="title"/>
+          </p:nvPr>
+        </p:nvSpPr>
+        <p:spPr/>
+        <p:txBody>
+          <a:bodyPr/>
+          <a:lstStyle/>
+          <a:p>
+            <a:r>
+              <a:rPr lang="en-US" dirty="0"/>
+              <a:t>Abstraction</a:t>
+            </a:r>
+            <a:endParaRPr lang="en-ID" dirty="0"/>
+          </a:p>
+        </p:txBody>
+      </p:sp>
+      <p:sp>
+        <p:nvSpPr>
+          <p:cNvPr id="6" name="Text Placeholder 5">
+            <a:extLst>
+              <a:ext uri="{FF2B5EF4-FFF2-40B4-BE49-F238E27FC236}">
+                <a16:creationId xmlns:a16="http://schemas.microsoft.com/office/drawing/2014/main" id="{61E7B484-3DCA-478E-9AB6-999BAEC68128}"/>
+              </a:ext>
+            </a:extLst>
+          </p:cNvPr>
+          <p:cNvSpPr>
+            <a:spLocks noGrp="1"/>
+          </p:cNvSpPr>
+          <p:nvPr>
+            <p:ph type="body" idx="1"/>
+          </p:nvPr>
+        </p:nvSpPr>
+        <p:spPr/>
+        <p:txBody>
+          <a:bodyPr/>
+          <a:lstStyle/>
+          <a:p>
+            <a:r>
+              <a:rPr lang="en-US" dirty="0"/>
+              <a:t>Abstraction is a process of hiding the implementation details and showing only functionality to the user.</a:t>
+            </a:r>
+          </a:p>
+          <a:p>
+            <a:r>
+              <a:rPr lang="en-US" dirty="0"/>
+              <a:t>Another way, it shows only essential things to the user and hides the internal details, for example, sending SMS where you type the text and send the message. You don't know the internal processing about the message delivery.</a:t>
+            </a:r>
+          </a:p>
+          <a:p>
+            <a:r>
+              <a:rPr lang="en-US" dirty="0"/>
+              <a:t>Abstraction lets you focus on what the object does instead of how it does it.</a:t>
+            </a:r>
+            <a:endParaRPr lang="en-ID" dirty="0"/>
+          </a:p>
+        </p:txBody>
+      </p:sp>
+      <p:sp>
+        <p:nvSpPr>
+          <p:cNvPr id="12" name="Text Placeholder 11">
+            <a:extLst>
+              <a:ext uri="{FF2B5EF4-FFF2-40B4-BE49-F238E27FC236}">
+                <a16:creationId xmlns:a16="http://schemas.microsoft.com/office/drawing/2014/main" id="{F3F4C1FA-1DF1-4689-A270-17FAFC31CA89}"/>
+              </a:ext>
+            </a:extLst>
+          </p:cNvPr>
+          <p:cNvSpPr>
+            <a:spLocks noGrp="1"/>
+          </p:cNvSpPr>
+          <p:nvPr>
+            <p:ph type="body" idx="2"/>
+          </p:nvPr>
+        </p:nvSpPr>
+        <p:spPr/>
+        <p:txBody>
+          <a:bodyPr/>
+          <a:lstStyle/>
+          <a:p>
+            <a:pPr marL="101600" indent="0">
+              <a:buNone/>
+            </a:pPr>
+            <a:r>
+              <a:rPr lang="en-US" b="1" i="1" dirty="0"/>
+              <a:t>Ways to achieve Abstraction</a:t>
+            </a:r>
+          </a:p>
+          <a:p>
+            <a:pPr marL="101600" indent="0">
+              <a:buNone/>
+            </a:pPr>
+            <a:r>
+              <a:rPr lang="en-US" dirty="0"/>
+              <a:t>There are two ways to achieve abstraction in java :</a:t>
+            </a:r>
+          </a:p>
+          <a:p>
+            <a:r>
+              <a:rPr lang="en-US" dirty="0"/>
+              <a:t>Abstract class (0 to 100%)</a:t>
+            </a:r>
+          </a:p>
+          <a:p>
+            <a:r>
+              <a:rPr lang="en-US" dirty="0"/>
+              <a:t>Interface (100%)</a:t>
+            </a:r>
+            <a:endParaRPr lang="en-ID" dirty="0"/>
+          </a:p>
+        </p:txBody>
+      </p:sp>
+      <p:sp>
+        <p:nvSpPr>
+          <p:cNvPr id="4" name="Slide Number Placeholder 3">
+            <a:extLst>
+              <a:ext uri="{FF2B5EF4-FFF2-40B4-BE49-F238E27FC236}">
+                <a16:creationId xmlns:a16="http://schemas.microsoft.com/office/drawing/2014/main" id="{E5B63906-BB51-4A48-8B77-8D2CB856C93C}"/>
+              </a:ext>
+            </a:extLst>
+          </p:cNvPr>
+          <p:cNvSpPr>
+            <a:spLocks noGrp="1"/>
+          </p:cNvSpPr>
+          <p:nvPr>
+            <p:ph type="sldNum" idx="12"/>
+          </p:nvPr>
+        </p:nvSpPr>
+        <p:spPr/>
+        <p:txBody>
+          <a:bodyPr/>
+          <a:lstStyle/>
+          <a:p>
+            <a:pPr marL="0" lvl="0" indent="0" algn="r" rtl="0">
+              <a:spcBef>
+                <a:spcPts val="0"/>
+              </a:spcBef>
+              <a:spcAft>
+                <a:spcPts val="0"/>
+              </a:spcAft>
+              <a:buNone/>
+            </a:pPr>
+            <a:fld id="{00000000-1234-1234-1234-123412341234}" type="slidenum">
+              <a:rPr lang="en" smtClean="0"/>
+              <a:t>5</a:t>
+            </a:fld>
+            <a:endParaRPr lang="en"/>
+          </a:p>
+        </p:txBody>
+      </p:sp>
+    </p:spTree>
+    <p:extLst>
+      <p:ext uri="{BB962C8B-B14F-4D97-AF65-F5344CB8AC3E}">
+        <p14:creationId xmlns:p14="http://schemas.microsoft.com/office/powerpoint/2010/main" val="527614031"/>
+      </p:ext>
+    </p:extLst>
+  </p:cSld>
+  <p:clrMapOvr>
+    <a:masterClrMapping/>
+  </p:clrMapOvr>
+</p:sld>
+</file>
+
+<file path=ppt/slides/slide50.xml><?xml version="1.0" encoding="utf-8"?>
+<p:sld xmlns:a="http://schemas.openxmlformats.org/drawingml/2006/main" xmlns:r="http://schemas.openxmlformats.org/officeDocument/2006/relationships" xmlns:p="http://schemas.openxmlformats.org/presentationml/2006/main">
+  <p:cSld>
+    <p:spTree>
+      <p:nvGrpSpPr>
+        <p:cNvPr id="1" name=""/>
+        <p:cNvGrpSpPr/>
+        <p:nvPr/>
+      </p:nvGrpSpPr>
+      <p:grpSpPr>
+        <a:xfrm>
+          <a:off x="0" y="0"/>
+          <a:ext cx="0" cy="0"/>
+          <a:chOff x="0" y="0"/>
+          <a:chExt cx="0" cy="0"/>
+        </a:xfrm>
+      </p:grpSpPr>
+      <p:sp>
+        <p:nvSpPr>
           <p:cNvPr id="2" name="Title 1">
             <a:extLst>
               <a:ext uri="{FF2B5EF4-FFF2-40B4-BE49-F238E27FC236}">
@@ -16506,7 +16362,7 @@
             </a:pPr>
             <a:fld id="{00000000-1234-1234-1234-123412341234}" type="slidenum">
               <a:rPr lang="en" smtClean="0"/>
-              <a:t>51</a:t>
+              <a:t>50</a:t>
             </a:fld>
             <a:endParaRPr lang="en"/>
           </a:p>
@@ -16585,6 +16441,213 @@
 </p:sld>
 </file>
 
+<file path=ppt/slides/slide51.xml><?xml version="1.0" encoding="utf-8"?>
+<p:sld xmlns:a="http://schemas.openxmlformats.org/drawingml/2006/main" xmlns:r="http://schemas.openxmlformats.org/officeDocument/2006/relationships" xmlns:p="http://schemas.openxmlformats.org/presentationml/2006/main">
+  <p:cSld>
+    <p:spTree>
+      <p:nvGrpSpPr>
+        <p:cNvPr id="1" name=""/>
+        <p:cNvGrpSpPr/>
+        <p:nvPr/>
+      </p:nvGrpSpPr>
+      <p:grpSpPr>
+        <a:xfrm>
+          <a:off x="0" y="0"/>
+          <a:ext cx="0" cy="0"/>
+          <a:chOff x="0" y="0"/>
+          <a:chExt cx="0" cy="0"/>
+        </a:xfrm>
+      </p:grpSpPr>
+      <p:sp>
+        <p:nvSpPr>
+          <p:cNvPr id="2" name="Title 1">
+            <a:extLst>
+              <a:ext uri="{FF2B5EF4-FFF2-40B4-BE49-F238E27FC236}">
+                <a16:creationId xmlns:a16="http://schemas.microsoft.com/office/drawing/2014/main" id="{2BD74685-8A81-4EE4-A4F9-D86C164926BD}"/>
+              </a:ext>
+            </a:extLst>
+          </p:cNvPr>
+          <p:cNvSpPr>
+            <a:spLocks noGrp="1"/>
+          </p:cNvSpPr>
+          <p:nvPr>
+            <p:ph type="title"/>
+          </p:nvPr>
+        </p:nvSpPr>
+        <p:spPr/>
+        <p:txBody>
+          <a:bodyPr/>
+          <a:lstStyle/>
+          <a:p>
+            <a:r>
+              <a:rPr lang="en-US" dirty="0"/>
+              <a:t>Another way to run this program by -</a:t>
+            </a:r>
+            <a:r>
+              <a:rPr lang="en-US" dirty="0" err="1"/>
+              <a:t>classpath</a:t>
+            </a:r>
+            <a:r>
+              <a:rPr lang="en-US" dirty="0"/>
+              <a:t> switch of java:</a:t>
+            </a:r>
+            <a:endParaRPr lang="en-ID" dirty="0"/>
+          </a:p>
+        </p:txBody>
+      </p:sp>
+      <p:sp>
+        <p:nvSpPr>
+          <p:cNvPr id="3" name="Text Placeholder 2">
+            <a:extLst>
+              <a:ext uri="{FF2B5EF4-FFF2-40B4-BE49-F238E27FC236}">
+                <a16:creationId xmlns:a16="http://schemas.microsoft.com/office/drawing/2014/main" id="{F4AC695B-3BFA-4962-8D0D-F018186E32C3}"/>
+              </a:ext>
+            </a:extLst>
+          </p:cNvPr>
+          <p:cNvSpPr>
+            <a:spLocks noGrp="1"/>
+          </p:cNvSpPr>
+          <p:nvPr>
+            <p:ph type="body" idx="1"/>
+          </p:nvPr>
+        </p:nvSpPr>
+        <p:spPr/>
+        <p:txBody>
+          <a:bodyPr/>
+          <a:lstStyle/>
+          <a:p>
+            <a:r>
+              <a:rPr lang="en-US" dirty="0"/>
+              <a:t>The -</a:t>
+            </a:r>
+            <a:r>
+              <a:rPr lang="en-US" dirty="0" err="1"/>
+              <a:t>classpath</a:t>
+            </a:r>
+            <a:r>
+              <a:rPr lang="en-US" dirty="0"/>
+              <a:t> switch can be used with </a:t>
+            </a:r>
+            <a:r>
+              <a:rPr lang="en-US" dirty="0" err="1"/>
+              <a:t>javac</a:t>
+            </a:r>
+            <a:r>
+              <a:rPr lang="en-US" dirty="0"/>
+              <a:t> and java tool.</a:t>
+            </a:r>
+          </a:p>
+          <a:p>
+            <a:r>
+              <a:rPr lang="en-US" dirty="0"/>
+              <a:t>To run this program from e:\source directory, you can use -</a:t>
+            </a:r>
+            <a:r>
+              <a:rPr lang="en-US" dirty="0" err="1"/>
+              <a:t>classpath</a:t>
+            </a:r>
+            <a:r>
+              <a:rPr lang="en-US" dirty="0"/>
+              <a:t> switch of java that tells where to look for class file. For example:</a:t>
+            </a:r>
+          </a:p>
+          <a:p>
+            <a:r>
+              <a:rPr lang="en-US" b="1" dirty="0"/>
+              <a:t>e:\sources&gt; java -</a:t>
+            </a:r>
+            <a:r>
+              <a:rPr lang="en-US" b="1" dirty="0" err="1"/>
+              <a:t>classpath</a:t>
+            </a:r>
+            <a:r>
+              <a:rPr lang="en-US" b="1" dirty="0"/>
+              <a:t> c:\classes </a:t>
+            </a:r>
+            <a:r>
+              <a:rPr lang="en-US" b="1" dirty="0" err="1"/>
+              <a:t>mypack.Simple</a:t>
+            </a:r>
+            <a:endParaRPr lang="en-US" dirty="0"/>
+          </a:p>
+        </p:txBody>
+      </p:sp>
+      <p:sp>
+        <p:nvSpPr>
+          <p:cNvPr id="4" name="Text Placeholder 3">
+            <a:extLst>
+              <a:ext uri="{FF2B5EF4-FFF2-40B4-BE49-F238E27FC236}">
+                <a16:creationId xmlns:a16="http://schemas.microsoft.com/office/drawing/2014/main" id="{2D9A8E11-36B3-4313-A45D-D219A6EF0D08}"/>
+              </a:ext>
+            </a:extLst>
+          </p:cNvPr>
+          <p:cNvSpPr>
+            <a:spLocks noGrp="1"/>
+          </p:cNvSpPr>
+          <p:nvPr>
+            <p:ph type="body" idx="2"/>
+          </p:nvPr>
+        </p:nvSpPr>
+        <p:spPr/>
+        <p:txBody>
+          <a:bodyPr/>
+          <a:lstStyle/>
+          <a:p>
+            <a:endParaRPr lang="en-ID"/>
+          </a:p>
+        </p:txBody>
+      </p:sp>
+      <p:sp>
+        <p:nvSpPr>
+          <p:cNvPr id="5" name="Slide Number Placeholder 4">
+            <a:extLst>
+              <a:ext uri="{FF2B5EF4-FFF2-40B4-BE49-F238E27FC236}">
+                <a16:creationId xmlns:a16="http://schemas.microsoft.com/office/drawing/2014/main" id="{BE374354-009F-4D1D-B8C5-0DD95E0B6DF3}"/>
+              </a:ext>
+            </a:extLst>
+          </p:cNvPr>
+          <p:cNvSpPr>
+            <a:spLocks noGrp="1"/>
+          </p:cNvSpPr>
+          <p:nvPr>
+            <p:ph type="sldNum" idx="12"/>
+          </p:nvPr>
+        </p:nvSpPr>
+        <p:spPr/>
+        <p:txBody>
+          <a:bodyPr/>
+          <a:lstStyle/>
+          <a:p>
+            <a:pPr marL="0" lvl="0" indent="0" algn="r" rtl="0">
+              <a:spcBef>
+                <a:spcPts val="0"/>
+              </a:spcBef>
+              <a:spcAft>
+                <a:spcPts val="0"/>
+              </a:spcAft>
+              <a:buNone/>
+            </a:pPr>
+            <a:fld id="{00000000-1234-1234-1234-123412341234}" type="slidenum">
+              <a:rPr lang="en" smtClean="0"/>
+              <a:t>51</a:t>
+            </a:fld>
+            <a:endParaRPr lang="en"/>
+          </a:p>
+        </p:txBody>
+      </p:sp>
+    </p:spTree>
+    <p:extLst>
+      <p:ext uri="{BB962C8B-B14F-4D97-AF65-F5344CB8AC3E}">
+        <p14:creationId xmlns:p14="http://schemas.microsoft.com/office/powerpoint/2010/main" val="2590188184"/>
+      </p:ext>
+    </p:extLst>
+  </p:cSld>
+  <p:clrMapOvr>
+    <a:masterClrMapping/>
+  </p:clrMapOvr>
+</p:sld>
+</file>
+
 <file path=ppt/slides/slide52.xml><?xml version="1.0" encoding="utf-8"?>
 <p:sld xmlns:a="http://schemas.openxmlformats.org/drawingml/2006/main" xmlns:r="http://schemas.openxmlformats.org/officeDocument/2006/relationships" xmlns:p="http://schemas.openxmlformats.org/presentationml/2006/main">
   <p:cSld>
@@ -16607,7 +16670,7 @@
           <p:cNvPr id="2" name="Title 1">
             <a:extLst>
               <a:ext uri="{FF2B5EF4-FFF2-40B4-BE49-F238E27FC236}">
-                <a16:creationId xmlns:a16="http://schemas.microsoft.com/office/drawing/2014/main" id="{2BD74685-8A81-4EE4-A4F9-D86C164926BD}"/>
+                <a16:creationId xmlns:a16="http://schemas.microsoft.com/office/drawing/2014/main" id="{85B87AB1-21ED-404E-891F-721990D30384}"/>
               </a:ext>
             </a:extLst>
           </p:cNvPr>
@@ -16625,15 +16688,7 @@
           <a:p>
             <a:r>
               <a:rPr lang="en-US" dirty="0"/>
-              <a:t>Another way to run this program by -</a:t>
-            </a:r>
-            <a:r>
-              <a:rPr lang="en-US" dirty="0" err="1"/>
-              <a:t>classpath</a:t>
-            </a:r>
-            <a:r>
-              <a:rPr lang="en-US" dirty="0"/>
-              <a:t> switch of java:</a:t>
+              <a:t>Ways to load the class files or jar files</a:t>
             </a:r>
             <a:endParaRPr lang="en-ID" dirty="0"/>
           </a:p>
@@ -16644,7 +16699,7 @@
           <p:cNvPr id="3" name="Text Placeholder 2">
             <a:extLst>
               <a:ext uri="{FF2B5EF4-FFF2-40B4-BE49-F238E27FC236}">
-                <a16:creationId xmlns:a16="http://schemas.microsoft.com/office/drawing/2014/main" id="{F4AC695B-3BFA-4962-8D0D-F018186E32C3}"/>
+                <a16:creationId xmlns:a16="http://schemas.microsoft.com/office/drawing/2014/main" id="{4C6A6D58-CEA2-4D68-B6CD-92430F6F41AE}"/>
               </a:ext>
             </a:extLst>
           </p:cNvPr>
@@ -16660,9 +16715,27 @@
           <a:bodyPr/>
           <a:lstStyle/>
           <a:p>
+            <a:pPr marL="101600" indent="0">
+              <a:buNone/>
+            </a:pPr>
             <a:r>
               <a:rPr lang="en-US" dirty="0"/>
-              <a:t>The -</a:t>
+              <a:t>There are two ways to load the class files temporary and permanent.</a:t>
+            </a:r>
+          </a:p>
+          <a:p>
+            <a:pPr marL="101600" indent="0">
+              <a:buNone/>
+            </a:pPr>
+            <a:r>
+              <a:rPr lang="en-US" b="1" dirty="0"/>
+              <a:t>Temporary</a:t>
+            </a:r>
+          </a:p>
+          <a:p>
+            <a:r>
+              <a:rPr lang="en-US" dirty="0"/>
+              <a:t>By setting the </a:t>
             </a:r>
             <a:r>
               <a:rPr lang="en-US" dirty="0" err="1"/>
@@ -16670,21 +16743,13 @@
             </a:r>
             <a:r>
               <a:rPr lang="en-US" dirty="0"/>
-              <a:t> switch can be used with </a:t>
-            </a:r>
-            <a:r>
-              <a:rPr lang="en-US" dirty="0" err="1"/>
-              <a:t>javac</a:t>
-            </a:r>
+              <a:t> in the command prompt</a:t>
+            </a:r>
+          </a:p>
+          <a:p>
             <a:r>
               <a:rPr lang="en-US" dirty="0"/>
-              <a:t> and java tool.</a:t>
-            </a:r>
-          </a:p>
-          <a:p>
-            <a:r>
-              <a:rPr lang="en-US" dirty="0"/>
-              <a:t>To run this program from e:\source directory, you can use -</a:t>
+              <a:t>By -</a:t>
             </a:r>
             <a:r>
               <a:rPr lang="en-US" dirty="0" err="1"/>
@@ -16692,61 +16757,93 @@
             </a:r>
             <a:r>
               <a:rPr lang="en-US" dirty="0"/>
-              <a:t> switch of java that tells where to look for class file. For example:</a:t>
-            </a:r>
-          </a:p>
-          <a:p>
+              <a:t> switch</a:t>
+            </a:r>
+          </a:p>
+          <a:p>
+            <a:pPr marL="101600" indent="0">
+              <a:buNone/>
+            </a:pPr>
             <a:r>
               <a:rPr lang="en-US" b="1" dirty="0"/>
-              <a:t>e:\sources&gt; java -</a:t>
-            </a:r>
-            <a:r>
-              <a:rPr lang="en-US" b="1" dirty="0" err="1"/>
+              <a:t>Permanent</a:t>
+            </a:r>
+          </a:p>
+          <a:p>
+            <a:r>
+              <a:rPr lang="en-US" dirty="0"/>
+              <a:t>By setting the </a:t>
+            </a:r>
+            <a:r>
+              <a:rPr lang="en-US" dirty="0" err="1"/>
               <a:t>classpath</a:t>
             </a:r>
             <a:r>
-              <a:rPr lang="en-US" b="1" dirty="0"/>
-              <a:t> c:\classes </a:t>
-            </a:r>
-            <a:r>
-              <a:rPr lang="en-US" b="1" dirty="0" err="1"/>
-              <a:t>mypack.Simple</a:t>
-            </a:r>
-            <a:endParaRPr lang="en-US" dirty="0"/>
-          </a:p>
-        </p:txBody>
-      </p:sp>
-      <p:sp>
-        <p:nvSpPr>
-          <p:cNvPr id="4" name="Text Placeholder 3">
-            <a:extLst>
-              <a:ext uri="{FF2B5EF4-FFF2-40B4-BE49-F238E27FC236}">
-                <a16:creationId xmlns:a16="http://schemas.microsoft.com/office/drawing/2014/main" id="{2D9A8E11-36B3-4313-A45D-D219A6EF0D08}"/>
-              </a:ext>
-            </a:extLst>
-          </p:cNvPr>
-          <p:cNvSpPr>
-            <a:spLocks noGrp="1"/>
-          </p:cNvSpPr>
-          <p:nvPr>
-            <p:ph type="body" idx="2"/>
-          </p:nvPr>
-        </p:nvSpPr>
-        <p:spPr/>
-        <p:txBody>
-          <a:bodyPr/>
-          <a:lstStyle/>
-          <a:p>
-            <a:endParaRPr lang="en-ID"/>
-          </a:p>
-        </p:txBody>
-      </p:sp>
+              <a:rPr lang="en-US" dirty="0"/>
+              <a:t> in the environment variables</a:t>
+            </a:r>
+          </a:p>
+          <a:p>
+            <a:r>
+              <a:rPr lang="en-US" dirty="0"/>
+              <a:t>By creating the jar file, that contains all the class files, and copying the jar file in the </a:t>
+            </a:r>
+            <a:r>
+              <a:rPr lang="en-US" dirty="0" err="1"/>
+              <a:t>jre</a:t>
+            </a:r>
+            <a:r>
+              <a:rPr lang="en-US" dirty="0"/>
+              <a:t>/lib/</a:t>
+            </a:r>
+            <a:r>
+              <a:rPr lang="en-US" dirty="0" err="1"/>
+              <a:t>ext</a:t>
+            </a:r>
+            <a:r>
+              <a:rPr lang="en-US" dirty="0"/>
+              <a:t> folder.</a:t>
+            </a:r>
+            <a:endParaRPr lang="en-ID" dirty="0"/>
+          </a:p>
+        </p:txBody>
+      </p:sp>
+      <p:pic>
+        <p:nvPicPr>
+          <p:cNvPr id="8" name="Picture 7">
+            <a:extLst>
+              <a:ext uri="{FF2B5EF4-FFF2-40B4-BE49-F238E27FC236}">
+                <a16:creationId xmlns:a16="http://schemas.microsoft.com/office/drawing/2014/main" id="{AA7FEB5F-84F7-49DE-8104-96797C4384EE}"/>
+              </a:ext>
+            </a:extLst>
+          </p:cNvPr>
+          <p:cNvPicPr>
+            <a:picLocks noChangeAspect="1"/>
+          </p:cNvPicPr>
+          <p:nvPr/>
+        </p:nvPicPr>
+        <p:blipFill>
+          <a:blip r:embed="rId2"/>
+          <a:stretch>
+            <a:fillRect/>
+          </a:stretch>
+        </p:blipFill>
+        <p:spPr>
+          <a:xfrm>
+            <a:off x="4572000" y="1443567"/>
+            <a:ext cx="3046000" cy="1004176"/>
+          </a:xfrm>
+          <a:prstGeom prst="rect">
+            <a:avLst/>
+          </a:prstGeom>
+        </p:spPr>
+      </p:pic>
       <p:sp>
         <p:nvSpPr>
           <p:cNvPr id="5" name="Slide Number Placeholder 4">
             <a:extLst>
               <a:ext uri="{FF2B5EF4-FFF2-40B4-BE49-F238E27FC236}">
-                <a16:creationId xmlns:a16="http://schemas.microsoft.com/office/drawing/2014/main" id="{BE374354-009F-4D1D-B8C5-0DD95E0B6DF3}"/>
+                <a16:creationId xmlns:a16="http://schemas.microsoft.com/office/drawing/2014/main" id="{552BEBDB-DBA9-402E-982F-75BBD4180D06}"/>
               </a:ext>
             </a:extLst>
           </p:cNvPr>
@@ -16782,7 +16879,7 @@
     </p:spTree>
     <p:extLst>
       <p:ext uri="{BB962C8B-B14F-4D97-AF65-F5344CB8AC3E}">
-        <p14:creationId xmlns:p14="http://schemas.microsoft.com/office/powerpoint/2010/main" val="2590188184"/>
+        <p14:creationId xmlns:p14="http://schemas.microsoft.com/office/powerpoint/2010/main" val="1986216251"/>
       </p:ext>
     </p:extLst>
   </p:cSld>
@@ -16814,7 +16911,7 @@
           <p:cNvPr id="2" name="Title 1">
             <a:extLst>
               <a:ext uri="{FF2B5EF4-FFF2-40B4-BE49-F238E27FC236}">
-                <a16:creationId xmlns:a16="http://schemas.microsoft.com/office/drawing/2014/main" id="{85B87AB1-21ED-404E-891F-721990D30384}"/>
+                <a16:creationId xmlns:a16="http://schemas.microsoft.com/office/drawing/2014/main" id="{9A6C6F5D-F97A-4872-9F98-AF934A2AA38C}"/>
               </a:ext>
             </a:extLst>
           </p:cNvPr>
@@ -16832,7 +16929,7 @@
           <a:p>
             <a:r>
               <a:rPr lang="en-US" dirty="0"/>
-              <a:t>Ways to load the class files or jar files</a:t>
+              <a:t>How to put two public classes in a package?</a:t>
             </a:r>
             <a:endParaRPr lang="en-ID" dirty="0"/>
           </a:p>
@@ -16843,7 +16940,7 @@
           <p:cNvPr id="3" name="Text Placeholder 2">
             <a:extLst>
               <a:ext uri="{FF2B5EF4-FFF2-40B4-BE49-F238E27FC236}">
-                <a16:creationId xmlns:a16="http://schemas.microsoft.com/office/drawing/2014/main" id="{4C6A6D58-CEA2-4D68-B6CD-92430F6F41AE}"/>
+                <a16:creationId xmlns:a16="http://schemas.microsoft.com/office/drawing/2014/main" id="{E172058E-1D8A-4DA1-9705-EBA467F306BC}"/>
               </a:ext>
             </a:extLst>
           </p:cNvPr>
@@ -16859,135 +16956,20 @@
           <a:bodyPr/>
           <a:lstStyle/>
           <a:p>
-            <a:pPr marL="101600" indent="0">
-              <a:buNone/>
-            </a:pPr>
             <a:r>
               <a:rPr lang="en-US" dirty="0"/>
-              <a:t>There are two ways to load the class files temporary and permanent.</a:t>
-            </a:r>
-          </a:p>
-          <a:p>
-            <a:pPr marL="101600" indent="0">
-              <a:buNone/>
-            </a:pPr>
-            <a:r>
-              <a:rPr lang="en-US" b="1" dirty="0"/>
-              <a:t>Temporary</a:t>
-            </a:r>
-          </a:p>
-          <a:p>
-            <a:r>
-              <a:rPr lang="en-US" dirty="0"/>
-              <a:t>By setting the </a:t>
-            </a:r>
-            <a:r>
-              <a:rPr lang="en-US" dirty="0" err="1"/>
-              <a:t>classpath</a:t>
-            </a:r>
-            <a:r>
-              <a:rPr lang="en-US" dirty="0"/>
-              <a:t> in the command prompt</a:t>
-            </a:r>
-          </a:p>
-          <a:p>
-            <a:r>
-              <a:rPr lang="en-US" dirty="0"/>
-              <a:t>By -</a:t>
-            </a:r>
-            <a:r>
-              <a:rPr lang="en-US" dirty="0" err="1"/>
-              <a:t>classpath</a:t>
-            </a:r>
-            <a:r>
-              <a:rPr lang="en-US" dirty="0"/>
-              <a:t> switch</a:t>
-            </a:r>
-          </a:p>
-          <a:p>
-            <a:pPr marL="101600" indent="0">
-              <a:buNone/>
-            </a:pPr>
-            <a:r>
-              <a:rPr lang="en-US" b="1" dirty="0"/>
-              <a:t>Permanent</a:t>
-            </a:r>
-          </a:p>
-          <a:p>
-            <a:r>
-              <a:rPr lang="en-US" dirty="0"/>
-              <a:t>By setting the </a:t>
-            </a:r>
-            <a:r>
-              <a:rPr lang="en-US" dirty="0" err="1"/>
-              <a:t>classpath</a:t>
-            </a:r>
-            <a:r>
-              <a:rPr lang="en-US" dirty="0"/>
-              <a:t> in the environment variables</a:t>
-            </a:r>
-          </a:p>
-          <a:p>
-            <a:r>
-              <a:rPr lang="en-US" dirty="0"/>
-              <a:t>By creating the jar file, that contains all the class files, and copying the jar file in the </a:t>
-            </a:r>
-            <a:r>
-              <a:rPr lang="en-US" dirty="0" err="1"/>
-              <a:t>jre</a:t>
-            </a:r>
-            <a:r>
-              <a:rPr lang="en-US" dirty="0"/>
-              <a:t>/lib/</a:t>
-            </a:r>
-            <a:r>
-              <a:rPr lang="en-US" dirty="0" err="1"/>
-              <a:t>ext</a:t>
-            </a:r>
-            <a:r>
-              <a:rPr lang="en-US" dirty="0"/>
-              <a:t> folder.</a:t>
+              <a:t>If you want to put two public classes in a package, have two java source files containing one public class, but keep the package name same. For example:</a:t>
             </a:r>
             <a:endParaRPr lang="en-ID" dirty="0"/>
           </a:p>
         </p:txBody>
       </p:sp>
-      <p:pic>
-        <p:nvPicPr>
-          <p:cNvPr id="8" name="Picture 7">
-            <a:extLst>
-              <a:ext uri="{FF2B5EF4-FFF2-40B4-BE49-F238E27FC236}">
-                <a16:creationId xmlns:a16="http://schemas.microsoft.com/office/drawing/2014/main" id="{AA7FEB5F-84F7-49DE-8104-96797C4384EE}"/>
-              </a:ext>
-            </a:extLst>
-          </p:cNvPr>
-          <p:cNvPicPr>
-            <a:picLocks noChangeAspect="1"/>
-          </p:cNvPicPr>
-          <p:nvPr/>
-        </p:nvPicPr>
-        <p:blipFill>
-          <a:blip r:embed="rId2"/>
-          <a:stretch>
-            <a:fillRect/>
-          </a:stretch>
-        </p:blipFill>
-        <p:spPr>
-          <a:xfrm>
-            <a:off x="4572000" y="1443567"/>
-            <a:ext cx="3046000" cy="1004176"/>
-          </a:xfrm>
-          <a:prstGeom prst="rect">
-            <a:avLst/>
-          </a:prstGeom>
-        </p:spPr>
-      </p:pic>
       <p:sp>
         <p:nvSpPr>
           <p:cNvPr id="5" name="Slide Number Placeholder 4">
             <a:extLst>
               <a:ext uri="{FF2B5EF4-FFF2-40B4-BE49-F238E27FC236}">
-                <a16:creationId xmlns:a16="http://schemas.microsoft.com/office/drawing/2014/main" id="{552BEBDB-DBA9-402E-982F-75BBD4180D06}"/>
+                <a16:creationId xmlns:a16="http://schemas.microsoft.com/office/drawing/2014/main" id="{99A6D837-A5A0-40DA-AE18-D4ECB1B0BC83}"/>
               </a:ext>
             </a:extLst>
           </p:cNvPr>
@@ -17015,132 +16997,6 @@
             <a:fld id="{00000000-1234-1234-1234-123412341234}" type="slidenum">
               <a:rPr lang="en" smtClean="0"/>
               <a:t>53</a:t>
-            </a:fld>
-            <a:endParaRPr lang="en"/>
-          </a:p>
-        </p:txBody>
-      </p:sp>
-    </p:spTree>
-    <p:extLst>
-      <p:ext uri="{BB962C8B-B14F-4D97-AF65-F5344CB8AC3E}">
-        <p14:creationId xmlns:p14="http://schemas.microsoft.com/office/powerpoint/2010/main" val="1986216251"/>
-      </p:ext>
-    </p:extLst>
-  </p:cSld>
-  <p:clrMapOvr>
-    <a:masterClrMapping/>
-  </p:clrMapOvr>
-</p:sld>
-</file>
-
-<file path=ppt/slides/slide54.xml><?xml version="1.0" encoding="utf-8"?>
-<p:sld xmlns:a="http://schemas.openxmlformats.org/drawingml/2006/main" xmlns:r="http://schemas.openxmlformats.org/officeDocument/2006/relationships" xmlns:p="http://schemas.openxmlformats.org/presentationml/2006/main">
-  <p:cSld>
-    <p:spTree>
-      <p:nvGrpSpPr>
-        <p:cNvPr id="1" name=""/>
-        <p:cNvGrpSpPr/>
-        <p:nvPr/>
-      </p:nvGrpSpPr>
-      <p:grpSpPr>
-        <a:xfrm>
-          <a:off x="0" y="0"/>
-          <a:ext cx="0" cy="0"/>
-          <a:chOff x="0" y="0"/>
-          <a:chExt cx="0" cy="0"/>
-        </a:xfrm>
-      </p:grpSpPr>
-      <p:sp>
-        <p:nvSpPr>
-          <p:cNvPr id="2" name="Title 1">
-            <a:extLst>
-              <a:ext uri="{FF2B5EF4-FFF2-40B4-BE49-F238E27FC236}">
-                <a16:creationId xmlns:a16="http://schemas.microsoft.com/office/drawing/2014/main" id="{9A6C6F5D-F97A-4872-9F98-AF934A2AA38C}"/>
-              </a:ext>
-            </a:extLst>
-          </p:cNvPr>
-          <p:cNvSpPr>
-            <a:spLocks noGrp="1"/>
-          </p:cNvSpPr>
-          <p:nvPr>
-            <p:ph type="title"/>
-          </p:nvPr>
-        </p:nvSpPr>
-        <p:spPr/>
-        <p:txBody>
-          <a:bodyPr/>
-          <a:lstStyle/>
-          <a:p>
-            <a:r>
-              <a:rPr lang="en-US" dirty="0"/>
-              <a:t>How to put two public classes in a package?</a:t>
-            </a:r>
-            <a:endParaRPr lang="en-ID" dirty="0"/>
-          </a:p>
-        </p:txBody>
-      </p:sp>
-      <p:sp>
-        <p:nvSpPr>
-          <p:cNvPr id="3" name="Text Placeholder 2">
-            <a:extLst>
-              <a:ext uri="{FF2B5EF4-FFF2-40B4-BE49-F238E27FC236}">
-                <a16:creationId xmlns:a16="http://schemas.microsoft.com/office/drawing/2014/main" id="{E172058E-1D8A-4DA1-9705-EBA467F306BC}"/>
-              </a:ext>
-            </a:extLst>
-          </p:cNvPr>
-          <p:cNvSpPr>
-            <a:spLocks noGrp="1"/>
-          </p:cNvSpPr>
-          <p:nvPr>
-            <p:ph type="body" idx="1"/>
-          </p:nvPr>
-        </p:nvSpPr>
-        <p:spPr/>
-        <p:txBody>
-          <a:bodyPr/>
-          <a:lstStyle/>
-          <a:p>
-            <a:r>
-              <a:rPr lang="en-US" dirty="0"/>
-              <a:t>If you want to put two public classes in a package, have two java source files containing one public class, but keep the package name same. For example:</a:t>
-            </a:r>
-            <a:endParaRPr lang="en-ID" dirty="0"/>
-          </a:p>
-        </p:txBody>
-      </p:sp>
-      <p:sp>
-        <p:nvSpPr>
-          <p:cNvPr id="5" name="Slide Number Placeholder 4">
-            <a:extLst>
-              <a:ext uri="{FF2B5EF4-FFF2-40B4-BE49-F238E27FC236}">
-                <a16:creationId xmlns:a16="http://schemas.microsoft.com/office/drawing/2014/main" id="{99A6D837-A5A0-40DA-AE18-D4ECB1B0BC83}"/>
-              </a:ext>
-            </a:extLst>
-          </p:cNvPr>
-          <p:cNvSpPr>
-            <a:spLocks noGrp="1"/>
-          </p:cNvSpPr>
-          <p:nvPr>
-            <p:ph type="sldNum" idx="12"/>
-          </p:nvPr>
-        </p:nvSpPr>
-        <p:spPr/>
-        <p:txBody>
-          <a:bodyPr/>
-          <a:lstStyle/>
-          <a:p>
-            <a:pPr marL="0" lvl="0" indent="0" algn="r" rtl="0">
-              <a:spcBef>
-                <a:spcPts val="0"/>
-              </a:spcBef>
-              <a:spcAft>
-                <a:spcPts val="0"/>
-              </a:spcAft>
-              <a:buNone/>
-            </a:pPr>
-            <a:fld id="{00000000-1234-1234-1234-123412341234}" type="slidenum">
-              <a:rPr lang="en" smtClean="0"/>
-              <a:t>54</a:t>
             </a:fld>
             <a:endParaRPr lang="en"/>
           </a:p>
@@ -17219,6 +17075,196 @@
 </p:sld>
 </file>
 
+<file path=ppt/slides/slide54.xml><?xml version="1.0" encoding="utf-8"?>
+<p:sld xmlns:a="http://schemas.openxmlformats.org/drawingml/2006/main" xmlns:r="http://schemas.openxmlformats.org/officeDocument/2006/relationships" xmlns:p="http://schemas.openxmlformats.org/presentationml/2006/main">
+  <p:cSld>
+    <p:spTree>
+      <p:nvGrpSpPr>
+        <p:cNvPr id="1" name=""/>
+        <p:cNvGrpSpPr/>
+        <p:nvPr/>
+      </p:nvGrpSpPr>
+      <p:grpSpPr>
+        <a:xfrm>
+          <a:off x="0" y="0"/>
+          <a:ext cx="0" cy="0"/>
+          <a:chOff x="0" y="0"/>
+          <a:chExt cx="0" cy="0"/>
+        </a:xfrm>
+      </p:grpSpPr>
+      <p:sp>
+        <p:nvSpPr>
+          <p:cNvPr id="2" name="Title 1">
+            <a:extLst>
+              <a:ext uri="{FF2B5EF4-FFF2-40B4-BE49-F238E27FC236}">
+                <a16:creationId xmlns:a16="http://schemas.microsoft.com/office/drawing/2014/main" id="{E1C4B97A-B25F-41FC-AB69-42B4BFB8A996}"/>
+              </a:ext>
+            </a:extLst>
+          </p:cNvPr>
+          <p:cNvSpPr>
+            <a:spLocks noGrp="1"/>
+          </p:cNvSpPr>
+          <p:nvPr>
+            <p:ph type="ctrTitle"/>
+          </p:nvPr>
+        </p:nvSpPr>
+        <p:spPr/>
+        <p:txBody>
+          <a:bodyPr/>
+          <a:lstStyle/>
+          <a:p>
+            <a:r>
+              <a:rPr lang="en-US" dirty="0"/>
+              <a:t>Day 07</a:t>
+            </a:r>
+            <a:endParaRPr lang="en-ID" dirty="0"/>
+          </a:p>
+        </p:txBody>
+      </p:sp>
+      <p:sp>
+        <p:nvSpPr>
+          <p:cNvPr id="3" name="Subtitle 2">
+            <a:extLst>
+              <a:ext uri="{FF2B5EF4-FFF2-40B4-BE49-F238E27FC236}">
+                <a16:creationId xmlns:a16="http://schemas.microsoft.com/office/drawing/2014/main" id="{B2DE4C9C-75AD-4D02-B515-6766EA1A235B}"/>
+              </a:ext>
+            </a:extLst>
+          </p:cNvPr>
+          <p:cNvSpPr>
+            <a:spLocks noGrp="1"/>
+          </p:cNvSpPr>
+          <p:nvPr>
+            <p:ph type="subTitle" idx="1"/>
+          </p:nvPr>
+        </p:nvSpPr>
+        <p:spPr/>
+        <p:txBody>
+          <a:bodyPr/>
+          <a:lstStyle/>
+          <a:p>
+            <a:r>
+              <a:rPr lang="en-US" dirty="0"/>
+              <a:t>Access Modifier</a:t>
+            </a:r>
+            <a:endParaRPr lang="en-ID" dirty="0"/>
+          </a:p>
+        </p:txBody>
+      </p:sp>
+      <p:sp>
+        <p:nvSpPr>
+          <p:cNvPr id="4" name="Slide Number Placeholder 3">
+            <a:extLst>
+              <a:ext uri="{FF2B5EF4-FFF2-40B4-BE49-F238E27FC236}">
+                <a16:creationId xmlns:a16="http://schemas.microsoft.com/office/drawing/2014/main" id="{916DB1F4-E56E-40F8-BE83-A77BD1B29ED2}"/>
+              </a:ext>
+            </a:extLst>
+          </p:cNvPr>
+          <p:cNvSpPr>
+            <a:spLocks noGrp="1"/>
+          </p:cNvSpPr>
+          <p:nvPr>
+            <p:ph type="sldNum" idx="12"/>
+          </p:nvPr>
+        </p:nvSpPr>
+        <p:spPr/>
+        <p:txBody>
+          <a:bodyPr/>
+          <a:lstStyle/>
+          <a:p>
+            <a:pPr marL="0" lvl="0" indent="0" algn="r" rtl="0">
+              <a:spcBef>
+                <a:spcPts val="0"/>
+              </a:spcBef>
+              <a:spcAft>
+                <a:spcPts val="0"/>
+              </a:spcAft>
+              <a:buNone/>
+            </a:pPr>
+            <a:fld id="{00000000-1234-1234-1234-123412341234}" type="slidenum">
+              <a:rPr lang="en" smtClean="0"/>
+              <a:t>54</a:t>
+            </a:fld>
+            <a:endParaRPr lang="en"/>
+          </a:p>
+        </p:txBody>
+      </p:sp>
+      <p:sp>
+        <p:nvSpPr>
+          <p:cNvPr id="5" name="Google Shape;224;p14">
+            <a:extLst>
+              <a:ext uri="{FF2B5EF4-FFF2-40B4-BE49-F238E27FC236}">
+                <a16:creationId xmlns:a16="http://schemas.microsoft.com/office/drawing/2014/main" id="{5FDF6675-7522-494F-BFC9-DCE4FBB03259}"/>
+              </a:ext>
+            </a:extLst>
+          </p:cNvPr>
+          <p:cNvSpPr txBox="1"/>
+          <p:nvPr/>
+        </p:nvSpPr>
+        <p:spPr>
+          <a:xfrm>
+            <a:off x="463525" y="0"/>
+            <a:ext cx="2181600" cy="3136200"/>
+          </a:xfrm>
+          <a:prstGeom prst="rect">
+            <a:avLst/>
+          </a:prstGeom>
+          <a:noFill/>
+          <a:ln>
+            <a:noFill/>
+          </a:ln>
+        </p:spPr>
+        <p:txBody>
+          <a:bodyPr spcFirstLastPara="1" wrap="square" lIns="91425" tIns="91425" rIns="91425" bIns="91425" anchor="b" anchorCtr="0">
+            <a:noAutofit/>
+          </a:bodyPr>
+          <a:lstStyle/>
+          <a:p>
+            <a:pPr marL="0" lvl="0" indent="0" algn="l" rtl="0">
+              <a:spcBef>
+                <a:spcPts val="0"/>
+              </a:spcBef>
+              <a:spcAft>
+                <a:spcPts val="0"/>
+              </a:spcAft>
+              <a:buNone/>
+            </a:pPr>
+            <a:r>
+              <a:rPr lang="en" sz="12000" b="1" dirty="0">
+                <a:solidFill>
+                  <a:srgbClr val="3F5378"/>
+                </a:solidFill>
+                <a:latin typeface="Roboto Condensed"/>
+                <a:ea typeface="Roboto Condensed"/>
+                <a:cs typeface="Roboto Condensed"/>
+                <a:sym typeface="Roboto Condensed"/>
+              </a:rPr>
+              <a:t>7</a:t>
+            </a:r>
+            <a:endParaRPr sz="3000" b="1" dirty="0">
+              <a:solidFill>
+                <a:srgbClr val="3F5378"/>
+              </a:solidFill>
+              <a:latin typeface="Roboto Condensed"/>
+              <a:ea typeface="Roboto Condensed"/>
+              <a:cs typeface="Roboto Condensed"/>
+              <a:sym typeface="Roboto Condensed"/>
+            </a:endParaRPr>
+          </a:p>
+        </p:txBody>
+      </p:sp>
+    </p:spTree>
+    <p:extLst>
+      <p:ext uri="{BB962C8B-B14F-4D97-AF65-F5344CB8AC3E}">
+        <p14:creationId xmlns:p14="http://schemas.microsoft.com/office/powerpoint/2010/main" val="4144401614"/>
+      </p:ext>
+    </p:extLst>
+  </p:cSld>
+  <p:clrMapOvr>
+    <a:masterClrMapping/>
+  </p:clrMapOvr>
+</p:sld>
+</file>
+
 <file path=ppt/slides/slide55.xml><?xml version="1.0" encoding="utf-8"?>
 <p:sld xmlns:a="http://schemas.openxmlformats.org/drawingml/2006/main" xmlns:r="http://schemas.openxmlformats.org/officeDocument/2006/relationships" xmlns:p="http://schemas.openxmlformats.org/presentationml/2006/main">
   <p:cSld>
@@ -17238,10 +17284,10 @@
       </p:grpSpPr>
       <p:sp>
         <p:nvSpPr>
-          <p:cNvPr id="2" name="Title 1">
-            <a:extLst>
-              <a:ext uri="{FF2B5EF4-FFF2-40B4-BE49-F238E27FC236}">
-                <a16:creationId xmlns:a16="http://schemas.microsoft.com/office/drawing/2014/main" id="{E1C4B97A-B25F-41FC-AB69-42B4BFB8A996}"/>
+          <p:cNvPr id="5" name="Title 4">
+            <a:extLst>
+              <a:ext uri="{FF2B5EF4-FFF2-40B4-BE49-F238E27FC236}">
+                <a16:creationId xmlns:a16="http://schemas.microsoft.com/office/drawing/2014/main" id="{B33069AA-6097-49DB-B2CE-5048DE7C8F4C}"/>
               </a:ext>
             </a:extLst>
           </p:cNvPr>
@@ -17249,7 +17295,7 @@
             <a:spLocks noGrp="1"/>
           </p:cNvSpPr>
           <p:nvPr>
-            <p:ph type="ctrTitle"/>
+            <p:ph type="title"/>
           </p:nvPr>
         </p:nvSpPr>
         <p:spPr/>
@@ -17258,19 +17304,18 @@
           <a:lstStyle/>
           <a:p>
             <a:r>
-              <a:rPr lang="en-US" dirty="0"/>
-              <a:t>Day 07</a:t>
-            </a:r>
-            <a:endParaRPr lang="en-ID" dirty="0"/>
-          </a:p>
-        </p:txBody>
-      </p:sp>
-      <p:sp>
-        <p:nvSpPr>
-          <p:cNvPr id="3" name="Subtitle 2">
-            <a:extLst>
-              <a:ext uri="{FF2B5EF4-FFF2-40B4-BE49-F238E27FC236}">
-                <a16:creationId xmlns:a16="http://schemas.microsoft.com/office/drawing/2014/main" id="{B2DE4C9C-75AD-4D02-B515-6766EA1A235B}"/>
+              <a:rPr lang="en-ID" dirty="0"/>
+              <a:t>Access Modifiers in java</a:t>
+            </a:r>
+          </a:p>
+        </p:txBody>
+      </p:sp>
+      <p:sp>
+        <p:nvSpPr>
+          <p:cNvPr id="6" name="Text Placeholder 5">
+            <a:extLst>
+              <a:ext uri="{FF2B5EF4-FFF2-40B4-BE49-F238E27FC236}">
+                <a16:creationId xmlns:a16="http://schemas.microsoft.com/office/drawing/2014/main" id="{01D04F7F-6103-4845-B670-55D159614EE9}"/>
               </a:ext>
             </a:extLst>
           </p:cNvPr>
@@ -17278,7 +17323,7 @@
             <a:spLocks noGrp="1"/>
           </p:cNvSpPr>
           <p:nvPr>
-            <p:ph type="subTitle" idx="1"/>
+            <p:ph type="body" idx="1"/>
           </p:nvPr>
         </p:nvSpPr>
         <p:spPr/>
@@ -17288,7 +17333,55 @@
           <a:p>
             <a:r>
               <a:rPr lang="en-US" dirty="0"/>
-              <a:t>Access Modifier</a:t>
+              <a:t>There are two types of modifiers in java: access modifiers and non-access modifiers.</a:t>
+            </a:r>
+          </a:p>
+          <a:p>
+            <a:r>
+              <a:rPr lang="en-US" dirty="0"/>
+              <a:t>The access modifiers in java specifies accessibility (scope) of a data member, method, constructor or class.</a:t>
+            </a:r>
+          </a:p>
+          <a:p>
+            <a:pPr marL="76200" indent="0">
+              <a:buNone/>
+            </a:pPr>
+            <a:r>
+              <a:rPr lang="en-US" b="1" i="1" dirty="0"/>
+              <a:t>There are 4 types of java access modifiers:</a:t>
+            </a:r>
+          </a:p>
+          <a:p>
+            <a:r>
+              <a:rPr lang="en-US" dirty="0"/>
+              <a:t>private</a:t>
+            </a:r>
+          </a:p>
+          <a:p>
+            <a:r>
+              <a:rPr lang="en-US" dirty="0"/>
+              <a:t>default</a:t>
+            </a:r>
+          </a:p>
+          <a:p>
+            <a:r>
+              <a:rPr lang="en-US" dirty="0"/>
+              <a:t>protected</a:t>
+            </a:r>
+          </a:p>
+          <a:p>
+            <a:r>
+              <a:rPr lang="en-US" dirty="0"/>
+              <a:t>public</a:t>
+            </a:r>
+          </a:p>
+          <a:p>
+            <a:pPr marL="76200" indent="0">
+              <a:buNone/>
+            </a:pPr>
+            <a:r>
+              <a:rPr lang="en-US" dirty="0"/>
+              <a:t>There are many non-access modifiers such as static, abstract, synchronized, native, volatile, transient etc. Here, we will learn access modifiers.</a:t>
             </a:r>
             <a:endParaRPr lang="en-ID" dirty="0"/>
           </a:p>
@@ -17299,7 +17392,7 @@
           <p:cNvPr id="4" name="Slide Number Placeholder 3">
             <a:extLst>
               <a:ext uri="{FF2B5EF4-FFF2-40B4-BE49-F238E27FC236}">
-                <a16:creationId xmlns:a16="http://schemas.microsoft.com/office/drawing/2014/main" id="{916DB1F4-E56E-40F8-BE83-A77BD1B29ED2}"/>
+                <a16:creationId xmlns:a16="http://schemas.microsoft.com/office/drawing/2014/main" id="{C376A169-293C-41F3-83EA-CDA185228645}"/>
               </a:ext>
             </a:extLst>
           </p:cNvPr>
@@ -17332,74 +17425,10 @@
           </a:p>
         </p:txBody>
       </p:sp>
-      <p:sp>
-        <p:nvSpPr>
-          <p:cNvPr id="5" name="Google Shape;224;p14">
-            <a:extLst>
-              <a:ext uri="{FF2B5EF4-FFF2-40B4-BE49-F238E27FC236}">
-                <a16:creationId xmlns:a16="http://schemas.microsoft.com/office/drawing/2014/main" id="{5FDF6675-7522-494F-BFC9-DCE4FBB03259}"/>
-              </a:ext>
-            </a:extLst>
-          </p:cNvPr>
-          <p:cNvSpPr txBox="1"/>
-          <p:nvPr/>
-        </p:nvSpPr>
-        <p:spPr>
-          <a:xfrm>
-            <a:off x="463525" y="0"/>
-            <a:ext cx="2181600" cy="3136200"/>
-          </a:xfrm>
-          <a:prstGeom prst="rect">
-            <a:avLst/>
-          </a:prstGeom>
-          <a:noFill/>
-          <a:ln>
-            <a:noFill/>
-          </a:ln>
-        </p:spPr>
-        <p:txBody>
-          <a:bodyPr spcFirstLastPara="1" wrap="square" lIns="91425" tIns="91425" rIns="91425" bIns="91425" anchor="b" anchorCtr="0">
-            <a:noAutofit/>
-          </a:bodyPr>
-          <a:lstStyle/>
-          <a:p>
-            <a:pPr marL="0" lvl="0" indent="0" algn="l" rtl="0">
-              <a:spcBef>
-                <a:spcPts val="0"/>
-              </a:spcBef>
-              <a:spcAft>
-                <a:spcPts val="0"/>
-              </a:spcAft>
-              <a:buNone/>
-            </a:pPr>
-            <a:r>
-              <a:rPr lang="en" sz="12000" b="1" dirty="0">
-                <a:solidFill>
-                  <a:srgbClr val="3F5378"/>
-                </a:solidFill>
-                <a:latin typeface="Roboto Condensed"/>
-                <a:ea typeface="Roboto Condensed"/>
-                <a:cs typeface="Roboto Condensed"/>
-                <a:sym typeface="Roboto Condensed"/>
-              </a:rPr>
-              <a:t>7</a:t>
-            </a:r>
-            <a:endParaRPr sz="3000" b="1" dirty="0">
-              <a:solidFill>
-                <a:srgbClr val="3F5378"/>
-              </a:solidFill>
-              <a:latin typeface="Roboto Condensed"/>
-              <a:ea typeface="Roboto Condensed"/>
-              <a:cs typeface="Roboto Condensed"/>
-              <a:sym typeface="Roboto Condensed"/>
-            </a:endParaRPr>
-          </a:p>
-        </p:txBody>
-      </p:sp>
     </p:spTree>
     <p:extLst>
       <p:ext uri="{BB962C8B-B14F-4D97-AF65-F5344CB8AC3E}">
-        <p14:creationId xmlns:p14="http://schemas.microsoft.com/office/powerpoint/2010/main" val="4144401614"/>
+        <p14:creationId xmlns:p14="http://schemas.microsoft.com/office/powerpoint/2010/main" val="3237872747"/>
       </p:ext>
     </p:extLst>
   </p:cSld>
@@ -17431,7 +17460,7 @@
           <p:cNvPr id="5" name="Title 4">
             <a:extLst>
               <a:ext uri="{FF2B5EF4-FFF2-40B4-BE49-F238E27FC236}">
-                <a16:creationId xmlns:a16="http://schemas.microsoft.com/office/drawing/2014/main" id="{B33069AA-6097-49DB-B2CE-5048DE7C8F4C}"/>
+                <a16:creationId xmlns:a16="http://schemas.microsoft.com/office/drawing/2014/main" id="{9DC51188-9153-4894-BBFA-E9A466A8DFFC}"/>
               </a:ext>
             </a:extLst>
           </p:cNvPr>
@@ -17448,9 +17477,10 @@
           <a:lstStyle/>
           <a:p>
             <a:r>
-              <a:rPr lang="en-ID" dirty="0"/>
-              <a:t>Access Modifiers in java</a:t>
-            </a:r>
+              <a:rPr lang="en-US" dirty="0"/>
+              <a:t>1) private access modifier</a:t>
+            </a:r>
+            <a:endParaRPr lang="en-ID" dirty="0"/>
           </a:p>
         </p:txBody>
       </p:sp>
@@ -17459,7 +17489,7 @@
           <p:cNvPr id="6" name="Text Placeholder 5">
             <a:extLst>
               <a:ext uri="{FF2B5EF4-FFF2-40B4-BE49-F238E27FC236}">
-                <a16:creationId xmlns:a16="http://schemas.microsoft.com/office/drawing/2014/main" id="{01D04F7F-6103-4845-B670-55D159614EE9}"/>
+                <a16:creationId xmlns:a16="http://schemas.microsoft.com/office/drawing/2014/main" id="{6B17FA31-C9D1-45A0-A344-FB11C4CBB596}"/>
               </a:ext>
             </a:extLst>
           </p:cNvPr>
@@ -17477,55 +17507,22 @@
           <a:p>
             <a:r>
               <a:rPr lang="en-US" dirty="0"/>
-              <a:t>There are two types of modifiers in java: access modifiers and non-access modifiers.</a:t>
-            </a:r>
-          </a:p>
-          <a:p>
+              <a:t>The private access modifier is accessible only within class.</a:t>
+            </a:r>
+          </a:p>
+          <a:p>
+            <a:pPr marL="101600" indent="0">
+              <a:buNone/>
+            </a:pPr>
             <a:r>
               <a:rPr lang="en-US" dirty="0"/>
-              <a:t>The access modifiers in java specifies accessibility (scope) of a data member, method, constructor or class.</a:t>
-            </a:r>
-          </a:p>
-          <a:p>
-            <a:pPr marL="76200" indent="0">
-              <a:buNone/>
-            </a:pPr>
-            <a:r>
-              <a:rPr lang="en-US" b="1" i="1" dirty="0"/>
-              <a:t>There are 4 types of java access modifiers:</a:t>
+              <a:t>Simple example of private access modifier</a:t>
             </a:r>
           </a:p>
           <a:p>
             <a:r>
               <a:rPr lang="en-US" dirty="0"/>
-              <a:t>private</a:t>
-            </a:r>
-          </a:p>
-          <a:p>
-            <a:r>
-              <a:rPr lang="en-US" dirty="0"/>
-              <a:t>default</a:t>
-            </a:r>
-          </a:p>
-          <a:p>
-            <a:r>
-              <a:rPr lang="en-US" dirty="0"/>
-              <a:t>protected</a:t>
-            </a:r>
-          </a:p>
-          <a:p>
-            <a:r>
-              <a:rPr lang="en-US" dirty="0"/>
-              <a:t>public</a:t>
-            </a:r>
-          </a:p>
-          <a:p>
-            <a:pPr marL="76200" indent="0">
-              <a:buNone/>
-            </a:pPr>
-            <a:r>
-              <a:rPr lang="en-US" dirty="0"/>
-              <a:t>There are many non-access modifiers such as static, abstract, synchronized, native, volatile, transient etc. Here, we will learn access modifiers.</a:t>
+              <a:t>In this example, we have created two classes A and Simple. A class contains private data member and private method. We are accessing these private members from outside the class, so there is compile time error.</a:t>
             </a:r>
             <a:endParaRPr lang="en-ID" dirty="0"/>
           </a:p>
@@ -17536,7 +17533,7 @@
           <p:cNvPr id="4" name="Slide Number Placeholder 3">
             <a:extLst>
               <a:ext uri="{FF2B5EF4-FFF2-40B4-BE49-F238E27FC236}">
-                <a16:creationId xmlns:a16="http://schemas.microsoft.com/office/drawing/2014/main" id="{C376A169-293C-41F3-83EA-CDA185228645}"/>
+                <a16:creationId xmlns:a16="http://schemas.microsoft.com/office/drawing/2014/main" id="{A3F9D319-C3DB-4957-B800-87BDC219858B}"/>
               </a:ext>
             </a:extLst>
           </p:cNvPr>
@@ -17564,147 +17561,6 @@
             <a:fld id="{00000000-1234-1234-1234-123412341234}" type="slidenum">
               <a:rPr lang="en" smtClean="0"/>
               <a:t>56</a:t>
-            </a:fld>
-            <a:endParaRPr lang="en"/>
-          </a:p>
-        </p:txBody>
-      </p:sp>
-    </p:spTree>
-    <p:extLst>
-      <p:ext uri="{BB962C8B-B14F-4D97-AF65-F5344CB8AC3E}">
-        <p14:creationId xmlns:p14="http://schemas.microsoft.com/office/powerpoint/2010/main" val="3237872747"/>
-      </p:ext>
-    </p:extLst>
-  </p:cSld>
-  <p:clrMapOvr>
-    <a:masterClrMapping/>
-  </p:clrMapOvr>
-</p:sld>
-</file>
-
-<file path=ppt/slides/slide57.xml><?xml version="1.0" encoding="utf-8"?>
-<p:sld xmlns:a="http://schemas.openxmlformats.org/drawingml/2006/main" xmlns:r="http://schemas.openxmlformats.org/officeDocument/2006/relationships" xmlns:p="http://schemas.openxmlformats.org/presentationml/2006/main">
-  <p:cSld>
-    <p:spTree>
-      <p:nvGrpSpPr>
-        <p:cNvPr id="1" name=""/>
-        <p:cNvGrpSpPr/>
-        <p:nvPr/>
-      </p:nvGrpSpPr>
-      <p:grpSpPr>
-        <a:xfrm>
-          <a:off x="0" y="0"/>
-          <a:ext cx="0" cy="0"/>
-          <a:chOff x="0" y="0"/>
-          <a:chExt cx="0" cy="0"/>
-        </a:xfrm>
-      </p:grpSpPr>
-      <p:sp>
-        <p:nvSpPr>
-          <p:cNvPr id="5" name="Title 4">
-            <a:extLst>
-              <a:ext uri="{FF2B5EF4-FFF2-40B4-BE49-F238E27FC236}">
-                <a16:creationId xmlns:a16="http://schemas.microsoft.com/office/drawing/2014/main" id="{9DC51188-9153-4894-BBFA-E9A466A8DFFC}"/>
-              </a:ext>
-            </a:extLst>
-          </p:cNvPr>
-          <p:cNvSpPr>
-            <a:spLocks noGrp="1"/>
-          </p:cNvSpPr>
-          <p:nvPr>
-            <p:ph type="title"/>
-          </p:nvPr>
-        </p:nvSpPr>
-        <p:spPr/>
-        <p:txBody>
-          <a:bodyPr/>
-          <a:lstStyle/>
-          <a:p>
-            <a:r>
-              <a:rPr lang="en-US" dirty="0"/>
-              <a:t>1) private access modifier</a:t>
-            </a:r>
-            <a:endParaRPr lang="en-ID" dirty="0"/>
-          </a:p>
-        </p:txBody>
-      </p:sp>
-      <p:sp>
-        <p:nvSpPr>
-          <p:cNvPr id="6" name="Text Placeholder 5">
-            <a:extLst>
-              <a:ext uri="{FF2B5EF4-FFF2-40B4-BE49-F238E27FC236}">
-                <a16:creationId xmlns:a16="http://schemas.microsoft.com/office/drawing/2014/main" id="{6B17FA31-C9D1-45A0-A344-FB11C4CBB596}"/>
-              </a:ext>
-            </a:extLst>
-          </p:cNvPr>
-          <p:cNvSpPr>
-            <a:spLocks noGrp="1"/>
-          </p:cNvSpPr>
-          <p:nvPr>
-            <p:ph type="body" idx="1"/>
-          </p:nvPr>
-        </p:nvSpPr>
-        <p:spPr/>
-        <p:txBody>
-          <a:bodyPr/>
-          <a:lstStyle/>
-          <a:p>
-            <a:r>
-              <a:rPr lang="en-US" dirty="0"/>
-              <a:t>The private access modifier is accessible only within class.</a:t>
-            </a:r>
-          </a:p>
-          <a:p>
-            <a:pPr marL="101600" indent="0">
-              <a:buNone/>
-            </a:pPr>
-            <a:r>
-              <a:rPr lang="en-US" dirty="0"/>
-              <a:t>Simple example of private access modifier</a:t>
-            </a:r>
-          </a:p>
-          <a:p>
-            <a:r>
-              <a:rPr lang="en-US" dirty="0"/>
-              <a:t>In this example, we have created two classes A and Simple. A class contains private data member and private method. We are accessing these private members from outside the class, so there is compile time error.</a:t>
-            </a:r>
-            <a:endParaRPr lang="en-ID" dirty="0"/>
-          </a:p>
-        </p:txBody>
-      </p:sp>
-      <p:sp>
-        <p:nvSpPr>
-          <p:cNvPr id="4" name="Slide Number Placeholder 3">
-            <a:extLst>
-              <a:ext uri="{FF2B5EF4-FFF2-40B4-BE49-F238E27FC236}">
-                <a16:creationId xmlns:a16="http://schemas.microsoft.com/office/drawing/2014/main" id="{A3F9D319-C3DB-4957-B800-87BDC219858B}"/>
-              </a:ext>
-            </a:extLst>
-          </p:cNvPr>
-          <p:cNvSpPr>
-            <a:spLocks noGrp="1"/>
-          </p:cNvSpPr>
-          <p:nvPr>
-            <p:ph type="sldNum" idx="12"/>
-          </p:nvPr>
-        </p:nvSpPr>
-        <p:spPr/>
-        <p:txBody>
-          <a:bodyPr/>
-          <a:lstStyle/>
-          <a:p>
-            <a:pPr marL="0" lvl="0" indent="0" algn="r" rtl="0">
-              <a:spcBef>
-                <a:spcPts val="0"/>
-              </a:spcBef>
-              <a:spcAft>
-                <a:spcPts val="0"/>
-              </a:spcAft>
-              <a:buNone/>
-            </a:pPr>
-            <a:fld id="{00000000-1234-1234-1234-123412341234}" type="slidenum">
-              <a:rPr lang="en" smtClean="0"/>
-              <a:t>57</a:t>
             </a:fld>
             <a:endParaRPr lang="en"/>
           </a:p>
@@ -17753,7 +17609,7 @@
 </p:sld>
 </file>
 
-<file path=ppt/slides/slide58.xml><?xml version="1.0" encoding="utf-8"?>
+<file path=ppt/slides/slide57.xml><?xml version="1.0" encoding="utf-8"?>
 <p:sld xmlns:a="http://schemas.openxmlformats.org/drawingml/2006/main" xmlns:r="http://schemas.openxmlformats.org/officeDocument/2006/relationships" xmlns:p="http://schemas.openxmlformats.org/presentationml/2006/main">
   <p:cSld>
     <p:spTree>
@@ -17860,7 +17716,7 @@
             </a:pPr>
             <a:fld id="{00000000-1234-1234-1234-123412341234}" type="slidenum">
               <a:rPr lang="en" smtClean="0"/>
-              <a:t>58</a:t>
+              <a:t>57</a:t>
             </a:fld>
             <a:endParaRPr lang="en"/>
           </a:p>
@@ -17909,7 +17765,7 @@
 </p:sld>
 </file>
 
-<file path=ppt/slides/slide59.xml><?xml version="1.0" encoding="utf-8"?>
+<file path=ppt/slides/slide58.xml><?xml version="1.0" encoding="utf-8"?>
 <p:sld xmlns:a="http://schemas.openxmlformats.org/drawingml/2006/main" xmlns:r="http://schemas.openxmlformats.org/officeDocument/2006/relationships" xmlns:p="http://schemas.openxmlformats.org/presentationml/2006/main">
   <p:cSld>
     <p:spTree>
@@ -18047,7 +17903,7 @@
             </a:pPr>
             <a:fld id="{00000000-1234-1234-1234-123412341234}" type="slidenum">
               <a:rPr lang="en" smtClean="0"/>
-              <a:t>59</a:t>
+              <a:t>58</a:t>
             </a:fld>
             <a:endParaRPr lang="en"/>
           </a:p>
@@ -18126,6 +17982,143 @@
 </p:sld>
 </file>
 
+<file path=ppt/slides/slide59.xml><?xml version="1.0" encoding="utf-8"?>
+<p:sld xmlns:a="http://schemas.openxmlformats.org/drawingml/2006/main" xmlns:r="http://schemas.openxmlformats.org/officeDocument/2006/relationships" xmlns:p="http://schemas.openxmlformats.org/presentationml/2006/main">
+  <p:cSld>
+    <p:spTree>
+      <p:nvGrpSpPr>
+        <p:cNvPr id="1" name=""/>
+        <p:cNvGrpSpPr/>
+        <p:nvPr/>
+      </p:nvGrpSpPr>
+      <p:grpSpPr>
+        <a:xfrm>
+          <a:off x="0" y="0"/>
+          <a:ext cx="0" cy="0"/>
+          <a:chOff x="0" y="0"/>
+          <a:chExt cx="0" cy="0"/>
+        </a:xfrm>
+      </p:grpSpPr>
+      <p:sp>
+        <p:nvSpPr>
+          <p:cNvPr id="2" name="Title 1">
+            <a:extLst>
+              <a:ext uri="{FF2B5EF4-FFF2-40B4-BE49-F238E27FC236}">
+                <a16:creationId xmlns:a16="http://schemas.microsoft.com/office/drawing/2014/main" id="{23AF0DFC-E3E5-47E0-9124-2E433710C523}"/>
+              </a:ext>
+            </a:extLst>
+          </p:cNvPr>
+          <p:cNvSpPr>
+            <a:spLocks noGrp="1"/>
+          </p:cNvSpPr>
+          <p:nvPr>
+            <p:ph type="title"/>
+          </p:nvPr>
+        </p:nvSpPr>
+        <p:spPr/>
+        <p:txBody>
+          <a:bodyPr/>
+          <a:lstStyle/>
+          <a:p>
+            <a:r>
+              <a:rPr lang="en-US" dirty="0"/>
+              <a:t>3) protected access modifier</a:t>
+            </a:r>
+            <a:endParaRPr lang="en-ID" dirty="0"/>
+          </a:p>
+        </p:txBody>
+      </p:sp>
+      <p:sp>
+        <p:nvSpPr>
+          <p:cNvPr id="3" name="Text Placeholder 2">
+            <a:extLst>
+              <a:ext uri="{FF2B5EF4-FFF2-40B4-BE49-F238E27FC236}">
+                <a16:creationId xmlns:a16="http://schemas.microsoft.com/office/drawing/2014/main" id="{48E1CAB2-F1B3-4B45-B300-0D695950E3A9}"/>
+              </a:ext>
+            </a:extLst>
+          </p:cNvPr>
+          <p:cNvSpPr>
+            <a:spLocks noGrp="1"/>
+          </p:cNvSpPr>
+          <p:nvPr>
+            <p:ph type="body" idx="1"/>
+          </p:nvPr>
+        </p:nvSpPr>
+        <p:spPr/>
+        <p:txBody>
+          <a:bodyPr/>
+          <a:lstStyle/>
+          <a:p>
+            <a:r>
+              <a:rPr lang="en-US" dirty="0"/>
+              <a:t>The protected access modifier is accessible within package and outside the package but through inheritance only.</a:t>
+            </a:r>
+          </a:p>
+          <a:p>
+            <a:r>
+              <a:rPr lang="en-US" dirty="0"/>
+              <a:t>The protected access modifier can be applied on the data member, method and constructor. It can't be applied on the class.</a:t>
+            </a:r>
+          </a:p>
+          <a:p>
+            <a:pPr marL="101600" indent="0">
+              <a:buNone/>
+            </a:pPr>
+            <a:endParaRPr lang="en-ID" dirty="0"/>
+          </a:p>
+        </p:txBody>
+      </p:sp>
+      <p:sp>
+        <p:nvSpPr>
+          <p:cNvPr id="5" name="Slide Number Placeholder 4">
+            <a:extLst>
+              <a:ext uri="{FF2B5EF4-FFF2-40B4-BE49-F238E27FC236}">
+                <a16:creationId xmlns:a16="http://schemas.microsoft.com/office/drawing/2014/main" id="{36F32EB9-0AC7-454C-8BCE-F383594F6F40}"/>
+              </a:ext>
+            </a:extLst>
+          </p:cNvPr>
+          <p:cNvSpPr>
+            <a:spLocks noGrp="1"/>
+          </p:cNvSpPr>
+          <p:nvPr>
+            <p:ph type="sldNum" idx="12"/>
+          </p:nvPr>
+        </p:nvSpPr>
+        <p:spPr/>
+        <p:txBody>
+          <a:bodyPr/>
+          <a:lstStyle/>
+          <a:p>
+            <a:pPr marL="0" lvl="0" indent="0" algn="r" rtl="0">
+              <a:spcBef>
+                <a:spcPts val="0"/>
+              </a:spcBef>
+              <a:spcAft>
+                <a:spcPts val="0"/>
+              </a:spcAft>
+              <a:buNone/>
+            </a:pPr>
+            <a:fld id="{00000000-1234-1234-1234-123412341234}" type="slidenum">
+              <a:rPr lang="en" smtClean="0"/>
+              <a:t>59</a:t>
+            </a:fld>
+            <a:endParaRPr lang="en"/>
+          </a:p>
+        </p:txBody>
+      </p:sp>
+    </p:spTree>
+    <p:extLst>
+      <p:ext uri="{BB962C8B-B14F-4D97-AF65-F5344CB8AC3E}">
+        <p14:creationId xmlns:p14="http://schemas.microsoft.com/office/powerpoint/2010/main" val="3275242930"/>
+      </p:ext>
+    </p:extLst>
+  </p:cSld>
+  <p:clrMapOvr>
+    <a:masterClrMapping/>
+  </p:clrMapOvr>
+</p:sld>
+</file>
+
 <file path=ppt/slides/slide6.xml><?xml version="1.0" encoding="utf-8"?>
 <p:sld xmlns:a="http://schemas.openxmlformats.org/drawingml/2006/main" xmlns:r="http://schemas.openxmlformats.org/officeDocument/2006/relationships" xmlns:p="http://schemas.openxmlformats.org/presentationml/2006/main">
   <p:cSld>
@@ -18352,16 +18345,28 @@
           <a:bodyPr/>
           <a:lstStyle/>
           <a:p>
+            <a:pPr marL="101600" indent="0">
+              <a:buNone/>
+            </a:pPr>
+            <a:r>
+              <a:rPr lang="en-US" b="1" dirty="0"/>
+              <a:t>Example of protected access modifier</a:t>
+            </a:r>
+          </a:p>
+          <a:p>
             <a:r>
               <a:rPr lang="en-US" dirty="0"/>
-              <a:t>The protected access modifier is accessible within package and outside the package but through inheritance only.</a:t>
-            </a:r>
-          </a:p>
-          <a:p>
+              <a:t>In this example, we have created the two packages pack and </a:t>
+            </a:r>
+            <a:r>
+              <a:rPr lang="en-US" dirty="0" err="1"/>
+              <a:t>mypack</a:t>
+            </a:r>
             <a:r>
               <a:rPr lang="en-US" dirty="0"/>
-              <a:t>The protected access modifier can be applied on the data member, method and constructor. It can't be applied on the class.</a:t>
-            </a:r>
+              <a:t>. The A class of pack package is public, so can be accessed from outside the package. But msg method of this package is declared as protected, so it can be accessed from outside the class only through inheritance.</a:t>
+            </a:r>
+            <a:endParaRPr lang="en-ID" dirty="0"/>
           </a:p>
           <a:p>
             <a:pPr marL="101600" indent="0">
@@ -18404,155 +18409,6 @@
             <a:fld id="{00000000-1234-1234-1234-123412341234}" type="slidenum">
               <a:rPr lang="en" smtClean="0"/>
               <a:t>60</a:t>
-            </a:fld>
-            <a:endParaRPr lang="en"/>
-          </a:p>
-        </p:txBody>
-      </p:sp>
-    </p:spTree>
-    <p:extLst>
-      <p:ext uri="{BB962C8B-B14F-4D97-AF65-F5344CB8AC3E}">
-        <p14:creationId xmlns:p14="http://schemas.microsoft.com/office/powerpoint/2010/main" val="3275242930"/>
-      </p:ext>
-    </p:extLst>
-  </p:cSld>
-  <p:clrMapOvr>
-    <a:masterClrMapping/>
-  </p:clrMapOvr>
-</p:sld>
-</file>
-
-<file path=ppt/slides/slide61.xml><?xml version="1.0" encoding="utf-8"?>
-<p:sld xmlns:a="http://schemas.openxmlformats.org/drawingml/2006/main" xmlns:r="http://schemas.openxmlformats.org/officeDocument/2006/relationships" xmlns:p="http://schemas.openxmlformats.org/presentationml/2006/main">
-  <p:cSld>
-    <p:spTree>
-      <p:nvGrpSpPr>
-        <p:cNvPr id="1" name=""/>
-        <p:cNvGrpSpPr/>
-        <p:nvPr/>
-      </p:nvGrpSpPr>
-      <p:grpSpPr>
-        <a:xfrm>
-          <a:off x="0" y="0"/>
-          <a:ext cx="0" cy="0"/>
-          <a:chOff x="0" y="0"/>
-          <a:chExt cx="0" cy="0"/>
-        </a:xfrm>
-      </p:grpSpPr>
-      <p:sp>
-        <p:nvSpPr>
-          <p:cNvPr id="2" name="Title 1">
-            <a:extLst>
-              <a:ext uri="{FF2B5EF4-FFF2-40B4-BE49-F238E27FC236}">
-                <a16:creationId xmlns:a16="http://schemas.microsoft.com/office/drawing/2014/main" id="{23AF0DFC-E3E5-47E0-9124-2E433710C523}"/>
-              </a:ext>
-            </a:extLst>
-          </p:cNvPr>
-          <p:cNvSpPr>
-            <a:spLocks noGrp="1"/>
-          </p:cNvSpPr>
-          <p:nvPr>
-            <p:ph type="title"/>
-          </p:nvPr>
-        </p:nvSpPr>
-        <p:spPr/>
-        <p:txBody>
-          <a:bodyPr/>
-          <a:lstStyle/>
-          <a:p>
-            <a:r>
-              <a:rPr lang="en-US" dirty="0"/>
-              <a:t>3) protected access modifier</a:t>
-            </a:r>
-            <a:endParaRPr lang="en-ID" dirty="0"/>
-          </a:p>
-        </p:txBody>
-      </p:sp>
-      <p:sp>
-        <p:nvSpPr>
-          <p:cNvPr id="3" name="Text Placeholder 2">
-            <a:extLst>
-              <a:ext uri="{FF2B5EF4-FFF2-40B4-BE49-F238E27FC236}">
-                <a16:creationId xmlns:a16="http://schemas.microsoft.com/office/drawing/2014/main" id="{48E1CAB2-F1B3-4B45-B300-0D695950E3A9}"/>
-              </a:ext>
-            </a:extLst>
-          </p:cNvPr>
-          <p:cNvSpPr>
-            <a:spLocks noGrp="1"/>
-          </p:cNvSpPr>
-          <p:nvPr>
-            <p:ph type="body" idx="1"/>
-          </p:nvPr>
-        </p:nvSpPr>
-        <p:spPr/>
-        <p:txBody>
-          <a:bodyPr/>
-          <a:lstStyle/>
-          <a:p>
-            <a:pPr marL="101600" indent="0">
-              <a:buNone/>
-            </a:pPr>
-            <a:r>
-              <a:rPr lang="en-US" b="1" dirty="0"/>
-              <a:t>Example of protected access modifier</a:t>
-            </a:r>
-          </a:p>
-          <a:p>
-            <a:r>
-              <a:rPr lang="en-US" dirty="0"/>
-              <a:t>In this example, we have created the two packages pack and </a:t>
-            </a:r>
-            <a:r>
-              <a:rPr lang="en-US" dirty="0" err="1"/>
-              <a:t>mypack</a:t>
-            </a:r>
-            <a:r>
-              <a:rPr lang="en-US" dirty="0"/>
-              <a:t>. The A class of pack package is public, so can be accessed from outside the package. But msg method of this package is declared as protected, so it can be accessed from outside the class only through inheritance.</a:t>
-            </a:r>
-            <a:endParaRPr lang="en-ID" dirty="0"/>
-          </a:p>
-          <a:p>
-            <a:pPr marL="101600" indent="0">
-              <a:buNone/>
-            </a:pPr>
-            <a:endParaRPr lang="en-ID" dirty="0"/>
-          </a:p>
-        </p:txBody>
-      </p:sp>
-      <p:sp>
-        <p:nvSpPr>
-          <p:cNvPr id="5" name="Slide Number Placeholder 4">
-            <a:extLst>
-              <a:ext uri="{FF2B5EF4-FFF2-40B4-BE49-F238E27FC236}">
-                <a16:creationId xmlns:a16="http://schemas.microsoft.com/office/drawing/2014/main" id="{36F32EB9-0AC7-454C-8BCE-F383594F6F40}"/>
-              </a:ext>
-            </a:extLst>
-          </p:cNvPr>
-          <p:cNvSpPr>
-            <a:spLocks noGrp="1"/>
-          </p:cNvSpPr>
-          <p:nvPr>
-            <p:ph type="sldNum" idx="12"/>
-          </p:nvPr>
-        </p:nvSpPr>
-        <p:spPr/>
-        <p:txBody>
-          <a:bodyPr/>
-          <a:lstStyle/>
-          <a:p>
-            <a:pPr marL="0" lvl="0" indent="0" algn="r" rtl="0">
-              <a:spcBef>
-                <a:spcPts val="0"/>
-              </a:spcBef>
-              <a:spcAft>
-                <a:spcPts val="0"/>
-              </a:spcAft>
-              <a:buNone/>
-            </a:pPr>
-            <a:fld id="{00000000-1234-1234-1234-123412341234}" type="slidenum">
-              <a:rPr lang="en" smtClean="0"/>
-              <a:t>61</a:t>
             </a:fld>
             <a:endParaRPr lang="en"/>
           </a:p>
@@ -18631,7 +18487,7 @@
 </p:sld>
 </file>
 
-<file path=ppt/slides/slide62.xml><?xml version="1.0" encoding="utf-8"?>
+<file path=ppt/slides/slide61.xml><?xml version="1.0" encoding="utf-8"?>
 <p:sld xmlns:a="http://schemas.openxmlformats.org/drawingml/2006/main" xmlns:r="http://schemas.openxmlformats.org/officeDocument/2006/relationships" xmlns:p="http://schemas.openxmlformats.org/presentationml/2006/main">
   <p:cSld>
     <p:spTree>
@@ -18738,7 +18594,7 @@
             </a:pPr>
             <a:fld id="{00000000-1234-1234-1234-123412341234}" type="slidenum">
               <a:rPr lang="en" smtClean="0"/>
-              <a:t>62</a:t>
+              <a:t>61</a:t>
             </a:fld>
             <a:endParaRPr lang="en"/>
           </a:p>
@@ -18817,7 +18673,7 @@
 </p:sld>
 </file>
 
-<file path=ppt/slides/slide63.xml><?xml version="1.0" encoding="utf-8"?>
+<file path=ppt/slides/slide62.xml><?xml version="1.0" encoding="utf-8"?>
 <p:sld xmlns:a="http://schemas.openxmlformats.org/drawingml/2006/main" xmlns:r="http://schemas.openxmlformats.org/officeDocument/2006/relationships" xmlns:p="http://schemas.openxmlformats.org/presentationml/2006/main">
   <p:cSld>
     <p:spTree>
@@ -18924,7 +18780,7 @@
             </a:pPr>
             <a:fld id="{00000000-1234-1234-1234-123412341234}" type="slidenum">
               <a:rPr lang="en" smtClean="0"/>
-              <a:t>63</a:t>
+              <a:t>62</a:t>
             </a:fld>
             <a:endParaRPr lang="en"/>
           </a:p>
@@ -18973,7 +18829,7 @@
 </p:sld>
 </file>
 
-<file path=ppt/slides/slide64.xml><?xml version="1.0" encoding="utf-8"?>
+<file path=ppt/slides/slide63.xml><?xml version="1.0" encoding="utf-8"?>
 <p:sld xmlns:a="http://schemas.openxmlformats.org/drawingml/2006/main" xmlns:r="http://schemas.openxmlformats.org/officeDocument/2006/relationships" xmlns:p="http://schemas.openxmlformats.org/presentationml/2006/main">
   <p:cSld>
     <p:spTree>
@@ -19085,7 +18941,7 @@
             </a:pPr>
             <a:fld id="{00000000-1234-1234-1234-123412341234}" type="slidenum">
               <a:rPr lang="en" smtClean="0"/>
-              <a:t>64</a:t>
+              <a:t>63</a:t>
             </a:fld>
             <a:endParaRPr lang="en"/>
           </a:p>
@@ -19134,6 +18990,196 @@
 </p:sld>
 </file>
 
+<file path=ppt/slides/slide64.xml><?xml version="1.0" encoding="utf-8"?>
+<p:sld xmlns:a="http://schemas.openxmlformats.org/drawingml/2006/main" xmlns:r="http://schemas.openxmlformats.org/officeDocument/2006/relationships" xmlns:p="http://schemas.openxmlformats.org/presentationml/2006/main">
+  <p:cSld>
+    <p:spTree>
+      <p:nvGrpSpPr>
+        <p:cNvPr id="1" name=""/>
+        <p:cNvGrpSpPr/>
+        <p:nvPr/>
+      </p:nvGrpSpPr>
+      <p:grpSpPr>
+        <a:xfrm>
+          <a:off x="0" y="0"/>
+          <a:ext cx="0" cy="0"/>
+          <a:chOff x="0" y="0"/>
+          <a:chExt cx="0" cy="0"/>
+        </a:xfrm>
+      </p:grpSpPr>
+      <p:sp>
+        <p:nvSpPr>
+          <p:cNvPr id="2" name="Title 1">
+            <a:extLst>
+              <a:ext uri="{FF2B5EF4-FFF2-40B4-BE49-F238E27FC236}">
+                <a16:creationId xmlns:a16="http://schemas.microsoft.com/office/drawing/2014/main" id="{E1C4B97A-B25F-41FC-AB69-42B4BFB8A996}"/>
+              </a:ext>
+            </a:extLst>
+          </p:cNvPr>
+          <p:cNvSpPr>
+            <a:spLocks noGrp="1"/>
+          </p:cNvSpPr>
+          <p:nvPr>
+            <p:ph type="ctrTitle"/>
+          </p:nvPr>
+        </p:nvSpPr>
+        <p:spPr/>
+        <p:txBody>
+          <a:bodyPr/>
+          <a:lstStyle/>
+          <a:p>
+            <a:r>
+              <a:rPr lang="en-US" dirty="0"/>
+              <a:t>Day 07</a:t>
+            </a:r>
+            <a:endParaRPr lang="en-ID" dirty="0"/>
+          </a:p>
+        </p:txBody>
+      </p:sp>
+      <p:sp>
+        <p:nvSpPr>
+          <p:cNvPr id="3" name="Subtitle 2">
+            <a:extLst>
+              <a:ext uri="{FF2B5EF4-FFF2-40B4-BE49-F238E27FC236}">
+                <a16:creationId xmlns:a16="http://schemas.microsoft.com/office/drawing/2014/main" id="{B2DE4C9C-75AD-4D02-B515-6766EA1A235B}"/>
+              </a:ext>
+            </a:extLst>
+          </p:cNvPr>
+          <p:cNvSpPr>
+            <a:spLocks noGrp="1"/>
+          </p:cNvSpPr>
+          <p:nvPr>
+            <p:ph type="subTitle" idx="1"/>
+          </p:nvPr>
+        </p:nvSpPr>
+        <p:spPr/>
+        <p:txBody>
+          <a:bodyPr/>
+          <a:lstStyle/>
+          <a:p>
+            <a:r>
+              <a:rPr lang="en-US" dirty="0" err="1"/>
+              <a:t>Encaptulation</a:t>
+            </a:r>
+            <a:endParaRPr lang="en-ID" dirty="0"/>
+          </a:p>
+        </p:txBody>
+      </p:sp>
+      <p:sp>
+        <p:nvSpPr>
+          <p:cNvPr id="4" name="Slide Number Placeholder 3">
+            <a:extLst>
+              <a:ext uri="{FF2B5EF4-FFF2-40B4-BE49-F238E27FC236}">
+                <a16:creationId xmlns:a16="http://schemas.microsoft.com/office/drawing/2014/main" id="{916DB1F4-E56E-40F8-BE83-A77BD1B29ED2}"/>
+              </a:ext>
+            </a:extLst>
+          </p:cNvPr>
+          <p:cNvSpPr>
+            <a:spLocks noGrp="1"/>
+          </p:cNvSpPr>
+          <p:nvPr>
+            <p:ph type="sldNum" idx="12"/>
+          </p:nvPr>
+        </p:nvSpPr>
+        <p:spPr/>
+        <p:txBody>
+          <a:bodyPr/>
+          <a:lstStyle/>
+          <a:p>
+            <a:pPr marL="0" lvl="0" indent="0" algn="r" rtl="0">
+              <a:spcBef>
+                <a:spcPts val="0"/>
+              </a:spcBef>
+              <a:spcAft>
+                <a:spcPts val="0"/>
+              </a:spcAft>
+              <a:buNone/>
+            </a:pPr>
+            <a:fld id="{00000000-1234-1234-1234-123412341234}" type="slidenum">
+              <a:rPr lang="en" smtClean="0"/>
+              <a:t>64</a:t>
+            </a:fld>
+            <a:endParaRPr lang="en"/>
+          </a:p>
+        </p:txBody>
+      </p:sp>
+      <p:sp>
+        <p:nvSpPr>
+          <p:cNvPr id="5" name="Google Shape;224;p14">
+            <a:extLst>
+              <a:ext uri="{FF2B5EF4-FFF2-40B4-BE49-F238E27FC236}">
+                <a16:creationId xmlns:a16="http://schemas.microsoft.com/office/drawing/2014/main" id="{5FDF6675-7522-494F-BFC9-DCE4FBB03259}"/>
+              </a:ext>
+            </a:extLst>
+          </p:cNvPr>
+          <p:cNvSpPr txBox="1"/>
+          <p:nvPr/>
+        </p:nvSpPr>
+        <p:spPr>
+          <a:xfrm>
+            <a:off x="463525" y="0"/>
+            <a:ext cx="2181600" cy="3136200"/>
+          </a:xfrm>
+          <a:prstGeom prst="rect">
+            <a:avLst/>
+          </a:prstGeom>
+          <a:noFill/>
+          <a:ln>
+            <a:noFill/>
+          </a:ln>
+        </p:spPr>
+        <p:txBody>
+          <a:bodyPr spcFirstLastPara="1" wrap="square" lIns="91425" tIns="91425" rIns="91425" bIns="91425" anchor="b" anchorCtr="0">
+            <a:noAutofit/>
+          </a:bodyPr>
+          <a:lstStyle/>
+          <a:p>
+            <a:pPr marL="0" lvl="0" indent="0" algn="l" rtl="0">
+              <a:spcBef>
+                <a:spcPts val="0"/>
+              </a:spcBef>
+              <a:spcAft>
+                <a:spcPts val="0"/>
+              </a:spcAft>
+              <a:buNone/>
+            </a:pPr>
+            <a:r>
+              <a:rPr lang="en" sz="12000" b="1" dirty="0">
+                <a:solidFill>
+                  <a:srgbClr val="3F5378"/>
+                </a:solidFill>
+                <a:latin typeface="Roboto Condensed"/>
+                <a:ea typeface="Roboto Condensed"/>
+                <a:cs typeface="Roboto Condensed"/>
+                <a:sym typeface="Roboto Condensed"/>
+              </a:rPr>
+              <a:t>8</a:t>
+            </a:r>
+            <a:endParaRPr sz="3000" b="1" dirty="0">
+              <a:solidFill>
+                <a:srgbClr val="3F5378"/>
+              </a:solidFill>
+              <a:latin typeface="Roboto Condensed"/>
+              <a:ea typeface="Roboto Condensed"/>
+              <a:cs typeface="Roboto Condensed"/>
+              <a:sym typeface="Roboto Condensed"/>
+            </a:endParaRPr>
+          </a:p>
+        </p:txBody>
+      </p:sp>
+    </p:spTree>
+    <p:extLst>
+      <p:ext uri="{BB962C8B-B14F-4D97-AF65-F5344CB8AC3E}">
+        <p14:creationId xmlns:p14="http://schemas.microsoft.com/office/powerpoint/2010/main" val="1957246155"/>
+      </p:ext>
+    </p:extLst>
+  </p:cSld>
+  <p:clrMapOvr>
+    <a:masterClrMapping/>
+  </p:clrMapOvr>
+</p:sld>
+</file>
+
 <file path=ppt/slides/slide65.xml><?xml version="1.0" encoding="utf-8"?>
 <p:sld xmlns:a="http://schemas.openxmlformats.org/drawingml/2006/main" xmlns:r="http://schemas.openxmlformats.org/officeDocument/2006/relationships" xmlns:p="http://schemas.openxmlformats.org/presentationml/2006/main">
   <p:cSld>
@@ -19153,10 +19199,10 @@
       </p:grpSpPr>
       <p:sp>
         <p:nvSpPr>
-          <p:cNvPr id="2" name="Title 1">
-            <a:extLst>
-              <a:ext uri="{FF2B5EF4-FFF2-40B4-BE49-F238E27FC236}">
-                <a16:creationId xmlns:a16="http://schemas.microsoft.com/office/drawing/2014/main" id="{E1C4B97A-B25F-41FC-AB69-42B4BFB8A996}"/>
+          <p:cNvPr id="5" name="Title 4">
+            <a:extLst>
+              <a:ext uri="{FF2B5EF4-FFF2-40B4-BE49-F238E27FC236}">
+                <a16:creationId xmlns:a16="http://schemas.microsoft.com/office/drawing/2014/main" id="{490BA0DD-4B5C-440B-BE19-120C94E80688}"/>
               </a:ext>
             </a:extLst>
           </p:cNvPr>
@@ -19164,7 +19210,7 @@
             <a:spLocks noGrp="1"/>
           </p:cNvSpPr>
           <p:nvPr>
-            <p:ph type="ctrTitle"/>
+            <p:ph type="title"/>
           </p:nvPr>
         </p:nvSpPr>
         <p:spPr/>
@@ -19174,7 +19220,7 @@
           <a:p>
             <a:r>
               <a:rPr lang="en-US" dirty="0"/>
-              <a:t>Day 07</a:t>
+              <a:t>Encapsulation in Java</a:t>
             </a:r>
             <a:endParaRPr lang="en-ID" dirty="0"/>
           </a:p>
@@ -19182,10 +19228,10 @@
       </p:sp>
       <p:sp>
         <p:nvSpPr>
-          <p:cNvPr id="3" name="Subtitle 2">
-            <a:extLst>
-              <a:ext uri="{FF2B5EF4-FFF2-40B4-BE49-F238E27FC236}">
-                <a16:creationId xmlns:a16="http://schemas.microsoft.com/office/drawing/2014/main" id="{B2DE4C9C-75AD-4D02-B515-6766EA1A235B}"/>
+          <p:cNvPr id="6" name="Text Placeholder 5">
+            <a:extLst>
+              <a:ext uri="{FF2B5EF4-FFF2-40B4-BE49-F238E27FC236}">
+                <a16:creationId xmlns:a16="http://schemas.microsoft.com/office/drawing/2014/main" id="{1C763979-DC12-4E8C-B706-382AA0CF5A92}"/>
               </a:ext>
             </a:extLst>
           </p:cNvPr>
@@ -19193,7 +19239,7 @@
             <a:spLocks noGrp="1"/>
           </p:cNvSpPr>
           <p:nvPr>
-            <p:ph type="subTitle" idx="1"/>
+            <p:ph type="body" idx="1"/>
           </p:nvPr>
         </p:nvSpPr>
         <p:spPr/>
@@ -19202,8 +19248,20 @@
           <a:lstStyle/>
           <a:p>
             <a:r>
-              <a:rPr lang="en-US" dirty="0" err="1"/>
-              <a:t>Encaptulation</a:t>
+              <a:rPr lang="en-US" dirty="0"/>
+              <a:t>Encapsulation in Java is a process of wrapping code and data together into a single unit, for example, a capsule which is mixed of several medicines.</a:t>
+            </a:r>
+          </a:p>
+          <a:p>
+            <a:r>
+              <a:rPr lang="en-US" dirty="0"/>
+              <a:t>We can create a fully encapsulated class in Java by making all the data members of the class private. Now we can use setter and getter methods to set and get the data in it.</a:t>
+            </a:r>
+          </a:p>
+          <a:p>
+            <a:r>
+              <a:rPr lang="en-US" dirty="0"/>
+              <a:t>The Java Bean class is the example of a fully encapsulated class.</a:t>
             </a:r>
             <a:endParaRPr lang="en-ID" dirty="0"/>
           </a:p>
@@ -19214,7 +19272,7 @@
           <p:cNvPr id="4" name="Slide Number Placeholder 3">
             <a:extLst>
               <a:ext uri="{FF2B5EF4-FFF2-40B4-BE49-F238E27FC236}">
-                <a16:creationId xmlns:a16="http://schemas.microsoft.com/office/drawing/2014/main" id="{916DB1F4-E56E-40F8-BE83-A77BD1B29ED2}"/>
+                <a16:creationId xmlns:a16="http://schemas.microsoft.com/office/drawing/2014/main" id="{1ECD9454-C90A-4A24-8153-C2BE958D5F07}"/>
               </a:ext>
             </a:extLst>
           </p:cNvPr>
@@ -19247,74 +19305,10 @@
           </a:p>
         </p:txBody>
       </p:sp>
-      <p:sp>
-        <p:nvSpPr>
-          <p:cNvPr id="5" name="Google Shape;224;p14">
-            <a:extLst>
-              <a:ext uri="{FF2B5EF4-FFF2-40B4-BE49-F238E27FC236}">
-                <a16:creationId xmlns:a16="http://schemas.microsoft.com/office/drawing/2014/main" id="{5FDF6675-7522-494F-BFC9-DCE4FBB03259}"/>
-              </a:ext>
-            </a:extLst>
-          </p:cNvPr>
-          <p:cNvSpPr txBox="1"/>
-          <p:nvPr/>
-        </p:nvSpPr>
-        <p:spPr>
-          <a:xfrm>
-            <a:off x="463525" y="0"/>
-            <a:ext cx="2181600" cy="3136200"/>
-          </a:xfrm>
-          <a:prstGeom prst="rect">
-            <a:avLst/>
-          </a:prstGeom>
-          <a:noFill/>
-          <a:ln>
-            <a:noFill/>
-          </a:ln>
-        </p:spPr>
-        <p:txBody>
-          <a:bodyPr spcFirstLastPara="1" wrap="square" lIns="91425" tIns="91425" rIns="91425" bIns="91425" anchor="b" anchorCtr="0">
-            <a:noAutofit/>
-          </a:bodyPr>
-          <a:lstStyle/>
-          <a:p>
-            <a:pPr marL="0" lvl="0" indent="0" algn="l" rtl="0">
-              <a:spcBef>
-                <a:spcPts val="0"/>
-              </a:spcBef>
-              <a:spcAft>
-                <a:spcPts val="0"/>
-              </a:spcAft>
-              <a:buNone/>
-            </a:pPr>
-            <a:r>
-              <a:rPr lang="en" sz="12000" b="1" dirty="0">
-                <a:solidFill>
-                  <a:srgbClr val="3F5378"/>
-                </a:solidFill>
-                <a:latin typeface="Roboto Condensed"/>
-                <a:ea typeface="Roboto Condensed"/>
-                <a:cs typeface="Roboto Condensed"/>
-                <a:sym typeface="Roboto Condensed"/>
-              </a:rPr>
-              <a:t>8</a:t>
-            </a:r>
-            <a:endParaRPr sz="3000" b="1" dirty="0">
-              <a:solidFill>
-                <a:srgbClr val="3F5378"/>
-              </a:solidFill>
-              <a:latin typeface="Roboto Condensed"/>
-              <a:ea typeface="Roboto Condensed"/>
-              <a:cs typeface="Roboto Condensed"/>
-              <a:sym typeface="Roboto Condensed"/>
-            </a:endParaRPr>
-          </a:p>
-        </p:txBody>
-      </p:sp>
     </p:spTree>
     <p:extLst>
       <p:ext uri="{BB962C8B-B14F-4D97-AF65-F5344CB8AC3E}">
-        <p14:creationId xmlns:p14="http://schemas.microsoft.com/office/powerpoint/2010/main" val="1957246155"/>
+        <p14:creationId xmlns:p14="http://schemas.microsoft.com/office/powerpoint/2010/main" val="2533977423"/>
       </p:ext>
     </p:extLst>
   </p:cSld>
@@ -19343,10 +19337,10 @@
       </p:grpSpPr>
       <p:sp>
         <p:nvSpPr>
-          <p:cNvPr id="5" name="Title 4">
-            <a:extLst>
-              <a:ext uri="{FF2B5EF4-FFF2-40B4-BE49-F238E27FC236}">
-                <a16:creationId xmlns:a16="http://schemas.microsoft.com/office/drawing/2014/main" id="{490BA0DD-4B5C-440B-BE19-120C94E80688}"/>
+          <p:cNvPr id="2" name="Title 1">
+            <a:extLst>
+              <a:ext uri="{FF2B5EF4-FFF2-40B4-BE49-F238E27FC236}">
+                <a16:creationId xmlns:a16="http://schemas.microsoft.com/office/drawing/2014/main" id="{95F43673-44F7-4DA7-BEFE-217F20AE3FF1}"/>
               </a:ext>
             </a:extLst>
           </p:cNvPr>
@@ -19364,7 +19358,7 @@
           <a:p>
             <a:r>
               <a:rPr lang="en-US" dirty="0"/>
-              <a:t>Encapsulation in Java</a:t>
+              <a:t>Advantage of Encapsulation in Java</a:t>
             </a:r>
             <a:endParaRPr lang="en-ID" dirty="0"/>
           </a:p>
@@ -19372,10 +19366,10 @@
       </p:sp>
       <p:sp>
         <p:nvSpPr>
-          <p:cNvPr id="6" name="Text Placeholder 5">
-            <a:extLst>
-              <a:ext uri="{FF2B5EF4-FFF2-40B4-BE49-F238E27FC236}">
-                <a16:creationId xmlns:a16="http://schemas.microsoft.com/office/drawing/2014/main" id="{1C763979-DC12-4E8C-B706-382AA0CF5A92}"/>
+          <p:cNvPr id="3" name="Text Placeholder 2">
+            <a:extLst>
+              <a:ext uri="{FF2B5EF4-FFF2-40B4-BE49-F238E27FC236}">
+                <a16:creationId xmlns:a16="http://schemas.microsoft.com/office/drawing/2014/main" id="{C199F9E2-0772-4DCE-A230-A43F3BA23A03}"/>
               </a:ext>
             </a:extLst>
           </p:cNvPr>
@@ -19386,26 +19380,43 @@
             <p:ph type="body" idx="1"/>
           </p:nvPr>
         </p:nvSpPr>
-        <p:spPr/>
+        <p:spPr>
+          <a:xfrm>
+            <a:off x="814274" y="1327350"/>
+            <a:ext cx="7034325" cy="3145500"/>
+          </a:xfrm>
+        </p:spPr>
         <p:txBody>
           <a:bodyPr/>
           <a:lstStyle/>
           <a:p>
             <a:r>
               <a:rPr lang="en-US" dirty="0"/>
-              <a:t>Encapsulation in Java is a process of wrapping code and data together into a single unit, for example, a capsule which is mixed of several medicines.</a:t>
+              <a:t>By providing only a setter or getter method, you can make the class read-only or write-only. In other words, you can skip the getter or setter methods.</a:t>
             </a:r>
           </a:p>
           <a:p>
             <a:r>
               <a:rPr lang="en-US" dirty="0"/>
-              <a:t>We can create a fully encapsulated class in Java by making all the data members of the class private. Now we can use setter and getter methods to set and get the data in it.</a:t>
+              <a:t>It provides you the control over the data. Suppose you want to set the value of id which should be greater than 100 only, you can write the logic inside the setter method. You can write the logic not to store the negative numbers in the setter methods.</a:t>
             </a:r>
           </a:p>
           <a:p>
             <a:r>
               <a:rPr lang="en-US" dirty="0"/>
-              <a:t>The Java Bean class is the example of a fully encapsulated class.</a:t>
+              <a:t>It is a way to achieve data hiding in Java because other class will not be able to access the data through the private data members.</a:t>
+            </a:r>
+          </a:p>
+          <a:p>
+            <a:r>
+              <a:rPr lang="en-US" dirty="0"/>
+              <a:t>The encapsulate class is easy to test. So, it is better for unit testing.</a:t>
+            </a:r>
+          </a:p>
+          <a:p>
+            <a:r>
+              <a:rPr lang="en-US" dirty="0"/>
+              <a:t>The standard IDE's are providing the facility to generate the getters and setters. So, it is easy and fast to create an encapsulated class in Java.</a:t>
             </a:r>
             <a:endParaRPr lang="en-ID" dirty="0"/>
           </a:p>
@@ -19416,7 +19427,7 @@
           <p:cNvPr id="4" name="Slide Number Placeholder 3">
             <a:extLst>
               <a:ext uri="{FF2B5EF4-FFF2-40B4-BE49-F238E27FC236}">
-                <a16:creationId xmlns:a16="http://schemas.microsoft.com/office/drawing/2014/main" id="{1ECD9454-C90A-4A24-8153-C2BE958D5F07}"/>
+                <a16:creationId xmlns:a16="http://schemas.microsoft.com/office/drawing/2014/main" id="{ADD47941-2735-4D02-99F6-1CA099E12834}"/>
               </a:ext>
             </a:extLst>
           </p:cNvPr>
@@ -19452,7 +19463,7 @@
     </p:spTree>
     <p:extLst>
       <p:ext uri="{BB962C8B-B14F-4D97-AF65-F5344CB8AC3E}">
-        <p14:creationId xmlns:p14="http://schemas.microsoft.com/office/powerpoint/2010/main" val="2533977423"/>
+        <p14:creationId xmlns:p14="http://schemas.microsoft.com/office/powerpoint/2010/main" val="562010433"/>
       </p:ext>
     </p:extLst>
   </p:cSld>
@@ -19484,7 +19495,7 @@
           <p:cNvPr id="2" name="Title 1">
             <a:extLst>
               <a:ext uri="{FF2B5EF4-FFF2-40B4-BE49-F238E27FC236}">
-                <a16:creationId xmlns:a16="http://schemas.microsoft.com/office/drawing/2014/main" id="{95F43673-44F7-4DA7-BEFE-217F20AE3FF1}"/>
+                <a16:creationId xmlns:a16="http://schemas.microsoft.com/office/drawing/2014/main" id="{446F56BE-AB0F-47DC-8F03-7F4378B3FCED}"/>
               </a:ext>
             </a:extLst>
           </p:cNvPr>
@@ -19502,7 +19513,7 @@
           <a:p>
             <a:r>
               <a:rPr lang="en-US" dirty="0"/>
-              <a:t>Advantage of Encapsulation in Java</a:t>
+              <a:t>Simple Example of Encapsulation in Java</a:t>
             </a:r>
             <a:endParaRPr lang="en-ID" dirty="0"/>
           </a:p>
@@ -19513,7 +19524,7 @@
           <p:cNvPr id="3" name="Text Placeholder 2">
             <a:extLst>
               <a:ext uri="{FF2B5EF4-FFF2-40B4-BE49-F238E27FC236}">
-                <a16:creationId xmlns:a16="http://schemas.microsoft.com/office/drawing/2014/main" id="{C199F9E2-0772-4DCE-A230-A43F3BA23A03}"/>
+                <a16:creationId xmlns:a16="http://schemas.microsoft.com/office/drawing/2014/main" id="{5C0366CB-77A4-4770-A92E-FC0E98A75EEF}"/>
               </a:ext>
             </a:extLst>
           </p:cNvPr>
@@ -19524,43 +19535,14 @@
             <p:ph type="body" idx="1"/>
           </p:nvPr>
         </p:nvSpPr>
-        <p:spPr>
-          <a:xfrm>
-            <a:off x="814274" y="1327350"/>
-            <a:ext cx="7034325" cy="3145500"/>
-          </a:xfrm>
-        </p:spPr>
+        <p:spPr/>
         <p:txBody>
           <a:bodyPr/>
           <a:lstStyle/>
           <a:p>
             <a:r>
               <a:rPr lang="en-US" dirty="0"/>
-              <a:t>By providing only a setter or getter method, you can make the class read-only or write-only. In other words, you can skip the getter or setter methods.</a:t>
-            </a:r>
-          </a:p>
-          <a:p>
-            <a:r>
-              <a:rPr lang="en-US" dirty="0"/>
-              <a:t>It provides you the control over the data. Suppose you want to set the value of id which should be greater than 100 only, you can write the logic inside the setter method. You can write the logic not to store the negative numbers in the setter methods.</a:t>
-            </a:r>
-          </a:p>
-          <a:p>
-            <a:r>
-              <a:rPr lang="en-US" dirty="0"/>
-              <a:t>It is a way to achieve data hiding in Java because other class will not be able to access the data through the private data members.</a:t>
-            </a:r>
-          </a:p>
-          <a:p>
-            <a:r>
-              <a:rPr lang="en-US" dirty="0"/>
-              <a:t>The encapsulate class is easy to test. So, it is better for unit testing.</a:t>
-            </a:r>
-          </a:p>
-          <a:p>
-            <a:r>
-              <a:rPr lang="en-US" dirty="0"/>
-              <a:t>The standard IDE's are providing the facility to generate the getters and setters. So, it is easy and fast to create an encapsulated class in Java.</a:t>
+              <a:t>Let's see the simple example of encapsulation that has only one field with its setter and getter methods.</a:t>
             </a:r>
             <a:endParaRPr lang="en-ID" dirty="0"/>
           </a:p>
@@ -19571,7 +19553,7 @@
           <p:cNvPr id="4" name="Slide Number Placeholder 3">
             <a:extLst>
               <a:ext uri="{FF2B5EF4-FFF2-40B4-BE49-F238E27FC236}">
-                <a16:creationId xmlns:a16="http://schemas.microsoft.com/office/drawing/2014/main" id="{ADD47941-2735-4D02-99F6-1CA099E12834}"/>
+                <a16:creationId xmlns:a16="http://schemas.microsoft.com/office/drawing/2014/main" id="{8C1AAD52-0056-414C-B704-764FE4950998}"/>
               </a:ext>
             </a:extLst>
           </p:cNvPr>
@@ -19599,132 +19581,6 @@
             <a:fld id="{00000000-1234-1234-1234-123412341234}" type="slidenum">
               <a:rPr lang="en" smtClean="0"/>
               <a:t>67</a:t>
-            </a:fld>
-            <a:endParaRPr lang="en"/>
-          </a:p>
-        </p:txBody>
-      </p:sp>
-    </p:spTree>
-    <p:extLst>
-      <p:ext uri="{BB962C8B-B14F-4D97-AF65-F5344CB8AC3E}">
-        <p14:creationId xmlns:p14="http://schemas.microsoft.com/office/powerpoint/2010/main" val="562010433"/>
-      </p:ext>
-    </p:extLst>
-  </p:cSld>
-  <p:clrMapOvr>
-    <a:masterClrMapping/>
-  </p:clrMapOvr>
-</p:sld>
-</file>
-
-<file path=ppt/slides/slide68.xml><?xml version="1.0" encoding="utf-8"?>
-<p:sld xmlns:a="http://schemas.openxmlformats.org/drawingml/2006/main" xmlns:r="http://schemas.openxmlformats.org/officeDocument/2006/relationships" xmlns:p="http://schemas.openxmlformats.org/presentationml/2006/main">
-  <p:cSld>
-    <p:spTree>
-      <p:nvGrpSpPr>
-        <p:cNvPr id="1" name=""/>
-        <p:cNvGrpSpPr/>
-        <p:nvPr/>
-      </p:nvGrpSpPr>
-      <p:grpSpPr>
-        <a:xfrm>
-          <a:off x="0" y="0"/>
-          <a:ext cx="0" cy="0"/>
-          <a:chOff x="0" y="0"/>
-          <a:chExt cx="0" cy="0"/>
-        </a:xfrm>
-      </p:grpSpPr>
-      <p:sp>
-        <p:nvSpPr>
-          <p:cNvPr id="2" name="Title 1">
-            <a:extLst>
-              <a:ext uri="{FF2B5EF4-FFF2-40B4-BE49-F238E27FC236}">
-                <a16:creationId xmlns:a16="http://schemas.microsoft.com/office/drawing/2014/main" id="{446F56BE-AB0F-47DC-8F03-7F4378B3FCED}"/>
-              </a:ext>
-            </a:extLst>
-          </p:cNvPr>
-          <p:cNvSpPr>
-            <a:spLocks noGrp="1"/>
-          </p:cNvSpPr>
-          <p:nvPr>
-            <p:ph type="title"/>
-          </p:nvPr>
-        </p:nvSpPr>
-        <p:spPr/>
-        <p:txBody>
-          <a:bodyPr/>
-          <a:lstStyle/>
-          <a:p>
-            <a:r>
-              <a:rPr lang="en-US" dirty="0"/>
-              <a:t>Simple Example of Encapsulation in Java</a:t>
-            </a:r>
-            <a:endParaRPr lang="en-ID" dirty="0"/>
-          </a:p>
-        </p:txBody>
-      </p:sp>
-      <p:sp>
-        <p:nvSpPr>
-          <p:cNvPr id="3" name="Text Placeholder 2">
-            <a:extLst>
-              <a:ext uri="{FF2B5EF4-FFF2-40B4-BE49-F238E27FC236}">
-                <a16:creationId xmlns:a16="http://schemas.microsoft.com/office/drawing/2014/main" id="{5C0366CB-77A4-4770-A92E-FC0E98A75EEF}"/>
-              </a:ext>
-            </a:extLst>
-          </p:cNvPr>
-          <p:cNvSpPr>
-            <a:spLocks noGrp="1"/>
-          </p:cNvSpPr>
-          <p:nvPr>
-            <p:ph type="body" idx="1"/>
-          </p:nvPr>
-        </p:nvSpPr>
-        <p:spPr/>
-        <p:txBody>
-          <a:bodyPr/>
-          <a:lstStyle/>
-          <a:p>
-            <a:r>
-              <a:rPr lang="en-US" dirty="0"/>
-              <a:t>Let's see the simple example of encapsulation that has only one field with its setter and getter methods.</a:t>
-            </a:r>
-            <a:endParaRPr lang="en-ID" dirty="0"/>
-          </a:p>
-        </p:txBody>
-      </p:sp>
-      <p:sp>
-        <p:nvSpPr>
-          <p:cNvPr id="4" name="Slide Number Placeholder 3">
-            <a:extLst>
-              <a:ext uri="{FF2B5EF4-FFF2-40B4-BE49-F238E27FC236}">
-                <a16:creationId xmlns:a16="http://schemas.microsoft.com/office/drawing/2014/main" id="{8C1AAD52-0056-414C-B704-764FE4950998}"/>
-              </a:ext>
-            </a:extLst>
-          </p:cNvPr>
-          <p:cNvSpPr>
-            <a:spLocks noGrp="1"/>
-          </p:cNvSpPr>
-          <p:nvPr>
-            <p:ph type="sldNum" idx="12"/>
-          </p:nvPr>
-        </p:nvSpPr>
-        <p:spPr/>
-        <p:txBody>
-          <a:bodyPr/>
-          <a:lstStyle/>
-          <a:p>
-            <a:pPr marL="0" lvl="0" indent="0" algn="r" rtl="0">
-              <a:spcBef>
-                <a:spcPts val="0"/>
-              </a:spcBef>
-              <a:spcAft>
-                <a:spcPts val="0"/>
-              </a:spcAft>
-              <a:buNone/>
-            </a:pPr>
-            <a:fld id="{00000000-1234-1234-1234-123412341234}" type="slidenum">
-              <a:rPr lang="en" smtClean="0"/>
-              <a:t>68</a:t>
             </a:fld>
             <a:endParaRPr lang="en"/>
           </a:p>
@@ -19803,7 +19659,7 @@
 </p:sld>
 </file>
 
-<file path=ppt/slides/slide69.xml><?xml version="1.0" encoding="utf-8"?>
+<file path=ppt/slides/slide68.xml><?xml version="1.0" encoding="utf-8"?>
 <p:sld xmlns:a="http://schemas.openxmlformats.org/drawingml/2006/main" xmlns:r="http://schemas.openxmlformats.org/officeDocument/2006/relationships" xmlns:p="http://schemas.openxmlformats.org/presentationml/2006/main">
   <p:cSld>
     <p:spTree>
@@ -19944,7 +19800,7 @@
             </a:pPr>
             <a:fld id="{00000000-1234-1234-1234-123412341234}" type="slidenum">
               <a:rPr lang="en" smtClean="0"/>
-              <a:t>69</a:t>
+              <a:t>68</a:t>
             </a:fld>
             <a:endParaRPr lang="en"/>
           </a:p>
@@ -19984,6 +19840,196 @@
     <p:extLst>
       <p:ext uri="{BB962C8B-B14F-4D97-AF65-F5344CB8AC3E}">
         <p14:creationId xmlns:p14="http://schemas.microsoft.com/office/powerpoint/2010/main" val="1571255326"/>
+      </p:ext>
+    </p:extLst>
+  </p:cSld>
+  <p:clrMapOvr>
+    <a:masterClrMapping/>
+  </p:clrMapOvr>
+</p:sld>
+</file>
+
+<file path=ppt/slides/slide69.xml><?xml version="1.0" encoding="utf-8"?>
+<p:sld xmlns:a="http://schemas.openxmlformats.org/drawingml/2006/main" xmlns:r="http://schemas.openxmlformats.org/officeDocument/2006/relationships" xmlns:p="http://schemas.openxmlformats.org/presentationml/2006/main">
+  <p:cSld>
+    <p:spTree>
+      <p:nvGrpSpPr>
+        <p:cNvPr id="1" name=""/>
+        <p:cNvGrpSpPr/>
+        <p:nvPr/>
+      </p:nvGrpSpPr>
+      <p:grpSpPr>
+        <a:xfrm>
+          <a:off x="0" y="0"/>
+          <a:ext cx="0" cy="0"/>
+          <a:chOff x="0" y="0"/>
+          <a:chExt cx="0" cy="0"/>
+        </a:xfrm>
+      </p:grpSpPr>
+      <p:sp>
+        <p:nvSpPr>
+          <p:cNvPr id="2" name="Title 1">
+            <a:extLst>
+              <a:ext uri="{FF2B5EF4-FFF2-40B4-BE49-F238E27FC236}">
+                <a16:creationId xmlns:a16="http://schemas.microsoft.com/office/drawing/2014/main" id="{91AE6B55-DB4F-4206-AAA4-BA09E301AAA8}"/>
+              </a:ext>
+            </a:extLst>
+          </p:cNvPr>
+          <p:cNvSpPr>
+            <a:spLocks noGrp="1"/>
+          </p:cNvSpPr>
+          <p:nvPr>
+            <p:ph type="title"/>
+          </p:nvPr>
+        </p:nvSpPr>
+        <p:spPr/>
+        <p:txBody>
+          <a:bodyPr/>
+          <a:lstStyle/>
+          <a:p>
+            <a:r>
+              <a:rPr lang="en-ID" dirty="0"/>
+              <a:t>Write-Only class</a:t>
+            </a:r>
+          </a:p>
+        </p:txBody>
+      </p:sp>
+      <p:sp>
+        <p:nvSpPr>
+          <p:cNvPr id="3" name="Text Placeholder 2">
+            <a:extLst>
+              <a:ext uri="{FF2B5EF4-FFF2-40B4-BE49-F238E27FC236}">
+                <a16:creationId xmlns:a16="http://schemas.microsoft.com/office/drawing/2014/main" id="{6C654041-8481-4567-9A47-AAF849121481}"/>
+              </a:ext>
+            </a:extLst>
+          </p:cNvPr>
+          <p:cNvSpPr>
+            <a:spLocks noGrp="1"/>
+          </p:cNvSpPr>
+          <p:nvPr>
+            <p:ph type="body" idx="1"/>
+          </p:nvPr>
+        </p:nvSpPr>
+        <p:spPr>
+          <a:xfrm>
+            <a:off x="3809999" y="1327350"/>
+            <a:ext cx="4519726" cy="3145500"/>
+          </a:xfrm>
+        </p:spPr>
+        <p:txBody>
+          <a:bodyPr/>
+          <a:lstStyle/>
+          <a:p>
+            <a:r>
+              <a:rPr lang="en-US" sz="1400" dirty="0"/>
+              <a:t>Now, you can't get the value of the college, you can only change the value of college data member.</a:t>
+            </a:r>
+            <a:endParaRPr lang="en-ID" sz="1400" dirty="0"/>
+          </a:p>
+        </p:txBody>
+      </p:sp>
+      <p:sp>
+        <p:nvSpPr>
+          <p:cNvPr id="4" name="Slide Number Placeholder 3">
+            <a:extLst>
+              <a:ext uri="{FF2B5EF4-FFF2-40B4-BE49-F238E27FC236}">
+                <a16:creationId xmlns:a16="http://schemas.microsoft.com/office/drawing/2014/main" id="{9BBA3FBC-BD76-436E-B764-F9ACA3259861}"/>
+              </a:ext>
+            </a:extLst>
+          </p:cNvPr>
+          <p:cNvSpPr>
+            <a:spLocks noGrp="1"/>
+          </p:cNvSpPr>
+          <p:nvPr>
+            <p:ph type="sldNum" idx="12"/>
+          </p:nvPr>
+        </p:nvSpPr>
+        <p:spPr/>
+        <p:txBody>
+          <a:bodyPr/>
+          <a:lstStyle/>
+          <a:p>
+            <a:pPr marL="0" lvl="0" indent="0" algn="r" rtl="0">
+              <a:spcBef>
+                <a:spcPts val="0"/>
+              </a:spcBef>
+              <a:spcAft>
+                <a:spcPts val="0"/>
+              </a:spcAft>
+              <a:buNone/>
+            </a:pPr>
+            <a:fld id="{00000000-1234-1234-1234-123412341234}" type="slidenum">
+              <a:rPr lang="en" smtClean="0"/>
+              <a:t>69</a:t>
+            </a:fld>
+            <a:endParaRPr lang="en"/>
+          </a:p>
+        </p:txBody>
+      </p:sp>
+      <p:pic>
+        <p:nvPicPr>
+          <p:cNvPr id="5" name="Picture 4">
+            <a:extLst>
+              <a:ext uri="{FF2B5EF4-FFF2-40B4-BE49-F238E27FC236}">
+                <a16:creationId xmlns:a16="http://schemas.microsoft.com/office/drawing/2014/main" id="{2A61F376-1224-4134-B9BF-14E288286EDE}"/>
+              </a:ext>
+            </a:extLst>
+          </p:cNvPr>
+          <p:cNvPicPr>
+            <a:picLocks noChangeAspect="1"/>
+          </p:cNvPicPr>
+          <p:nvPr/>
+        </p:nvPicPr>
+        <p:blipFill>
+          <a:blip r:embed="rId2"/>
+          <a:stretch>
+            <a:fillRect/>
+          </a:stretch>
+        </p:blipFill>
+        <p:spPr>
+          <a:xfrm>
+            <a:off x="814276" y="1504951"/>
+            <a:ext cx="2490900" cy="1572067"/>
+          </a:xfrm>
+          <a:prstGeom prst="rect">
+            <a:avLst/>
+          </a:prstGeom>
+        </p:spPr>
+      </p:pic>
+      <p:pic>
+        <p:nvPicPr>
+          <p:cNvPr id="6" name="Picture 5">
+            <a:extLst>
+              <a:ext uri="{FF2B5EF4-FFF2-40B4-BE49-F238E27FC236}">
+                <a16:creationId xmlns:a16="http://schemas.microsoft.com/office/drawing/2014/main" id="{78AE0064-855C-45C8-9145-79DE400EB586}"/>
+              </a:ext>
+            </a:extLst>
+          </p:cNvPr>
+          <p:cNvPicPr>
+            <a:picLocks noChangeAspect="1"/>
+          </p:cNvPicPr>
+          <p:nvPr/>
+        </p:nvPicPr>
+        <p:blipFill>
+          <a:blip r:embed="rId3"/>
+          <a:stretch>
+            <a:fillRect/>
+          </a:stretch>
+        </p:blipFill>
+        <p:spPr>
+          <a:xfrm>
+            <a:off x="3962400" y="1973022"/>
+            <a:ext cx="4872149" cy="598728"/>
+          </a:xfrm>
+          <a:prstGeom prst="rect">
+            <a:avLst/>
+          </a:prstGeom>
+        </p:spPr>
+      </p:pic>
+    </p:spTree>
+    <p:extLst>
+      <p:ext uri="{BB962C8B-B14F-4D97-AF65-F5344CB8AC3E}">
+        <p14:creationId xmlns:p14="http://schemas.microsoft.com/office/powerpoint/2010/main" val="1903579567"/>
       </p:ext>
     </p:extLst>
   </p:cSld>
@@ -20198,7 +20244,7 @@
           <p:cNvPr id="2" name="Title 1">
             <a:extLst>
               <a:ext uri="{FF2B5EF4-FFF2-40B4-BE49-F238E27FC236}">
-                <a16:creationId xmlns:a16="http://schemas.microsoft.com/office/drawing/2014/main" id="{91AE6B55-DB4F-4206-AAA4-BA09E301AAA8}"/>
+                <a16:creationId xmlns:a16="http://schemas.microsoft.com/office/drawing/2014/main" id="{E1C4B97A-B25F-41FC-AB69-42B4BFB8A996}"/>
               </a:ext>
             </a:extLst>
           </p:cNvPr>
@@ -20206,7 +20252,7 @@
             <a:spLocks noGrp="1"/>
           </p:cNvSpPr>
           <p:nvPr>
-            <p:ph type="title"/>
+            <p:ph type="ctrTitle"/>
           </p:nvPr>
         </p:nvSpPr>
         <p:spPr/>
@@ -20215,18 +20261,19 @@
           <a:lstStyle/>
           <a:p>
             <a:r>
-              <a:rPr lang="en-ID" dirty="0"/>
-              <a:t>Write-Only class</a:t>
-            </a:r>
-          </a:p>
-        </p:txBody>
-      </p:sp>
-      <p:sp>
-        <p:nvSpPr>
-          <p:cNvPr id="3" name="Text Placeholder 2">
-            <a:extLst>
-              <a:ext uri="{FF2B5EF4-FFF2-40B4-BE49-F238E27FC236}">
-                <a16:creationId xmlns:a16="http://schemas.microsoft.com/office/drawing/2014/main" id="{6C654041-8481-4567-9A47-AAF849121481}"/>
+              <a:rPr lang="en-US" dirty="0"/>
+              <a:t>Day 07</a:t>
+            </a:r>
+            <a:endParaRPr lang="en-ID" dirty="0"/>
+          </a:p>
+        </p:txBody>
+      </p:sp>
+      <p:sp>
+        <p:nvSpPr>
+          <p:cNvPr id="3" name="Subtitle 2">
+            <a:extLst>
+              <a:ext uri="{FF2B5EF4-FFF2-40B4-BE49-F238E27FC236}">
+                <a16:creationId xmlns:a16="http://schemas.microsoft.com/office/drawing/2014/main" id="{B2DE4C9C-75AD-4D02-B515-6766EA1A235B}"/>
               </a:ext>
             </a:extLst>
           </p:cNvPr>
@@ -20234,24 +20281,19 @@
             <a:spLocks noGrp="1"/>
           </p:cNvSpPr>
           <p:nvPr>
-            <p:ph type="body" idx="1"/>
+            <p:ph type="subTitle" idx="1"/>
           </p:nvPr>
         </p:nvSpPr>
-        <p:spPr>
-          <a:xfrm>
-            <a:off x="3809999" y="1327350"/>
-            <a:ext cx="4519726" cy="3145500"/>
-          </a:xfrm>
-        </p:spPr>
+        <p:spPr/>
         <p:txBody>
           <a:bodyPr/>
           <a:lstStyle/>
           <a:p>
             <a:r>
-              <a:rPr lang="en-US" sz="1400" dirty="0"/>
-              <a:t>Now, you can't get the value of the college, you can only change the value of college data member.</a:t>
-            </a:r>
-            <a:endParaRPr lang="en-ID" sz="1400" dirty="0"/>
+              <a:rPr lang="en-US" dirty="0"/>
+              <a:t>Study Case</a:t>
+            </a:r>
+            <a:endParaRPr lang="en-ID" dirty="0"/>
           </a:p>
         </p:txBody>
       </p:sp>
@@ -20260,7 +20302,7 @@
           <p:cNvPr id="4" name="Slide Number Placeholder 3">
             <a:extLst>
               <a:ext uri="{FF2B5EF4-FFF2-40B4-BE49-F238E27FC236}">
-                <a16:creationId xmlns:a16="http://schemas.microsoft.com/office/drawing/2014/main" id="{9BBA3FBC-BD76-436E-B764-F9ACA3259861}"/>
+                <a16:creationId xmlns:a16="http://schemas.microsoft.com/office/drawing/2014/main" id="{916DB1F4-E56E-40F8-BE83-A77BD1B29ED2}"/>
               </a:ext>
             </a:extLst>
           </p:cNvPr>
@@ -20293,70 +20335,74 @@
           </a:p>
         </p:txBody>
       </p:sp>
-      <p:pic>
-        <p:nvPicPr>
-          <p:cNvPr id="5" name="Picture 4">
-            <a:extLst>
-              <a:ext uri="{FF2B5EF4-FFF2-40B4-BE49-F238E27FC236}">
-                <a16:creationId xmlns:a16="http://schemas.microsoft.com/office/drawing/2014/main" id="{2A61F376-1224-4134-B9BF-14E288286EDE}"/>
-              </a:ext>
-            </a:extLst>
-          </p:cNvPr>
-          <p:cNvPicPr>
-            <a:picLocks noChangeAspect="1"/>
-          </p:cNvPicPr>
+      <p:sp>
+        <p:nvSpPr>
+          <p:cNvPr id="5" name="Google Shape;224;p14">
+            <a:extLst>
+              <a:ext uri="{FF2B5EF4-FFF2-40B4-BE49-F238E27FC236}">
+                <a16:creationId xmlns:a16="http://schemas.microsoft.com/office/drawing/2014/main" id="{5FDF6675-7522-494F-BFC9-DCE4FBB03259}"/>
+              </a:ext>
+            </a:extLst>
+          </p:cNvPr>
+          <p:cNvSpPr txBox="1"/>
           <p:nvPr/>
-        </p:nvPicPr>
-        <p:blipFill>
-          <a:blip r:embed="rId2"/>
-          <a:stretch>
-            <a:fillRect/>
-          </a:stretch>
-        </p:blipFill>
+        </p:nvSpPr>
         <p:spPr>
           <a:xfrm>
-            <a:off x="814276" y="1504951"/>
-            <a:ext cx="2490900" cy="1572067"/>
+            <a:off x="463525" y="0"/>
+            <a:ext cx="2181600" cy="3136200"/>
           </a:xfrm>
           <a:prstGeom prst="rect">
             <a:avLst/>
           </a:prstGeom>
+          <a:noFill/>
+          <a:ln>
+            <a:noFill/>
+          </a:ln>
         </p:spPr>
-      </p:pic>
-      <p:pic>
-        <p:nvPicPr>
-          <p:cNvPr id="6" name="Picture 5">
-            <a:extLst>
-              <a:ext uri="{FF2B5EF4-FFF2-40B4-BE49-F238E27FC236}">
-                <a16:creationId xmlns:a16="http://schemas.microsoft.com/office/drawing/2014/main" id="{78AE0064-855C-45C8-9145-79DE400EB586}"/>
-              </a:ext>
-            </a:extLst>
-          </p:cNvPr>
-          <p:cNvPicPr>
-            <a:picLocks noChangeAspect="1"/>
-          </p:cNvPicPr>
-          <p:nvPr/>
-        </p:nvPicPr>
-        <p:blipFill>
-          <a:blip r:embed="rId3"/>
-          <a:stretch>
-            <a:fillRect/>
-          </a:stretch>
-        </p:blipFill>
-        <p:spPr>
-          <a:xfrm>
-            <a:off x="3962400" y="1973022"/>
-            <a:ext cx="4872149" cy="598728"/>
-          </a:xfrm>
-          <a:prstGeom prst="rect">
-            <a:avLst/>
-          </a:prstGeom>
-        </p:spPr>
-      </p:pic>
+        <p:txBody>
+          <a:bodyPr spcFirstLastPara="1" wrap="square" lIns="91425" tIns="91425" rIns="91425" bIns="91425" anchor="b" anchorCtr="0">
+            <a:noAutofit/>
+          </a:bodyPr>
+          <a:lstStyle/>
+          <a:p>
+            <a:pPr marL="0" lvl="0" indent="0" algn="l" rtl="0">
+              <a:spcBef>
+                <a:spcPts val="0"/>
+              </a:spcBef>
+              <a:spcAft>
+                <a:spcPts val="0"/>
+              </a:spcAft>
+              <a:buNone/>
+            </a:pPr>
+            <a:r>
+              <a:rPr lang="en" sz="12000" b="1" dirty="0">
+                <a:solidFill>
+                  <a:srgbClr val="3F5378"/>
+                </a:solidFill>
+                <a:latin typeface="Roboto Condensed"/>
+                <a:ea typeface="Roboto Condensed"/>
+                <a:cs typeface="Roboto Condensed"/>
+                <a:sym typeface="Roboto Condensed"/>
+              </a:rPr>
+              <a:t>9</a:t>
+            </a:r>
+            <a:endParaRPr sz="3000" b="1" dirty="0">
+              <a:solidFill>
+                <a:srgbClr val="3F5378"/>
+              </a:solidFill>
+              <a:latin typeface="Roboto Condensed"/>
+              <a:ea typeface="Roboto Condensed"/>
+              <a:cs typeface="Roboto Condensed"/>
+              <a:sym typeface="Roboto Condensed"/>
+            </a:endParaRPr>
+          </a:p>
+        </p:txBody>
+      </p:sp>
     </p:spTree>
     <p:extLst>
       <p:ext uri="{BB962C8B-B14F-4D97-AF65-F5344CB8AC3E}">
-        <p14:creationId xmlns:p14="http://schemas.microsoft.com/office/powerpoint/2010/main" val="1903579567"/>
+        <p14:creationId xmlns:p14="http://schemas.microsoft.com/office/powerpoint/2010/main" val="2109803704"/>
       </p:ext>
     </p:extLst>
   </p:cSld>
@@ -20385,68 +20431,10 @@
       </p:grpSpPr>
       <p:sp>
         <p:nvSpPr>
-          <p:cNvPr id="2" name="Title 1">
-            <a:extLst>
-              <a:ext uri="{FF2B5EF4-FFF2-40B4-BE49-F238E27FC236}">
-                <a16:creationId xmlns:a16="http://schemas.microsoft.com/office/drawing/2014/main" id="{E1C4B97A-B25F-41FC-AB69-42B4BFB8A996}"/>
-              </a:ext>
-            </a:extLst>
-          </p:cNvPr>
-          <p:cNvSpPr>
-            <a:spLocks noGrp="1"/>
-          </p:cNvSpPr>
-          <p:nvPr>
-            <p:ph type="ctrTitle"/>
-          </p:nvPr>
-        </p:nvSpPr>
-        <p:spPr/>
-        <p:txBody>
-          <a:bodyPr/>
-          <a:lstStyle/>
-          <a:p>
-            <a:r>
-              <a:rPr lang="en-US" dirty="0"/>
-              <a:t>Day 07</a:t>
-            </a:r>
-            <a:endParaRPr lang="en-ID" dirty="0"/>
-          </a:p>
-        </p:txBody>
-      </p:sp>
-      <p:sp>
-        <p:nvSpPr>
-          <p:cNvPr id="3" name="Subtitle 2">
-            <a:extLst>
-              <a:ext uri="{FF2B5EF4-FFF2-40B4-BE49-F238E27FC236}">
-                <a16:creationId xmlns:a16="http://schemas.microsoft.com/office/drawing/2014/main" id="{B2DE4C9C-75AD-4D02-B515-6766EA1A235B}"/>
-              </a:ext>
-            </a:extLst>
-          </p:cNvPr>
-          <p:cNvSpPr>
-            <a:spLocks noGrp="1"/>
-          </p:cNvSpPr>
-          <p:nvPr>
-            <p:ph type="subTitle" idx="1"/>
-          </p:nvPr>
-        </p:nvSpPr>
-        <p:spPr/>
-        <p:txBody>
-          <a:bodyPr/>
-          <a:lstStyle/>
-          <a:p>
-            <a:r>
-              <a:rPr lang="en-US" dirty="0"/>
-              <a:t>Study Case</a:t>
-            </a:r>
-            <a:endParaRPr lang="en-ID" dirty="0"/>
-          </a:p>
-        </p:txBody>
-      </p:sp>
-      <p:sp>
-        <p:nvSpPr>
           <p:cNvPr id="4" name="Slide Number Placeholder 3">
             <a:extLst>
               <a:ext uri="{FF2B5EF4-FFF2-40B4-BE49-F238E27FC236}">
-                <a16:creationId xmlns:a16="http://schemas.microsoft.com/office/drawing/2014/main" id="{916DB1F4-E56E-40F8-BE83-A77BD1B29ED2}"/>
+                <a16:creationId xmlns:a16="http://schemas.microsoft.com/office/drawing/2014/main" id="{1D917FBD-8F02-4F84-B83E-CB15A021E041}"/>
               </a:ext>
             </a:extLst>
           </p:cNvPr>
@@ -20474,138 +20462,6 @@
             <a:fld id="{00000000-1234-1234-1234-123412341234}" type="slidenum">
               <a:rPr lang="en" smtClean="0"/>
               <a:t>71</a:t>
-            </a:fld>
-            <a:endParaRPr lang="en"/>
-          </a:p>
-        </p:txBody>
-      </p:sp>
-      <p:sp>
-        <p:nvSpPr>
-          <p:cNvPr id="5" name="Google Shape;224;p14">
-            <a:extLst>
-              <a:ext uri="{FF2B5EF4-FFF2-40B4-BE49-F238E27FC236}">
-                <a16:creationId xmlns:a16="http://schemas.microsoft.com/office/drawing/2014/main" id="{5FDF6675-7522-494F-BFC9-DCE4FBB03259}"/>
-              </a:ext>
-            </a:extLst>
-          </p:cNvPr>
-          <p:cNvSpPr txBox="1"/>
-          <p:nvPr/>
-        </p:nvSpPr>
-        <p:spPr>
-          <a:xfrm>
-            <a:off x="463525" y="0"/>
-            <a:ext cx="2181600" cy="3136200"/>
-          </a:xfrm>
-          <a:prstGeom prst="rect">
-            <a:avLst/>
-          </a:prstGeom>
-          <a:noFill/>
-          <a:ln>
-            <a:noFill/>
-          </a:ln>
-        </p:spPr>
-        <p:txBody>
-          <a:bodyPr spcFirstLastPara="1" wrap="square" lIns="91425" tIns="91425" rIns="91425" bIns="91425" anchor="b" anchorCtr="0">
-            <a:noAutofit/>
-          </a:bodyPr>
-          <a:lstStyle/>
-          <a:p>
-            <a:pPr marL="0" lvl="0" indent="0" algn="l" rtl="0">
-              <a:spcBef>
-                <a:spcPts val="0"/>
-              </a:spcBef>
-              <a:spcAft>
-                <a:spcPts val="0"/>
-              </a:spcAft>
-              <a:buNone/>
-            </a:pPr>
-            <a:r>
-              <a:rPr lang="en" sz="12000" b="1" dirty="0">
-                <a:solidFill>
-                  <a:srgbClr val="3F5378"/>
-                </a:solidFill>
-                <a:latin typeface="Roboto Condensed"/>
-                <a:ea typeface="Roboto Condensed"/>
-                <a:cs typeface="Roboto Condensed"/>
-                <a:sym typeface="Roboto Condensed"/>
-              </a:rPr>
-              <a:t>9</a:t>
-            </a:r>
-            <a:endParaRPr sz="3000" b="1" dirty="0">
-              <a:solidFill>
-                <a:srgbClr val="3F5378"/>
-              </a:solidFill>
-              <a:latin typeface="Roboto Condensed"/>
-              <a:ea typeface="Roboto Condensed"/>
-              <a:cs typeface="Roboto Condensed"/>
-              <a:sym typeface="Roboto Condensed"/>
-            </a:endParaRPr>
-          </a:p>
-        </p:txBody>
-      </p:sp>
-    </p:spTree>
-    <p:extLst>
-      <p:ext uri="{BB962C8B-B14F-4D97-AF65-F5344CB8AC3E}">
-        <p14:creationId xmlns:p14="http://schemas.microsoft.com/office/powerpoint/2010/main" val="2109803704"/>
-      </p:ext>
-    </p:extLst>
-  </p:cSld>
-  <p:clrMapOvr>
-    <a:masterClrMapping/>
-  </p:clrMapOvr>
-</p:sld>
-</file>
-
-<file path=ppt/slides/slide72.xml><?xml version="1.0" encoding="utf-8"?>
-<p:sld xmlns:a="http://schemas.openxmlformats.org/drawingml/2006/main" xmlns:r="http://schemas.openxmlformats.org/officeDocument/2006/relationships" xmlns:p="http://schemas.openxmlformats.org/presentationml/2006/main">
-  <p:cSld>
-    <p:spTree>
-      <p:nvGrpSpPr>
-        <p:cNvPr id="1" name=""/>
-        <p:cNvGrpSpPr/>
-        <p:nvPr/>
-      </p:nvGrpSpPr>
-      <p:grpSpPr>
-        <a:xfrm>
-          <a:off x="0" y="0"/>
-          <a:ext cx="0" cy="0"/>
-          <a:chOff x="0" y="0"/>
-          <a:chExt cx="0" cy="0"/>
-        </a:xfrm>
-      </p:grpSpPr>
-      <p:sp>
-        <p:nvSpPr>
-          <p:cNvPr id="4" name="Slide Number Placeholder 3">
-            <a:extLst>
-              <a:ext uri="{FF2B5EF4-FFF2-40B4-BE49-F238E27FC236}">
-                <a16:creationId xmlns:a16="http://schemas.microsoft.com/office/drawing/2014/main" id="{1D917FBD-8F02-4F84-B83E-CB15A021E041}"/>
-              </a:ext>
-            </a:extLst>
-          </p:cNvPr>
-          <p:cNvSpPr>
-            <a:spLocks noGrp="1"/>
-          </p:cNvSpPr>
-          <p:nvPr>
-            <p:ph type="sldNum" idx="12"/>
-          </p:nvPr>
-        </p:nvSpPr>
-        <p:spPr/>
-        <p:txBody>
-          <a:bodyPr/>
-          <a:lstStyle/>
-          <a:p>
-            <a:pPr marL="0" lvl="0" indent="0" algn="r" rtl="0">
-              <a:spcBef>
-                <a:spcPts val="0"/>
-              </a:spcBef>
-              <a:spcAft>
-                <a:spcPts val="0"/>
-              </a:spcAft>
-              <a:buNone/>
-            </a:pPr>
-            <a:fld id="{00000000-1234-1234-1234-123412341234}" type="slidenum">
-              <a:rPr lang="en" smtClean="0"/>
-              <a:t>72</a:t>
             </a:fld>
             <a:endParaRPr lang="en"/>
           </a:p>
@@ -21743,7 +21599,7 @@
 </p:sld>
 </file>
 
-<file path=ppt/slides/slide73.xml><?xml version="1.0" encoding="utf-8"?>
+<file path=ppt/slides/slide72.xml><?xml version="1.0" encoding="utf-8"?>
 <p:sld xmlns:a="http://schemas.openxmlformats.org/drawingml/2006/main" xmlns:r="http://schemas.openxmlformats.org/officeDocument/2006/relationships" xmlns:p="http://schemas.openxmlformats.org/presentationml/2006/main">
   <p:cSld>
     <p:spTree>
@@ -21792,7 +21648,7 @@
             </a:pPr>
             <a:fld id="{00000000-1234-1234-1234-123412341234}" type="slidenum">
               <a:rPr lang="en" smtClean="0"/>
-              <a:t>73</a:t>
+              <a:t>72</a:t>
             </a:fld>
             <a:endParaRPr lang="en"/>
           </a:p>
